--- a/Logigramme.pptx
+++ b/Logigramme.pptx
@@ -5,10 +5,13 @@
     <p:sldMasterId id="2147483660" r:id="rId1"/>
   </p:sldMasterIdLst>
   <p:notesMasterIdLst>
-    <p:notesMasterId r:id="rId3"/>
+    <p:notesMasterId r:id="rId6"/>
   </p:notesMasterIdLst>
   <p:sldIdLst>
-    <p:sldId id="256" r:id="rId2"/>
+    <p:sldId id="258" r:id="rId2"/>
+    <p:sldId id="257" r:id="rId3"/>
+    <p:sldId id="259" r:id="rId4"/>
+    <p:sldId id="260" r:id="rId5"/>
   </p:sldIdLst>
   <p:sldSz cx="6858000" cy="12192000"/>
   <p:notesSz cx="6858000" cy="9144000"/>
@@ -110,12 +113,12 @@
   <p:extLst>
     <p:ext uri="{EFAFB233-063F-42B5-8137-9DF3F51BA10A}">
       <p15:sldGuideLst xmlns:p15="http://schemas.microsoft.com/office/powerpoint/2012/main">
-        <p15:guide id="1" orient="horz" pos="3840" userDrawn="1">
+        <p15:guide id="1" orient="horz" pos="5813" userDrawn="1">
           <p15:clr>
             <a:srgbClr val="A4A3A4"/>
           </p15:clr>
         </p15:guide>
-        <p15:guide id="2" pos="2160" userDrawn="1">
+        <p15:guide id="2" pos="2115" userDrawn="1">
           <p15:clr>
             <a:srgbClr val="A4A3A4"/>
           </p15:clr>
@@ -549,7 +552,259 @@
     </p:spTree>
     <p:extLst>
       <p:ext uri="{BB962C8B-B14F-4D97-AF65-F5344CB8AC3E}">
-        <p14:creationId xmlns:p14="http://schemas.microsoft.com/office/powerpoint/2010/main" val="1887624023"/>
+        <p14:creationId xmlns:p14="http://schemas.microsoft.com/office/powerpoint/2010/main" val="2133778785"/>
+      </p:ext>
+    </p:extLst>
+  </p:cSld>
+  <p:clrMapOvr>
+    <a:masterClrMapping/>
+  </p:clrMapOvr>
+</p:notes>
+</file>
+
+<file path=ppt/notesSlides/notesSlide2.xml><?xml version="1.0" encoding="utf-8"?>
+<p:notes xmlns:a="http://schemas.openxmlformats.org/drawingml/2006/main" xmlns:r="http://schemas.openxmlformats.org/officeDocument/2006/relationships" xmlns:p="http://schemas.openxmlformats.org/presentationml/2006/main">
+  <p:cSld>
+    <p:spTree>
+      <p:nvGrpSpPr>
+        <p:cNvPr id="1" name=""/>
+        <p:cNvGrpSpPr/>
+        <p:nvPr/>
+      </p:nvGrpSpPr>
+      <p:grpSpPr>
+        <a:xfrm>
+          <a:off x="0" y="0"/>
+          <a:ext cx="0" cy="0"/>
+          <a:chOff x="0" y="0"/>
+          <a:chExt cx="0" cy="0"/>
+        </a:xfrm>
+      </p:grpSpPr>
+      <p:sp>
+        <p:nvSpPr>
+          <p:cNvPr id="2" name="Espace réservé de l'image des diapositives 1"/>
+          <p:cNvSpPr>
+            <a:spLocks noGrp="1" noRot="1" noChangeAspect="1"/>
+          </p:cNvSpPr>
+          <p:nvPr>
+            <p:ph type="sldImg"/>
+          </p:nvPr>
+        </p:nvSpPr>
+        <p:spPr/>
+      </p:sp>
+      <p:sp>
+        <p:nvSpPr>
+          <p:cNvPr id="3" name="Espace réservé des notes 2"/>
+          <p:cNvSpPr>
+            <a:spLocks noGrp="1"/>
+          </p:cNvSpPr>
+          <p:nvPr>
+            <p:ph type="body" idx="1"/>
+          </p:nvPr>
+        </p:nvSpPr>
+        <p:spPr/>
+        <p:txBody>
+          <a:bodyPr/>
+          <a:lstStyle/>
+          <a:p>
+            <a:endParaRPr lang="fr-FR" dirty="0"/>
+          </a:p>
+        </p:txBody>
+      </p:sp>
+      <p:sp>
+        <p:nvSpPr>
+          <p:cNvPr id="4" name="Espace réservé du numéro de diapositive 3"/>
+          <p:cNvSpPr>
+            <a:spLocks noGrp="1"/>
+          </p:cNvSpPr>
+          <p:nvPr>
+            <p:ph type="sldNum" sz="quarter" idx="5"/>
+          </p:nvPr>
+        </p:nvSpPr>
+        <p:spPr/>
+        <p:txBody>
+          <a:bodyPr/>
+          <a:lstStyle/>
+          <a:p>
+            <a:fld id="{1D87832B-BA64-428E-8D0E-EEFB727C6FD1}" type="slidenum">
+              <a:rPr lang="fr-FR" smtClean="0"/>
+              <a:t>2</a:t>
+            </a:fld>
+            <a:endParaRPr lang="fr-FR"/>
+          </a:p>
+        </p:txBody>
+      </p:sp>
+    </p:spTree>
+    <p:extLst>
+      <p:ext uri="{BB962C8B-B14F-4D97-AF65-F5344CB8AC3E}">
+        <p14:creationId xmlns:p14="http://schemas.microsoft.com/office/powerpoint/2010/main" val="3984778478"/>
+      </p:ext>
+    </p:extLst>
+  </p:cSld>
+  <p:clrMapOvr>
+    <a:masterClrMapping/>
+  </p:clrMapOvr>
+</p:notes>
+</file>
+
+<file path=ppt/notesSlides/notesSlide3.xml><?xml version="1.0" encoding="utf-8"?>
+<p:notes xmlns:a="http://schemas.openxmlformats.org/drawingml/2006/main" xmlns:r="http://schemas.openxmlformats.org/officeDocument/2006/relationships" xmlns:p="http://schemas.openxmlformats.org/presentationml/2006/main">
+  <p:cSld>
+    <p:spTree>
+      <p:nvGrpSpPr>
+        <p:cNvPr id="1" name=""/>
+        <p:cNvGrpSpPr/>
+        <p:nvPr/>
+      </p:nvGrpSpPr>
+      <p:grpSpPr>
+        <a:xfrm>
+          <a:off x="0" y="0"/>
+          <a:ext cx="0" cy="0"/>
+          <a:chOff x="0" y="0"/>
+          <a:chExt cx="0" cy="0"/>
+        </a:xfrm>
+      </p:grpSpPr>
+      <p:sp>
+        <p:nvSpPr>
+          <p:cNvPr id="2" name="Espace réservé de l'image des diapositives 1"/>
+          <p:cNvSpPr>
+            <a:spLocks noGrp="1" noRot="1" noChangeAspect="1"/>
+          </p:cNvSpPr>
+          <p:nvPr>
+            <p:ph type="sldImg"/>
+          </p:nvPr>
+        </p:nvSpPr>
+        <p:spPr/>
+      </p:sp>
+      <p:sp>
+        <p:nvSpPr>
+          <p:cNvPr id="3" name="Espace réservé des notes 2"/>
+          <p:cNvSpPr>
+            <a:spLocks noGrp="1"/>
+          </p:cNvSpPr>
+          <p:nvPr>
+            <p:ph type="body" idx="1"/>
+          </p:nvPr>
+        </p:nvSpPr>
+        <p:spPr/>
+        <p:txBody>
+          <a:bodyPr/>
+          <a:lstStyle/>
+          <a:p>
+            <a:endParaRPr lang="fr-FR" dirty="0"/>
+          </a:p>
+        </p:txBody>
+      </p:sp>
+      <p:sp>
+        <p:nvSpPr>
+          <p:cNvPr id="4" name="Espace réservé du numéro de diapositive 3"/>
+          <p:cNvSpPr>
+            <a:spLocks noGrp="1"/>
+          </p:cNvSpPr>
+          <p:nvPr>
+            <p:ph type="sldNum" sz="quarter" idx="5"/>
+          </p:nvPr>
+        </p:nvSpPr>
+        <p:spPr/>
+        <p:txBody>
+          <a:bodyPr/>
+          <a:lstStyle/>
+          <a:p>
+            <a:fld id="{1D87832B-BA64-428E-8D0E-EEFB727C6FD1}" type="slidenum">
+              <a:rPr lang="fr-FR" smtClean="0"/>
+              <a:t>3</a:t>
+            </a:fld>
+            <a:endParaRPr lang="fr-FR"/>
+          </a:p>
+        </p:txBody>
+      </p:sp>
+    </p:spTree>
+    <p:extLst>
+      <p:ext uri="{BB962C8B-B14F-4D97-AF65-F5344CB8AC3E}">
+        <p14:creationId xmlns:p14="http://schemas.microsoft.com/office/powerpoint/2010/main" val="3871066454"/>
+      </p:ext>
+    </p:extLst>
+  </p:cSld>
+  <p:clrMapOvr>
+    <a:masterClrMapping/>
+  </p:clrMapOvr>
+</p:notes>
+</file>
+
+<file path=ppt/notesSlides/notesSlide4.xml><?xml version="1.0" encoding="utf-8"?>
+<p:notes xmlns:a="http://schemas.openxmlformats.org/drawingml/2006/main" xmlns:r="http://schemas.openxmlformats.org/officeDocument/2006/relationships" xmlns:p="http://schemas.openxmlformats.org/presentationml/2006/main">
+  <p:cSld>
+    <p:spTree>
+      <p:nvGrpSpPr>
+        <p:cNvPr id="1" name=""/>
+        <p:cNvGrpSpPr/>
+        <p:nvPr/>
+      </p:nvGrpSpPr>
+      <p:grpSpPr>
+        <a:xfrm>
+          <a:off x="0" y="0"/>
+          <a:ext cx="0" cy="0"/>
+          <a:chOff x="0" y="0"/>
+          <a:chExt cx="0" cy="0"/>
+        </a:xfrm>
+      </p:grpSpPr>
+      <p:sp>
+        <p:nvSpPr>
+          <p:cNvPr id="2" name="Espace réservé de l'image des diapositives 1"/>
+          <p:cNvSpPr>
+            <a:spLocks noGrp="1" noRot="1" noChangeAspect="1"/>
+          </p:cNvSpPr>
+          <p:nvPr>
+            <p:ph type="sldImg"/>
+          </p:nvPr>
+        </p:nvSpPr>
+        <p:spPr/>
+      </p:sp>
+      <p:sp>
+        <p:nvSpPr>
+          <p:cNvPr id="3" name="Espace réservé des notes 2"/>
+          <p:cNvSpPr>
+            <a:spLocks noGrp="1"/>
+          </p:cNvSpPr>
+          <p:nvPr>
+            <p:ph type="body" idx="1"/>
+          </p:nvPr>
+        </p:nvSpPr>
+        <p:spPr/>
+        <p:txBody>
+          <a:bodyPr/>
+          <a:lstStyle/>
+          <a:p>
+            <a:endParaRPr lang="fr-FR" dirty="0"/>
+          </a:p>
+        </p:txBody>
+      </p:sp>
+      <p:sp>
+        <p:nvSpPr>
+          <p:cNvPr id="4" name="Espace réservé du numéro de diapositive 3"/>
+          <p:cNvSpPr>
+            <a:spLocks noGrp="1"/>
+          </p:cNvSpPr>
+          <p:nvPr>
+            <p:ph type="sldNum" sz="quarter" idx="5"/>
+          </p:nvPr>
+        </p:nvSpPr>
+        <p:spPr/>
+        <p:txBody>
+          <a:bodyPr/>
+          <a:lstStyle/>
+          <a:p>
+            <a:fld id="{1D87832B-BA64-428E-8D0E-EEFB727C6FD1}" type="slidenum">
+              <a:rPr lang="fr-FR" smtClean="0"/>
+              <a:t>4</a:t>
+            </a:fld>
+            <a:endParaRPr lang="fr-FR"/>
+          </a:p>
+        </p:txBody>
+      </p:sp>
+    </p:spTree>
+    <p:extLst>
+      <p:ext uri="{BB962C8B-B14F-4D97-AF65-F5344CB8AC3E}">
+        <p14:creationId xmlns:p14="http://schemas.microsoft.com/office/powerpoint/2010/main" val="13069671"/>
       </p:ext>
     </p:extLst>
   </p:cSld>
@@ -2865,9 +3120,39 @@
 <p:sldMaster xmlns:a="http://schemas.openxmlformats.org/drawingml/2006/main" xmlns:r="http://schemas.openxmlformats.org/officeDocument/2006/relationships" xmlns:p="http://schemas.openxmlformats.org/presentationml/2006/main">
   <p:cSld>
     <p:bg>
-      <p:bgRef idx="1001">
-        <a:schemeClr val="bg1"/>
-      </p:bgRef>
+      <p:bgPr>
+        <a:gradFill flip="none" rotWithShape="1">
+          <a:gsLst>
+            <a:gs pos="0">
+              <a:schemeClr val="accent1">
+                <a:lumMod val="5000"/>
+                <a:lumOff val="95000"/>
+              </a:schemeClr>
+            </a:gs>
+            <a:gs pos="74000">
+              <a:schemeClr val="accent1">
+                <a:lumMod val="45000"/>
+                <a:lumOff val="55000"/>
+              </a:schemeClr>
+            </a:gs>
+            <a:gs pos="83000">
+              <a:schemeClr val="accent1">
+                <a:lumMod val="45000"/>
+                <a:lumOff val="55000"/>
+              </a:schemeClr>
+            </a:gs>
+            <a:gs pos="100000">
+              <a:schemeClr val="accent1">
+                <a:lumMod val="30000"/>
+                <a:lumOff val="70000"/>
+              </a:schemeClr>
+            </a:gs>
+          </a:gsLst>
+          <a:lin ang="5400000" scaled="1"/>
+          <a:tileRect/>
+        </a:gradFill>
+        <a:effectLst/>
+      </p:bgPr>
     </p:bg>
     <p:spTree>
       <p:nvGrpSpPr>
@@ -3404,41 +3689,6 @@
 <file path=ppt/slides/slide1.xml><?xml version="1.0" encoding="utf-8"?>
 <p:sld xmlns:a="http://schemas.openxmlformats.org/drawingml/2006/main" xmlns:r="http://schemas.openxmlformats.org/officeDocument/2006/relationships" xmlns:p="http://schemas.openxmlformats.org/presentationml/2006/main">
   <p:cSld>
-    <p:bg>
-      <p:bgPr>
-        <a:gradFill flip="none" rotWithShape="1">
-          <a:gsLst>
-            <a:gs pos="0">
-              <a:schemeClr val="accent1">
-                <a:lumMod val="5000"/>
-                <a:lumOff val="95000"/>
-              </a:schemeClr>
-            </a:gs>
-            <a:gs pos="74000">
-              <a:schemeClr val="accent1">
-                <a:lumMod val="45000"/>
-                <a:lumOff val="55000"/>
-              </a:schemeClr>
-            </a:gs>
-            <a:gs pos="83000">
-              <a:schemeClr val="accent1">
-                <a:lumMod val="45000"/>
-                <a:lumOff val="55000"/>
-              </a:schemeClr>
-            </a:gs>
-            <a:gs pos="100000">
-              <a:schemeClr val="accent1">
-                <a:lumMod val="30000"/>
-                <a:lumOff val="70000"/>
-              </a:schemeClr>
-            </a:gs>
-          </a:gsLst>
-          <a:lin ang="5400000" scaled="1"/>
-          <a:tileRect/>
-        </a:gradFill>
-        <a:effectLst/>
-      </p:bgPr>
-    </p:bg>
     <p:spTree>
       <p:nvGrpSpPr>
         <p:cNvPr id="1" name=""/>
@@ -3539,7 +3789,7 @@
           <a:lstStyle/>
           <a:p>
             <a:r>
-              <a:rPr lang="en-US"/>
+              <a:rPr lang="en-US" dirty="0"/>
               <a:t>Main Menu</a:t>
             </a:r>
           </a:p>
@@ -3647,6 +3897,7 @@
             </a:extLst>
           </p:cNvPr>
           <p:cNvCxnSpPr>
+            <a:cxnSpLocks/>
             <a:stCxn id="9" idx="2"/>
             <a:endCxn id="10" idx="0"/>
           </p:cNvCxnSpPr>
@@ -3803,8 +4054,8 @@
           <a:lstStyle/>
           <a:p>
             <a:r>
-              <a:rPr lang="en-US"/>
-              <a:t>While Action != 6</a:t>
+              <a:rPr lang="en-US" dirty="0"/>
+              <a:t>While Action != 5</a:t>
             </a:r>
           </a:p>
         </p:txBody>
@@ -4009,7 +4260,7 @@
           <a:lstStyle/>
           <a:p>
             <a:r>
-              <a:rPr lang="en-US"/>
+              <a:rPr lang="en-US" dirty="0"/>
               <a:t>Add Student</a:t>
             </a:r>
           </a:p>
@@ -4710,8 +4961,8 @@
           <a:lstStyle/>
           <a:p>
             <a:r>
-              <a:rPr lang="en-US"/>
-              <a:t>Action = 6</a:t>
+              <a:rPr lang="en-US" dirty="0"/>
+              <a:t>Action = 5</a:t>
             </a:r>
           </a:p>
         </p:txBody>
@@ -5022,8 +5273,285 @@
           <a:lstStyle/>
           <a:p>
             <a:r>
-              <a:rPr lang="en-US"/>
-              <a:t>Action != 6</a:t>
+              <a:rPr lang="en-US" dirty="0"/>
+              <a:t>Action != 5</a:t>
+            </a:r>
+          </a:p>
+        </p:txBody>
+      </p:sp>
+      <p:sp>
+        <p:nvSpPr>
+          <p:cNvPr id="41" name="Rectangle : coins arrondis 40">
+            <a:extLst>
+              <a:ext uri="{FF2B5EF4-FFF2-40B4-BE49-F238E27FC236}">
+                <a16:creationId xmlns:a16="http://schemas.microsoft.com/office/drawing/2014/main" id="{8EEF722D-C682-4C06-A631-4CCFDDB6BA78}"/>
+              </a:ext>
+            </a:extLst>
+          </p:cNvPr>
+          <p:cNvSpPr/>
+          <p:nvPr/>
+        </p:nvSpPr>
+        <p:spPr>
+          <a:xfrm>
+            <a:off x="574945" y="8123718"/>
+            <a:ext cx="1341120" cy="701040"/>
+          </a:xfrm>
+          <a:prstGeom prst="roundRect">
+            <a:avLst/>
+          </a:prstGeom>
+          <a:solidFill>
+            <a:schemeClr val="accent2">
+              <a:lumMod val="20000"/>
+              <a:lumOff val="80000"/>
+            </a:schemeClr>
+          </a:solidFill>
+          <a:ln w="38100">
+            <a:solidFill>
+              <a:schemeClr val="accent1"/>
+            </a:solidFill>
+          </a:ln>
+        </p:spPr>
+        <p:style>
+          <a:lnRef idx="2">
+            <a:schemeClr val="accent1">
+              <a:shade val="50000"/>
+            </a:schemeClr>
+          </a:lnRef>
+          <a:fillRef idx="1">
+            <a:schemeClr val="accent1"/>
+          </a:fillRef>
+          <a:effectRef idx="0">
+            <a:schemeClr val="accent1"/>
+          </a:effectRef>
+          <a:fontRef idx="minor">
+            <a:schemeClr val="lt1"/>
+          </a:fontRef>
+        </p:style>
+        <p:txBody>
+          <a:bodyPr rtlCol="0" anchor="ctr"/>
+          <a:lstStyle/>
+          <a:p>
+            <a:pPr algn="ctr"/>
+            <a:endParaRPr lang="en-US"/>
+          </a:p>
+        </p:txBody>
+      </p:sp>
+      <p:sp>
+        <p:nvSpPr>
+          <p:cNvPr id="42" name="ZoneTexte 41">
+            <a:extLst>
+              <a:ext uri="{FF2B5EF4-FFF2-40B4-BE49-F238E27FC236}">
+                <a16:creationId xmlns:a16="http://schemas.microsoft.com/office/drawing/2014/main" id="{6B9B1D25-67C5-460F-B2AF-520E2CF8AC9C}"/>
+              </a:ext>
+            </a:extLst>
+          </p:cNvPr>
+          <p:cNvSpPr txBox="1"/>
+          <p:nvPr/>
+        </p:nvSpPr>
+        <p:spPr>
+          <a:xfrm>
+            <a:off x="574945" y="8289572"/>
+            <a:ext cx="1341120" cy="369332"/>
+          </a:xfrm>
+          <a:prstGeom prst="rect">
+            <a:avLst/>
+          </a:prstGeom>
+          <a:noFill/>
+        </p:spPr>
+        <p:txBody>
+          <a:bodyPr wrap="square" rtlCol="0">
+            <a:spAutoFit/>
+          </a:bodyPr>
+          <a:lstStyle/>
+          <a:p>
+            <a:pPr algn="ctr"/>
+            <a:r>
+              <a:rPr lang="en-US" dirty="0"/>
+              <a:t>Function</a:t>
+            </a:r>
+          </a:p>
+        </p:txBody>
+      </p:sp>
+      <p:sp>
+        <p:nvSpPr>
+          <p:cNvPr id="44" name="Organigramme : Décision 43">
+            <a:extLst>
+              <a:ext uri="{FF2B5EF4-FFF2-40B4-BE49-F238E27FC236}">
+                <a16:creationId xmlns:a16="http://schemas.microsoft.com/office/drawing/2014/main" id="{058DD86D-DEB4-4DCD-9606-06B971865D0C}"/>
+              </a:ext>
+            </a:extLst>
+          </p:cNvPr>
+          <p:cNvSpPr/>
+          <p:nvPr/>
+        </p:nvSpPr>
+        <p:spPr>
+          <a:xfrm>
+            <a:off x="2275481" y="7954018"/>
+            <a:ext cx="2080060" cy="1032486"/>
+          </a:xfrm>
+          <a:prstGeom prst="flowChartDecision">
+            <a:avLst/>
+          </a:prstGeom>
+          <a:solidFill>
+            <a:schemeClr val="accent6">
+              <a:lumMod val="40000"/>
+              <a:lumOff val="60000"/>
+            </a:schemeClr>
+          </a:solidFill>
+          <a:ln w="38100">
+            <a:solidFill>
+              <a:schemeClr val="accent1"/>
+            </a:solidFill>
+          </a:ln>
+        </p:spPr>
+        <p:style>
+          <a:lnRef idx="2">
+            <a:schemeClr val="accent1">
+              <a:shade val="50000"/>
+            </a:schemeClr>
+          </a:lnRef>
+          <a:fillRef idx="1">
+            <a:schemeClr val="accent1"/>
+          </a:fillRef>
+          <a:effectRef idx="0">
+            <a:schemeClr val="accent1"/>
+          </a:effectRef>
+          <a:fontRef idx="minor">
+            <a:schemeClr val="lt1"/>
+          </a:fontRef>
+        </p:style>
+        <p:txBody>
+          <a:bodyPr rtlCol="0" anchor="ctr"/>
+          <a:lstStyle/>
+          <a:p>
+            <a:pPr algn="ctr"/>
+            <a:endParaRPr lang="en-US"/>
+          </a:p>
+        </p:txBody>
+      </p:sp>
+      <p:sp>
+        <p:nvSpPr>
+          <p:cNvPr id="43" name="ZoneTexte 42">
+            <a:extLst>
+              <a:ext uri="{FF2B5EF4-FFF2-40B4-BE49-F238E27FC236}">
+                <a16:creationId xmlns:a16="http://schemas.microsoft.com/office/drawing/2014/main" id="{E4308753-4F73-4423-AF59-E28C304C0124}"/>
+              </a:ext>
+            </a:extLst>
+          </p:cNvPr>
+          <p:cNvSpPr txBox="1"/>
+          <p:nvPr/>
+        </p:nvSpPr>
+        <p:spPr>
+          <a:xfrm>
+            <a:off x="2657507" y="8266941"/>
+            <a:ext cx="1277907" cy="369332"/>
+          </a:xfrm>
+          <a:prstGeom prst="rect">
+            <a:avLst/>
+          </a:prstGeom>
+          <a:noFill/>
+        </p:spPr>
+        <p:txBody>
+          <a:bodyPr wrap="square" rtlCol="0">
+            <a:spAutoFit/>
+          </a:bodyPr>
+          <a:lstStyle/>
+          <a:p>
+            <a:r>
+              <a:rPr lang="en-US" dirty="0"/>
+              <a:t>Declaration</a:t>
+            </a:r>
+          </a:p>
+        </p:txBody>
+      </p:sp>
+      <p:sp>
+        <p:nvSpPr>
+          <p:cNvPr id="45" name="Rectangle 44">
+            <a:extLst>
+              <a:ext uri="{FF2B5EF4-FFF2-40B4-BE49-F238E27FC236}">
+                <a16:creationId xmlns:a16="http://schemas.microsoft.com/office/drawing/2014/main" id="{2F6D8BA4-9370-4548-AB3E-78EF2E99038B}"/>
+              </a:ext>
+            </a:extLst>
+          </p:cNvPr>
+          <p:cNvSpPr/>
+          <p:nvPr/>
+        </p:nvSpPr>
+        <p:spPr>
+          <a:xfrm>
+            <a:off x="4608081" y="8150830"/>
+            <a:ext cx="1813544" cy="567160"/>
+          </a:xfrm>
+          <a:prstGeom prst="rect">
+            <a:avLst/>
+          </a:prstGeom>
+          <a:solidFill>
+            <a:schemeClr val="accent6">
+              <a:lumMod val="40000"/>
+              <a:lumOff val="60000"/>
+            </a:schemeClr>
+          </a:solidFill>
+          <a:ln w="38100">
+            <a:solidFill>
+              <a:schemeClr val="accent1"/>
+            </a:solidFill>
+          </a:ln>
+        </p:spPr>
+        <p:style>
+          <a:lnRef idx="2">
+            <a:schemeClr val="accent1">
+              <a:shade val="50000"/>
+            </a:schemeClr>
+          </a:lnRef>
+          <a:fillRef idx="1">
+            <a:schemeClr val="accent1"/>
+          </a:fillRef>
+          <a:effectRef idx="0">
+            <a:schemeClr val="accent1"/>
+          </a:effectRef>
+          <a:fontRef idx="minor">
+            <a:schemeClr val="lt1"/>
+          </a:fontRef>
+        </p:style>
+        <p:txBody>
+          <a:bodyPr rtlCol="0" anchor="ctr"/>
+          <a:lstStyle/>
+          <a:p>
+            <a:pPr algn="ctr"/>
+            <a:endParaRPr lang="en-US"/>
+          </a:p>
+        </p:txBody>
+      </p:sp>
+      <p:sp>
+        <p:nvSpPr>
+          <p:cNvPr id="46" name="ZoneTexte 45">
+            <a:extLst>
+              <a:ext uri="{FF2B5EF4-FFF2-40B4-BE49-F238E27FC236}">
+                <a16:creationId xmlns:a16="http://schemas.microsoft.com/office/drawing/2014/main" id="{43712545-0C11-438C-9FE6-046AA15B3826}"/>
+              </a:ext>
+            </a:extLst>
+          </p:cNvPr>
+          <p:cNvSpPr txBox="1"/>
+          <p:nvPr/>
+        </p:nvSpPr>
+        <p:spPr>
+          <a:xfrm>
+            <a:off x="4914726" y="8259171"/>
+            <a:ext cx="1138834" cy="369332"/>
+          </a:xfrm>
+          <a:prstGeom prst="rect">
+            <a:avLst/>
+          </a:prstGeom>
+          <a:noFill/>
+        </p:spPr>
+        <p:txBody>
+          <a:bodyPr wrap="square" rtlCol="0">
+            <a:spAutoFit/>
+          </a:bodyPr>
+          <a:lstStyle/>
+          <a:p>
+            <a:r>
+              <a:rPr lang="en-US" dirty="0"/>
+              <a:t>Condition </a:t>
             </a:r>
           </a:p>
         </p:txBody>
@@ -5031,7 +5559,5670 @@
     </p:spTree>
     <p:extLst>
       <p:ext uri="{BB962C8B-B14F-4D97-AF65-F5344CB8AC3E}">
-        <p14:creationId xmlns:p14="http://schemas.microsoft.com/office/powerpoint/2010/main" val="2498788541"/>
+        <p14:creationId xmlns:p14="http://schemas.microsoft.com/office/powerpoint/2010/main" val="409717676"/>
+      </p:ext>
+    </p:extLst>
+  </p:cSld>
+  <p:clrMapOvr>
+    <a:masterClrMapping/>
+  </p:clrMapOvr>
+</p:sld>
+</file>
+
+<file path=ppt/slides/slide2.xml><?xml version="1.0" encoding="utf-8"?>
+<p:sld xmlns:a="http://schemas.openxmlformats.org/drawingml/2006/main" xmlns:r="http://schemas.openxmlformats.org/officeDocument/2006/relationships" xmlns:p="http://schemas.openxmlformats.org/presentationml/2006/main">
+  <p:cSld>
+    <p:spTree>
+      <p:nvGrpSpPr>
+        <p:cNvPr id="1" name=""/>
+        <p:cNvGrpSpPr/>
+        <p:nvPr/>
+      </p:nvGrpSpPr>
+      <p:grpSpPr>
+        <a:xfrm>
+          <a:off x="0" y="0"/>
+          <a:ext cx="0" cy="0"/>
+          <a:chOff x="0" y="0"/>
+          <a:chExt cx="0" cy="0"/>
+        </a:xfrm>
+      </p:grpSpPr>
+      <p:sp>
+        <p:nvSpPr>
+          <p:cNvPr id="9" name="Rectangle : coins arrondis 8">
+            <a:extLst>
+              <a:ext uri="{FF2B5EF4-FFF2-40B4-BE49-F238E27FC236}">
+                <a16:creationId xmlns:a16="http://schemas.microsoft.com/office/drawing/2014/main" id="{06FF00E2-71C2-452A-903C-98ADC1CF4900}"/>
+              </a:ext>
+            </a:extLst>
+          </p:cNvPr>
+          <p:cNvSpPr/>
+          <p:nvPr/>
+        </p:nvSpPr>
+        <p:spPr>
+          <a:xfrm>
+            <a:off x="2129284" y="126309"/>
+            <a:ext cx="1997548" cy="701040"/>
+          </a:xfrm>
+          <a:prstGeom prst="roundRect">
+            <a:avLst/>
+          </a:prstGeom>
+          <a:solidFill>
+            <a:schemeClr val="accent2">
+              <a:lumMod val="20000"/>
+              <a:lumOff val="80000"/>
+            </a:schemeClr>
+          </a:solidFill>
+          <a:ln w="38100">
+            <a:solidFill>
+              <a:schemeClr val="accent1"/>
+            </a:solidFill>
+          </a:ln>
+        </p:spPr>
+        <p:style>
+          <a:lnRef idx="2">
+            <a:schemeClr val="accent1">
+              <a:shade val="50000"/>
+            </a:schemeClr>
+          </a:lnRef>
+          <a:fillRef idx="1">
+            <a:schemeClr val="accent1"/>
+          </a:fillRef>
+          <a:effectRef idx="0">
+            <a:schemeClr val="accent1"/>
+          </a:effectRef>
+          <a:fontRef idx="minor">
+            <a:schemeClr val="lt1"/>
+          </a:fontRef>
+        </p:style>
+        <p:txBody>
+          <a:bodyPr rtlCol="0" anchor="ctr"/>
+          <a:lstStyle/>
+          <a:p>
+            <a:pPr algn="ctr"/>
+            <a:endParaRPr lang="en-US"/>
+          </a:p>
+        </p:txBody>
+      </p:sp>
+      <p:sp>
+        <p:nvSpPr>
+          <p:cNvPr id="8" name="ZoneTexte 7">
+            <a:extLst>
+              <a:ext uri="{FF2B5EF4-FFF2-40B4-BE49-F238E27FC236}">
+                <a16:creationId xmlns:a16="http://schemas.microsoft.com/office/drawing/2014/main" id="{2D7AECFE-5A0B-4E0D-B69B-83ACB7926B16}"/>
+              </a:ext>
+            </a:extLst>
+          </p:cNvPr>
+          <p:cNvSpPr txBox="1"/>
+          <p:nvPr/>
+        </p:nvSpPr>
+        <p:spPr>
+          <a:xfrm>
+            <a:off x="2305456" y="292163"/>
+            <a:ext cx="1694148" cy="369332"/>
+          </a:xfrm>
+          <a:prstGeom prst="rect">
+            <a:avLst/>
+          </a:prstGeom>
+          <a:noFill/>
+        </p:spPr>
+        <p:txBody>
+          <a:bodyPr wrap="square" rtlCol="0">
+            <a:spAutoFit/>
+          </a:bodyPr>
+          <a:lstStyle/>
+          <a:p>
+            <a:r>
+              <a:rPr lang="en-US" dirty="0"/>
+              <a:t>Find one menu</a:t>
+            </a:r>
+          </a:p>
+        </p:txBody>
+      </p:sp>
+      <p:sp>
+        <p:nvSpPr>
+          <p:cNvPr id="10" name="Organigramme : Décision 9">
+            <a:extLst>
+              <a:ext uri="{FF2B5EF4-FFF2-40B4-BE49-F238E27FC236}">
+                <a16:creationId xmlns:a16="http://schemas.microsoft.com/office/drawing/2014/main" id="{4C45989A-B4E4-41E1-8072-5E28D4079282}"/>
+              </a:ext>
+            </a:extLst>
+          </p:cNvPr>
+          <p:cNvSpPr/>
+          <p:nvPr/>
+        </p:nvSpPr>
+        <p:spPr>
+          <a:xfrm>
+            <a:off x="2472738" y="993203"/>
+            <a:ext cx="1310640" cy="701040"/>
+          </a:xfrm>
+          <a:prstGeom prst="flowChartDecision">
+            <a:avLst/>
+          </a:prstGeom>
+          <a:solidFill>
+            <a:schemeClr val="accent6">
+              <a:lumMod val="40000"/>
+              <a:lumOff val="60000"/>
+            </a:schemeClr>
+          </a:solidFill>
+          <a:ln w="38100">
+            <a:solidFill>
+              <a:schemeClr val="accent1"/>
+            </a:solidFill>
+          </a:ln>
+        </p:spPr>
+        <p:style>
+          <a:lnRef idx="2">
+            <a:schemeClr val="accent1">
+              <a:shade val="50000"/>
+            </a:schemeClr>
+          </a:lnRef>
+          <a:fillRef idx="1">
+            <a:schemeClr val="accent1"/>
+          </a:fillRef>
+          <a:effectRef idx="0">
+            <a:schemeClr val="accent1"/>
+          </a:effectRef>
+          <a:fontRef idx="minor">
+            <a:schemeClr val="lt1"/>
+          </a:fontRef>
+        </p:style>
+        <p:txBody>
+          <a:bodyPr rtlCol="0" anchor="ctr"/>
+          <a:lstStyle/>
+          <a:p>
+            <a:pPr algn="ctr"/>
+            <a:endParaRPr lang="en-US"/>
+          </a:p>
+        </p:txBody>
+      </p:sp>
+      <p:sp>
+        <p:nvSpPr>
+          <p:cNvPr id="11" name="ZoneTexte 10">
+            <a:extLst>
+              <a:ext uri="{FF2B5EF4-FFF2-40B4-BE49-F238E27FC236}">
+                <a16:creationId xmlns:a16="http://schemas.microsoft.com/office/drawing/2014/main" id="{0534A67F-BC12-472B-98BE-A0299FA43C44}"/>
+              </a:ext>
+            </a:extLst>
+          </p:cNvPr>
+          <p:cNvSpPr txBox="1"/>
+          <p:nvPr/>
+        </p:nvSpPr>
+        <p:spPr>
+          <a:xfrm>
+            <a:off x="2728008" y="1159057"/>
+            <a:ext cx="800100" cy="369332"/>
+          </a:xfrm>
+          <a:prstGeom prst="rect">
+            <a:avLst/>
+          </a:prstGeom>
+          <a:noFill/>
+        </p:spPr>
+        <p:txBody>
+          <a:bodyPr wrap="square" rtlCol="0">
+            <a:spAutoFit/>
+          </a:bodyPr>
+          <a:lstStyle/>
+          <a:p>
+            <a:r>
+              <a:rPr lang="en-US" dirty="0"/>
+              <a:t>Action</a:t>
+            </a:r>
+          </a:p>
+        </p:txBody>
+      </p:sp>
+      <p:cxnSp>
+        <p:nvCxnSpPr>
+          <p:cNvPr id="13" name="Connecteur droit 12">
+            <a:extLst>
+              <a:ext uri="{FF2B5EF4-FFF2-40B4-BE49-F238E27FC236}">
+                <a16:creationId xmlns:a16="http://schemas.microsoft.com/office/drawing/2014/main" id="{18736D8F-217E-44E7-BB8B-6DA318FD8975}"/>
+              </a:ext>
+            </a:extLst>
+          </p:cNvPr>
+          <p:cNvCxnSpPr>
+            <a:cxnSpLocks/>
+            <a:stCxn id="9" idx="2"/>
+            <a:endCxn id="10" idx="0"/>
+          </p:cNvCxnSpPr>
+          <p:nvPr/>
+        </p:nvCxnSpPr>
+        <p:spPr>
+          <a:xfrm>
+            <a:off x="3128058" y="827349"/>
+            <a:ext cx="0" cy="165854"/>
+          </a:xfrm>
+          <a:prstGeom prst="line">
+            <a:avLst/>
+          </a:prstGeom>
+          <a:ln w="38100"/>
+        </p:spPr>
+        <p:style>
+          <a:lnRef idx="3">
+            <a:schemeClr val="accent1"/>
+          </a:lnRef>
+          <a:fillRef idx="0">
+            <a:schemeClr val="accent1"/>
+          </a:fillRef>
+          <a:effectRef idx="2">
+            <a:schemeClr val="accent1"/>
+          </a:effectRef>
+          <a:fontRef idx="minor">
+            <a:schemeClr val="tx1"/>
+          </a:fontRef>
+        </p:style>
+      </p:cxnSp>
+      <p:cxnSp>
+        <p:nvCxnSpPr>
+          <p:cNvPr id="16" name="Connecteur droit 15">
+            <a:extLst>
+              <a:ext uri="{FF2B5EF4-FFF2-40B4-BE49-F238E27FC236}">
+                <a16:creationId xmlns:a16="http://schemas.microsoft.com/office/drawing/2014/main" id="{CBCC8BDC-9FAE-4710-BEA0-361A07A3561F}"/>
+              </a:ext>
+            </a:extLst>
+          </p:cNvPr>
+          <p:cNvCxnSpPr>
+            <a:cxnSpLocks/>
+            <a:stCxn id="10" idx="2"/>
+          </p:cNvCxnSpPr>
+          <p:nvPr/>
+        </p:nvCxnSpPr>
+        <p:spPr>
+          <a:xfrm>
+            <a:off x="3128058" y="1694243"/>
+            <a:ext cx="0" cy="3749556"/>
+          </a:xfrm>
+          <a:prstGeom prst="line">
+            <a:avLst/>
+          </a:prstGeom>
+          <a:ln w="38100"/>
+        </p:spPr>
+        <p:style>
+          <a:lnRef idx="1">
+            <a:schemeClr val="accent1"/>
+          </a:lnRef>
+          <a:fillRef idx="0">
+            <a:schemeClr val="accent1"/>
+          </a:fillRef>
+          <a:effectRef idx="0">
+            <a:schemeClr val="accent1"/>
+          </a:effectRef>
+          <a:fontRef idx="minor">
+            <a:schemeClr val="tx1"/>
+          </a:fontRef>
+        </p:style>
+      </p:cxnSp>
+      <p:sp>
+        <p:nvSpPr>
+          <p:cNvPr id="17" name="Rectangle 16">
+            <a:extLst>
+              <a:ext uri="{FF2B5EF4-FFF2-40B4-BE49-F238E27FC236}">
+                <a16:creationId xmlns:a16="http://schemas.microsoft.com/office/drawing/2014/main" id="{4EB825A7-1930-459C-9923-1D58B8982D03}"/>
+              </a:ext>
+            </a:extLst>
+          </p:cNvPr>
+          <p:cNvSpPr/>
+          <p:nvPr/>
+        </p:nvSpPr>
+        <p:spPr>
+          <a:xfrm>
+            <a:off x="2209856" y="7281321"/>
+            <a:ext cx="1813544" cy="567160"/>
+          </a:xfrm>
+          <a:prstGeom prst="rect">
+            <a:avLst/>
+          </a:prstGeom>
+          <a:solidFill>
+            <a:schemeClr val="accent6">
+              <a:lumMod val="40000"/>
+              <a:lumOff val="60000"/>
+            </a:schemeClr>
+          </a:solidFill>
+          <a:ln w="38100">
+            <a:solidFill>
+              <a:schemeClr val="accent1"/>
+            </a:solidFill>
+          </a:ln>
+        </p:spPr>
+        <p:style>
+          <a:lnRef idx="2">
+            <a:schemeClr val="accent1">
+              <a:shade val="50000"/>
+            </a:schemeClr>
+          </a:lnRef>
+          <a:fillRef idx="1">
+            <a:schemeClr val="accent1"/>
+          </a:fillRef>
+          <a:effectRef idx="0">
+            <a:schemeClr val="accent1"/>
+          </a:effectRef>
+          <a:fontRef idx="minor">
+            <a:schemeClr val="lt1"/>
+          </a:fontRef>
+        </p:style>
+        <p:txBody>
+          <a:bodyPr rtlCol="0" anchor="ctr"/>
+          <a:lstStyle/>
+          <a:p>
+            <a:pPr algn="ctr"/>
+            <a:endParaRPr lang="en-US"/>
+          </a:p>
+        </p:txBody>
+      </p:sp>
+      <p:sp>
+        <p:nvSpPr>
+          <p:cNvPr id="18" name="ZoneTexte 17">
+            <a:extLst>
+              <a:ext uri="{FF2B5EF4-FFF2-40B4-BE49-F238E27FC236}">
+                <a16:creationId xmlns:a16="http://schemas.microsoft.com/office/drawing/2014/main" id="{FF38F070-BBF4-44B6-BE4F-CEA83FB9EFD7}"/>
+              </a:ext>
+            </a:extLst>
+          </p:cNvPr>
+          <p:cNvSpPr txBox="1"/>
+          <p:nvPr/>
+        </p:nvSpPr>
+        <p:spPr>
+          <a:xfrm>
+            <a:off x="2209848" y="7380235"/>
+            <a:ext cx="1813560" cy="369332"/>
+          </a:xfrm>
+          <a:prstGeom prst="rect">
+            <a:avLst/>
+          </a:prstGeom>
+          <a:noFill/>
+        </p:spPr>
+        <p:txBody>
+          <a:bodyPr wrap="square" rtlCol="0">
+            <a:spAutoFit/>
+          </a:bodyPr>
+          <a:lstStyle/>
+          <a:p>
+            <a:r>
+              <a:rPr lang="en-US" dirty="0"/>
+              <a:t>While Action != 6</a:t>
+            </a:r>
+          </a:p>
+        </p:txBody>
+      </p:sp>
+      <p:sp>
+        <p:nvSpPr>
+          <p:cNvPr id="19" name="Rectangle : coins arrondis 18">
+            <a:extLst>
+              <a:ext uri="{FF2B5EF4-FFF2-40B4-BE49-F238E27FC236}">
+                <a16:creationId xmlns:a16="http://schemas.microsoft.com/office/drawing/2014/main" id="{2AAF2BCB-C80C-48CC-AA1C-6F7A768826C7}"/>
+              </a:ext>
+            </a:extLst>
+          </p:cNvPr>
+          <p:cNvSpPr/>
+          <p:nvPr/>
+        </p:nvSpPr>
+        <p:spPr>
+          <a:xfrm>
+            <a:off x="3813858" y="1860097"/>
+            <a:ext cx="1592578" cy="701040"/>
+          </a:xfrm>
+          <a:prstGeom prst="roundRect">
+            <a:avLst/>
+          </a:prstGeom>
+          <a:solidFill>
+            <a:schemeClr val="accent2">
+              <a:lumMod val="20000"/>
+              <a:lumOff val="80000"/>
+            </a:schemeClr>
+          </a:solidFill>
+          <a:ln w="38100">
+            <a:solidFill>
+              <a:schemeClr val="accent1"/>
+            </a:solidFill>
+          </a:ln>
+        </p:spPr>
+        <p:style>
+          <a:lnRef idx="2">
+            <a:schemeClr val="accent1">
+              <a:shade val="50000"/>
+            </a:schemeClr>
+          </a:lnRef>
+          <a:fillRef idx="1">
+            <a:schemeClr val="accent1"/>
+          </a:fillRef>
+          <a:effectRef idx="0">
+            <a:schemeClr val="accent1"/>
+          </a:effectRef>
+          <a:fontRef idx="minor">
+            <a:schemeClr val="lt1"/>
+          </a:fontRef>
+        </p:style>
+        <p:txBody>
+          <a:bodyPr rtlCol="0" anchor="ctr"/>
+          <a:lstStyle/>
+          <a:p>
+            <a:pPr algn="ctr"/>
+            <a:endParaRPr lang="en-US"/>
+          </a:p>
+        </p:txBody>
+      </p:sp>
+      <p:sp>
+        <p:nvSpPr>
+          <p:cNvPr id="20" name="Rectangle : coins arrondis 19">
+            <a:extLst>
+              <a:ext uri="{FF2B5EF4-FFF2-40B4-BE49-F238E27FC236}">
+                <a16:creationId xmlns:a16="http://schemas.microsoft.com/office/drawing/2014/main" id="{60B86AA6-306D-4E83-A656-F01C696EDF04}"/>
+              </a:ext>
+            </a:extLst>
+          </p:cNvPr>
+          <p:cNvSpPr/>
+          <p:nvPr/>
+        </p:nvSpPr>
+        <p:spPr>
+          <a:xfrm>
+            <a:off x="3813858" y="2664872"/>
+            <a:ext cx="1592578" cy="701040"/>
+          </a:xfrm>
+          <a:prstGeom prst="roundRect">
+            <a:avLst/>
+          </a:prstGeom>
+          <a:solidFill>
+            <a:schemeClr val="accent2">
+              <a:lumMod val="20000"/>
+              <a:lumOff val="80000"/>
+            </a:schemeClr>
+          </a:solidFill>
+          <a:ln w="38100">
+            <a:solidFill>
+              <a:schemeClr val="accent1"/>
+            </a:solidFill>
+          </a:ln>
+        </p:spPr>
+        <p:style>
+          <a:lnRef idx="2">
+            <a:schemeClr val="accent1">
+              <a:shade val="50000"/>
+            </a:schemeClr>
+          </a:lnRef>
+          <a:fillRef idx="1">
+            <a:schemeClr val="accent1"/>
+          </a:fillRef>
+          <a:effectRef idx="0">
+            <a:schemeClr val="accent1"/>
+          </a:effectRef>
+          <a:fontRef idx="minor">
+            <a:schemeClr val="lt1"/>
+          </a:fontRef>
+        </p:style>
+        <p:txBody>
+          <a:bodyPr rtlCol="0" anchor="ctr"/>
+          <a:lstStyle/>
+          <a:p>
+            <a:pPr algn="ctr"/>
+            <a:endParaRPr lang="en-US"/>
+          </a:p>
+        </p:txBody>
+      </p:sp>
+      <p:sp>
+        <p:nvSpPr>
+          <p:cNvPr id="21" name="Rectangle : coins arrondis 20">
+            <a:extLst>
+              <a:ext uri="{FF2B5EF4-FFF2-40B4-BE49-F238E27FC236}">
+                <a16:creationId xmlns:a16="http://schemas.microsoft.com/office/drawing/2014/main" id="{60E67924-F238-4838-B268-6E47B9AECB40}"/>
+              </a:ext>
+            </a:extLst>
+          </p:cNvPr>
+          <p:cNvSpPr/>
+          <p:nvPr/>
+        </p:nvSpPr>
+        <p:spPr>
+          <a:xfrm>
+            <a:off x="3813857" y="3464826"/>
+            <a:ext cx="2430767" cy="701040"/>
+          </a:xfrm>
+          <a:prstGeom prst="roundRect">
+            <a:avLst/>
+          </a:prstGeom>
+          <a:solidFill>
+            <a:schemeClr val="accent2">
+              <a:lumMod val="20000"/>
+              <a:lumOff val="80000"/>
+            </a:schemeClr>
+          </a:solidFill>
+          <a:ln w="38100">
+            <a:solidFill>
+              <a:schemeClr val="accent1"/>
+            </a:solidFill>
+          </a:ln>
+        </p:spPr>
+        <p:style>
+          <a:lnRef idx="2">
+            <a:schemeClr val="accent1">
+              <a:shade val="50000"/>
+            </a:schemeClr>
+          </a:lnRef>
+          <a:fillRef idx="1">
+            <a:schemeClr val="accent1"/>
+          </a:fillRef>
+          <a:effectRef idx="0">
+            <a:schemeClr val="accent1"/>
+          </a:effectRef>
+          <a:fontRef idx="minor">
+            <a:schemeClr val="lt1"/>
+          </a:fontRef>
+        </p:style>
+        <p:txBody>
+          <a:bodyPr rtlCol="0" anchor="ctr"/>
+          <a:lstStyle/>
+          <a:p>
+            <a:pPr algn="ctr"/>
+            <a:endParaRPr lang="en-US"/>
+          </a:p>
+        </p:txBody>
+      </p:sp>
+      <p:sp>
+        <p:nvSpPr>
+          <p:cNvPr id="22" name="ZoneTexte 21">
+            <a:extLst>
+              <a:ext uri="{FF2B5EF4-FFF2-40B4-BE49-F238E27FC236}">
+                <a16:creationId xmlns:a16="http://schemas.microsoft.com/office/drawing/2014/main" id="{08A53F32-4867-421F-AFE8-C662A7FD6D35}"/>
+              </a:ext>
+            </a:extLst>
+          </p:cNvPr>
+          <p:cNvSpPr txBox="1"/>
+          <p:nvPr/>
+        </p:nvSpPr>
+        <p:spPr>
+          <a:xfrm>
+            <a:off x="3874807" y="2025951"/>
+            <a:ext cx="1493525" cy="369332"/>
+          </a:xfrm>
+          <a:prstGeom prst="rect">
+            <a:avLst/>
+          </a:prstGeom>
+          <a:noFill/>
+        </p:spPr>
+        <p:txBody>
+          <a:bodyPr wrap="square" rtlCol="0">
+            <a:spAutoFit/>
+          </a:bodyPr>
+          <a:lstStyle/>
+          <a:p>
+            <a:r>
+              <a:rPr lang="en-US" dirty="0"/>
+              <a:t>Modify menu</a:t>
+            </a:r>
+          </a:p>
+        </p:txBody>
+      </p:sp>
+      <p:sp>
+        <p:nvSpPr>
+          <p:cNvPr id="23" name="ZoneTexte 22">
+            <a:extLst>
+              <a:ext uri="{FF2B5EF4-FFF2-40B4-BE49-F238E27FC236}">
+                <a16:creationId xmlns:a16="http://schemas.microsoft.com/office/drawing/2014/main" id="{72354C84-0A02-444D-B3A6-BFA7D4911354}"/>
+              </a:ext>
+            </a:extLst>
+          </p:cNvPr>
+          <p:cNvSpPr txBox="1"/>
+          <p:nvPr/>
+        </p:nvSpPr>
+        <p:spPr>
+          <a:xfrm>
+            <a:off x="3775758" y="2807684"/>
+            <a:ext cx="1592579" cy="369332"/>
+          </a:xfrm>
+          <a:prstGeom prst="rect">
+            <a:avLst/>
+          </a:prstGeom>
+          <a:noFill/>
+        </p:spPr>
+        <p:txBody>
+          <a:bodyPr wrap="square" rtlCol="0">
+            <a:spAutoFit/>
+          </a:bodyPr>
+          <a:lstStyle/>
+          <a:p>
+            <a:pPr algn="ctr"/>
+            <a:r>
+              <a:rPr lang="en-US" dirty="0"/>
+              <a:t>Delete</a:t>
+            </a:r>
+          </a:p>
+        </p:txBody>
+      </p:sp>
+      <p:sp>
+        <p:nvSpPr>
+          <p:cNvPr id="25" name="ZoneTexte 24">
+            <a:extLst>
+              <a:ext uri="{FF2B5EF4-FFF2-40B4-BE49-F238E27FC236}">
+                <a16:creationId xmlns:a16="http://schemas.microsoft.com/office/drawing/2014/main" id="{77D3D07E-BA40-437E-98E2-E29C3520A49B}"/>
+              </a:ext>
+            </a:extLst>
+          </p:cNvPr>
+          <p:cNvSpPr txBox="1"/>
+          <p:nvPr/>
+        </p:nvSpPr>
+        <p:spPr>
+          <a:xfrm flipH="1">
+            <a:off x="3813858" y="3581507"/>
+            <a:ext cx="2430779" cy="369332"/>
+          </a:xfrm>
+          <a:prstGeom prst="rect">
+            <a:avLst/>
+          </a:prstGeom>
+          <a:noFill/>
+        </p:spPr>
+        <p:txBody>
+          <a:bodyPr wrap="square" rtlCol="0">
+            <a:spAutoFit/>
+          </a:bodyPr>
+          <a:lstStyle/>
+          <a:p>
+            <a:pPr algn="ctr"/>
+            <a:r>
+              <a:rPr lang="en-US" dirty="0"/>
+              <a:t>Add follow</a:t>
+            </a:r>
+          </a:p>
+        </p:txBody>
+      </p:sp>
+      <p:sp>
+        <p:nvSpPr>
+          <p:cNvPr id="26" name="Rectangle : coins arrondis 25">
+            <a:extLst>
+              <a:ext uri="{FF2B5EF4-FFF2-40B4-BE49-F238E27FC236}">
+                <a16:creationId xmlns:a16="http://schemas.microsoft.com/office/drawing/2014/main" id="{D19116AE-01B6-400B-8402-E25D5AABBC82}"/>
+              </a:ext>
+            </a:extLst>
+          </p:cNvPr>
+          <p:cNvSpPr/>
+          <p:nvPr/>
+        </p:nvSpPr>
+        <p:spPr>
+          <a:xfrm>
+            <a:off x="3813856" y="4264780"/>
+            <a:ext cx="2430765" cy="701040"/>
+          </a:xfrm>
+          <a:prstGeom prst="roundRect">
+            <a:avLst/>
+          </a:prstGeom>
+          <a:solidFill>
+            <a:schemeClr val="accent2">
+              <a:lumMod val="20000"/>
+              <a:lumOff val="80000"/>
+            </a:schemeClr>
+          </a:solidFill>
+          <a:ln w="38100">
+            <a:solidFill>
+              <a:schemeClr val="accent1"/>
+            </a:solidFill>
+          </a:ln>
+        </p:spPr>
+        <p:style>
+          <a:lnRef idx="2">
+            <a:schemeClr val="accent1">
+              <a:shade val="50000"/>
+            </a:schemeClr>
+          </a:lnRef>
+          <a:fillRef idx="1">
+            <a:schemeClr val="accent1"/>
+          </a:fillRef>
+          <a:effectRef idx="0">
+            <a:schemeClr val="accent1"/>
+          </a:effectRef>
+          <a:fontRef idx="minor">
+            <a:schemeClr val="lt1"/>
+          </a:fontRef>
+        </p:style>
+        <p:txBody>
+          <a:bodyPr rtlCol="0" anchor="ctr"/>
+          <a:lstStyle/>
+          <a:p>
+            <a:pPr algn="ctr"/>
+            <a:endParaRPr lang="en-US"/>
+          </a:p>
+        </p:txBody>
+      </p:sp>
+      <p:sp>
+        <p:nvSpPr>
+          <p:cNvPr id="27" name="ZoneTexte 26">
+            <a:extLst>
+              <a:ext uri="{FF2B5EF4-FFF2-40B4-BE49-F238E27FC236}">
+                <a16:creationId xmlns:a16="http://schemas.microsoft.com/office/drawing/2014/main" id="{804BA36B-13AE-4588-AFEB-096E947CEF28}"/>
+              </a:ext>
+            </a:extLst>
+          </p:cNvPr>
+          <p:cNvSpPr txBox="1"/>
+          <p:nvPr/>
+        </p:nvSpPr>
+        <p:spPr>
+          <a:xfrm flipH="1">
+            <a:off x="3662657" y="4410851"/>
+            <a:ext cx="2733161" cy="369332"/>
+          </a:xfrm>
+          <a:prstGeom prst="rect">
+            <a:avLst/>
+          </a:prstGeom>
+          <a:noFill/>
+        </p:spPr>
+        <p:txBody>
+          <a:bodyPr wrap="square" rtlCol="0">
+            <a:spAutoFit/>
+          </a:bodyPr>
+          <a:lstStyle/>
+          <a:p>
+            <a:pPr algn="ctr"/>
+            <a:r>
+              <a:rPr lang="en-US" dirty="0"/>
+              <a:t>Propose student to follow</a:t>
+            </a:r>
+          </a:p>
+        </p:txBody>
+      </p:sp>
+      <p:cxnSp>
+        <p:nvCxnSpPr>
+          <p:cNvPr id="32" name="Connecteur droit 31">
+            <a:extLst>
+              <a:ext uri="{FF2B5EF4-FFF2-40B4-BE49-F238E27FC236}">
+                <a16:creationId xmlns:a16="http://schemas.microsoft.com/office/drawing/2014/main" id="{40B395AF-0040-47CE-AA80-3FCE5885C501}"/>
+              </a:ext>
+            </a:extLst>
+          </p:cNvPr>
+          <p:cNvCxnSpPr>
+            <a:cxnSpLocks/>
+            <a:endCxn id="19" idx="1"/>
+          </p:cNvCxnSpPr>
+          <p:nvPr/>
+        </p:nvCxnSpPr>
+        <p:spPr>
+          <a:xfrm>
+            <a:off x="3128058" y="2207764"/>
+            <a:ext cx="685800" cy="2853"/>
+          </a:xfrm>
+          <a:prstGeom prst="line">
+            <a:avLst/>
+          </a:prstGeom>
+          <a:ln w="38100"/>
+        </p:spPr>
+        <p:style>
+          <a:lnRef idx="3">
+            <a:schemeClr val="accent1"/>
+          </a:lnRef>
+          <a:fillRef idx="0">
+            <a:schemeClr val="accent1"/>
+          </a:fillRef>
+          <a:effectRef idx="2">
+            <a:schemeClr val="accent1"/>
+          </a:effectRef>
+          <a:fontRef idx="minor">
+            <a:schemeClr val="tx1"/>
+          </a:fontRef>
+        </p:style>
+      </p:cxnSp>
+      <p:cxnSp>
+        <p:nvCxnSpPr>
+          <p:cNvPr id="37" name="Connecteur droit 36">
+            <a:extLst>
+              <a:ext uri="{FF2B5EF4-FFF2-40B4-BE49-F238E27FC236}">
+                <a16:creationId xmlns:a16="http://schemas.microsoft.com/office/drawing/2014/main" id="{BE6556C5-41C5-4EED-8663-80E860A755C3}"/>
+              </a:ext>
+            </a:extLst>
+          </p:cNvPr>
+          <p:cNvCxnSpPr>
+            <a:cxnSpLocks/>
+          </p:cNvCxnSpPr>
+          <p:nvPr/>
+        </p:nvCxnSpPr>
+        <p:spPr>
+          <a:xfrm>
+            <a:off x="3109009" y="2989457"/>
+            <a:ext cx="685800" cy="2853"/>
+          </a:xfrm>
+          <a:prstGeom prst="line">
+            <a:avLst/>
+          </a:prstGeom>
+          <a:ln w="38100"/>
+        </p:spPr>
+        <p:style>
+          <a:lnRef idx="3">
+            <a:schemeClr val="accent1"/>
+          </a:lnRef>
+          <a:fillRef idx="0">
+            <a:schemeClr val="accent1"/>
+          </a:fillRef>
+          <a:effectRef idx="2">
+            <a:schemeClr val="accent1"/>
+          </a:effectRef>
+          <a:fontRef idx="minor">
+            <a:schemeClr val="tx1"/>
+          </a:fontRef>
+        </p:style>
+      </p:cxnSp>
+      <p:cxnSp>
+        <p:nvCxnSpPr>
+          <p:cNvPr id="38" name="Connecteur droit 37">
+            <a:extLst>
+              <a:ext uri="{FF2B5EF4-FFF2-40B4-BE49-F238E27FC236}">
+                <a16:creationId xmlns:a16="http://schemas.microsoft.com/office/drawing/2014/main" id="{669DF418-7D59-4931-B1DF-DCE2F0BC85DC}"/>
+              </a:ext>
+            </a:extLst>
+          </p:cNvPr>
+          <p:cNvCxnSpPr>
+            <a:cxnSpLocks/>
+          </p:cNvCxnSpPr>
+          <p:nvPr/>
+        </p:nvCxnSpPr>
+        <p:spPr>
+          <a:xfrm>
+            <a:off x="3116628" y="3811484"/>
+            <a:ext cx="685800" cy="2853"/>
+          </a:xfrm>
+          <a:prstGeom prst="line">
+            <a:avLst/>
+          </a:prstGeom>
+          <a:ln w="38100"/>
+        </p:spPr>
+        <p:style>
+          <a:lnRef idx="3">
+            <a:schemeClr val="accent1"/>
+          </a:lnRef>
+          <a:fillRef idx="0">
+            <a:schemeClr val="accent1"/>
+          </a:fillRef>
+          <a:effectRef idx="2">
+            <a:schemeClr val="accent1"/>
+          </a:effectRef>
+          <a:fontRef idx="minor">
+            <a:schemeClr val="tx1"/>
+          </a:fontRef>
+        </p:style>
+      </p:cxnSp>
+      <p:cxnSp>
+        <p:nvCxnSpPr>
+          <p:cNvPr id="39" name="Connecteur droit 38">
+            <a:extLst>
+              <a:ext uri="{FF2B5EF4-FFF2-40B4-BE49-F238E27FC236}">
+                <a16:creationId xmlns:a16="http://schemas.microsoft.com/office/drawing/2014/main" id="{228B9CCC-3EBA-4F38-8A0A-2AFF2F36B41C}"/>
+              </a:ext>
+            </a:extLst>
+          </p:cNvPr>
+          <p:cNvCxnSpPr>
+            <a:cxnSpLocks/>
+          </p:cNvCxnSpPr>
+          <p:nvPr/>
+        </p:nvCxnSpPr>
+        <p:spPr>
+          <a:xfrm>
+            <a:off x="3116628" y="4610974"/>
+            <a:ext cx="685800" cy="2853"/>
+          </a:xfrm>
+          <a:prstGeom prst="line">
+            <a:avLst/>
+          </a:prstGeom>
+          <a:ln w="38100"/>
+        </p:spPr>
+        <p:style>
+          <a:lnRef idx="3">
+            <a:schemeClr val="accent1"/>
+          </a:lnRef>
+          <a:fillRef idx="0">
+            <a:schemeClr val="accent1"/>
+          </a:fillRef>
+          <a:effectRef idx="2">
+            <a:schemeClr val="accent1"/>
+          </a:effectRef>
+          <a:fontRef idx="minor">
+            <a:schemeClr val="tx1"/>
+          </a:fontRef>
+        </p:style>
+      </p:cxnSp>
+      <p:cxnSp>
+        <p:nvCxnSpPr>
+          <p:cNvPr id="50" name="Connecteur droit avec flèche 49">
+            <a:extLst>
+              <a:ext uri="{FF2B5EF4-FFF2-40B4-BE49-F238E27FC236}">
+                <a16:creationId xmlns:a16="http://schemas.microsoft.com/office/drawing/2014/main" id="{3FEA454D-21DD-4EEA-834A-ACC7AFE1CF4C}"/>
+              </a:ext>
+            </a:extLst>
+          </p:cNvPr>
+          <p:cNvCxnSpPr>
+            <a:stCxn id="17" idx="2"/>
+          </p:cNvCxnSpPr>
+          <p:nvPr/>
+        </p:nvCxnSpPr>
+        <p:spPr>
+          <a:xfrm>
+            <a:off x="3116628" y="7848481"/>
+            <a:ext cx="0" cy="906040"/>
+          </a:xfrm>
+          <a:prstGeom prst="straightConnector1">
+            <a:avLst/>
+          </a:prstGeom>
+          <a:ln w="38100">
+            <a:tailEnd type="triangle"/>
+          </a:ln>
+        </p:spPr>
+        <p:style>
+          <a:lnRef idx="1">
+            <a:schemeClr val="accent1"/>
+          </a:lnRef>
+          <a:fillRef idx="0">
+            <a:schemeClr val="accent1"/>
+          </a:fillRef>
+          <a:effectRef idx="0">
+            <a:schemeClr val="accent1"/>
+          </a:effectRef>
+          <a:fontRef idx="minor">
+            <a:schemeClr val="tx1"/>
+          </a:fontRef>
+        </p:style>
+      </p:cxnSp>
+      <p:sp>
+        <p:nvSpPr>
+          <p:cNvPr id="51" name="ZoneTexte 50">
+            <a:extLst>
+              <a:ext uri="{FF2B5EF4-FFF2-40B4-BE49-F238E27FC236}">
+                <a16:creationId xmlns:a16="http://schemas.microsoft.com/office/drawing/2014/main" id="{19E19BB4-BFAC-43DA-964B-415A2ABFD946}"/>
+              </a:ext>
+            </a:extLst>
+          </p:cNvPr>
+          <p:cNvSpPr txBox="1"/>
+          <p:nvPr/>
+        </p:nvSpPr>
+        <p:spPr>
+          <a:xfrm>
+            <a:off x="3147108" y="1838432"/>
+            <a:ext cx="301686" cy="369332"/>
+          </a:xfrm>
+          <a:prstGeom prst="rect">
+            <a:avLst/>
+          </a:prstGeom>
+          <a:noFill/>
+        </p:spPr>
+        <p:txBody>
+          <a:bodyPr wrap="none" rtlCol="0">
+            <a:spAutoFit/>
+          </a:bodyPr>
+          <a:lstStyle/>
+          <a:p>
+            <a:r>
+              <a:rPr lang="en-US"/>
+              <a:t>1</a:t>
+            </a:r>
+          </a:p>
+        </p:txBody>
+      </p:sp>
+      <p:sp>
+        <p:nvSpPr>
+          <p:cNvPr id="53" name="ZoneTexte 52">
+            <a:extLst>
+              <a:ext uri="{FF2B5EF4-FFF2-40B4-BE49-F238E27FC236}">
+                <a16:creationId xmlns:a16="http://schemas.microsoft.com/office/drawing/2014/main" id="{989831F3-4BD9-4BB2-957F-6064A903F12F}"/>
+              </a:ext>
+            </a:extLst>
+          </p:cNvPr>
+          <p:cNvSpPr txBox="1"/>
+          <p:nvPr/>
+        </p:nvSpPr>
+        <p:spPr>
+          <a:xfrm>
+            <a:off x="3147108" y="2582912"/>
+            <a:ext cx="301686" cy="369332"/>
+          </a:xfrm>
+          <a:prstGeom prst="rect">
+            <a:avLst/>
+          </a:prstGeom>
+          <a:noFill/>
+        </p:spPr>
+        <p:txBody>
+          <a:bodyPr wrap="none" rtlCol="0">
+            <a:spAutoFit/>
+          </a:bodyPr>
+          <a:lstStyle/>
+          <a:p>
+            <a:r>
+              <a:rPr lang="en-US"/>
+              <a:t>2</a:t>
+            </a:r>
+          </a:p>
+        </p:txBody>
+      </p:sp>
+      <p:sp>
+        <p:nvSpPr>
+          <p:cNvPr id="54" name="ZoneTexte 53">
+            <a:extLst>
+              <a:ext uri="{FF2B5EF4-FFF2-40B4-BE49-F238E27FC236}">
+                <a16:creationId xmlns:a16="http://schemas.microsoft.com/office/drawing/2014/main" id="{BEE10F7E-F440-4DB2-B571-F19B6E7F0DA2}"/>
+              </a:ext>
+            </a:extLst>
+          </p:cNvPr>
+          <p:cNvSpPr txBox="1"/>
+          <p:nvPr/>
+        </p:nvSpPr>
+        <p:spPr>
+          <a:xfrm>
+            <a:off x="3147108" y="3437540"/>
+            <a:ext cx="301686" cy="369332"/>
+          </a:xfrm>
+          <a:prstGeom prst="rect">
+            <a:avLst/>
+          </a:prstGeom>
+          <a:noFill/>
+        </p:spPr>
+        <p:txBody>
+          <a:bodyPr wrap="none" rtlCol="0">
+            <a:spAutoFit/>
+          </a:bodyPr>
+          <a:lstStyle/>
+          <a:p>
+            <a:r>
+              <a:rPr lang="en-US"/>
+              <a:t>3</a:t>
+            </a:r>
+          </a:p>
+        </p:txBody>
+      </p:sp>
+      <p:sp>
+        <p:nvSpPr>
+          <p:cNvPr id="55" name="ZoneTexte 54">
+            <a:extLst>
+              <a:ext uri="{FF2B5EF4-FFF2-40B4-BE49-F238E27FC236}">
+                <a16:creationId xmlns:a16="http://schemas.microsoft.com/office/drawing/2014/main" id="{B4C5335C-65FB-49EB-954A-1D0A2D769C21}"/>
+              </a:ext>
+            </a:extLst>
+          </p:cNvPr>
+          <p:cNvSpPr txBox="1"/>
+          <p:nvPr/>
+        </p:nvSpPr>
+        <p:spPr>
+          <a:xfrm>
+            <a:off x="3128915" y="4234177"/>
+            <a:ext cx="301686" cy="369332"/>
+          </a:xfrm>
+          <a:prstGeom prst="rect">
+            <a:avLst/>
+          </a:prstGeom>
+          <a:noFill/>
+        </p:spPr>
+        <p:txBody>
+          <a:bodyPr wrap="square" rtlCol="0">
+            <a:spAutoFit/>
+          </a:bodyPr>
+          <a:lstStyle/>
+          <a:p>
+            <a:r>
+              <a:rPr lang="en-US"/>
+              <a:t>4</a:t>
+            </a:r>
+          </a:p>
+        </p:txBody>
+      </p:sp>
+      <p:sp>
+        <p:nvSpPr>
+          <p:cNvPr id="57" name="ZoneTexte 56">
+            <a:extLst>
+              <a:ext uri="{FF2B5EF4-FFF2-40B4-BE49-F238E27FC236}">
+                <a16:creationId xmlns:a16="http://schemas.microsoft.com/office/drawing/2014/main" id="{F3343C6C-4211-4057-8C7E-ECEB29EE9024}"/>
+              </a:ext>
+            </a:extLst>
+          </p:cNvPr>
+          <p:cNvSpPr txBox="1"/>
+          <p:nvPr/>
+        </p:nvSpPr>
+        <p:spPr>
+          <a:xfrm>
+            <a:off x="3135678" y="8120115"/>
+            <a:ext cx="1127232" cy="369332"/>
+          </a:xfrm>
+          <a:prstGeom prst="rect">
+            <a:avLst/>
+          </a:prstGeom>
+          <a:noFill/>
+        </p:spPr>
+        <p:txBody>
+          <a:bodyPr wrap="none" rtlCol="0">
+            <a:spAutoFit/>
+          </a:bodyPr>
+          <a:lstStyle/>
+          <a:p>
+            <a:r>
+              <a:rPr lang="en-US"/>
+              <a:t>Action = 6</a:t>
+            </a:r>
+          </a:p>
+        </p:txBody>
+      </p:sp>
+      <p:cxnSp>
+        <p:nvCxnSpPr>
+          <p:cNvPr id="59" name="Connecteur droit 58">
+            <a:extLst>
+              <a:ext uri="{FF2B5EF4-FFF2-40B4-BE49-F238E27FC236}">
+                <a16:creationId xmlns:a16="http://schemas.microsoft.com/office/drawing/2014/main" id="{260A01B0-5886-409A-A6AE-79BBBEA41673}"/>
+              </a:ext>
+            </a:extLst>
+          </p:cNvPr>
+          <p:cNvCxnSpPr>
+            <a:cxnSpLocks/>
+            <a:stCxn id="10" idx="3"/>
+          </p:cNvCxnSpPr>
+          <p:nvPr/>
+        </p:nvCxnSpPr>
+        <p:spPr>
+          <a:xfrm>
+            <a:off x="3783378" y="1343723"/>
+            <a:ext cx="2644126" cy="0"/>
+          </a:xfrm>
+          <a:prstGeom prst="line">
+            <a:avLst/>
+          </a:prstGeom>
+          <a:ln w="38100"/>
+        </p:spPr>
+        <p:style>
+          <a:lnRef idx="1">
+            <a:schemeClr val="accent1"/>
+          </a:lnRef>
+          <a:fillRef idx="0">
+            <a:schemeClr val="accent1"/>
+          </a:fillRef>
+          <a:effectRef idx="0">
+            <a:schemeClr val="accent1"/>
+          </a:effectRef>
+          <a:fontRef idx="minor">
+            <a:schemeClr val="tx1"/>
+          </a:fontRef>
+        </p:style>
+      </p:cxnSp>
+      <p:cxnSp>
+        <p:nvCxnSpPr>
+          <p:cNvPr id="61" name="Connecteur droit 60">
+            <a:extLst>
+              <a:ext uri="{FF2B5EF4-FFF2-40B4-BE49-F238E27FC236}">
+                <a16:creationId xmlns:a16="http://schemas.microsoft.com/office/drawing/2014/main" id="{B132F71B-099E-4744-A3AF-2E4BCEF43BEF}"/>
+              </a:ext>
+            </a:extLst>
+          </p:cNvPr>
+          <p:cNvCxnSpPr>
+            <a:cxnSpLocks/>
+          </p:cNvCxnSpPr>
+          <p:nvPr/>
+        </p:nvCxnSpPr>
+        <p:spPr>
+          <a:xfrm>
+            <a:off x="6427504" y="1343723"/>
+            <a:ext cx="0" cy="6221178"/>
+          </a:xfrm>
+          <a:prstGeom prst="line">
+            <a:avLst/>
+          </a:prstGeom>
+          <a:ln w="38100"/>
+        </p:spPr>
+        <p:style>
+          <a:lnRef idx="1">
+            <a:schemeClr val="accent1"/>
+          </a:lnRef>
+          <a:fillRef idx="0">
+            <a:schemeClr val="accent1"/>
+          </a:fillRef>
+          <a:effectRef idx="0">
+            <a:schemeClr val="accent1"/>
+          </a:effectRef>
+          <a:fontRef idx="minor">
+            <a:schemeClr val="tx1"/>
+          </a:fontRef>
+        </p:style>
+      </p:cxnSp>
+      <p:sp>
+        <p:nvSpPr>
+          <p:cNvPr id="66" name="ZoneTexte 65">
+            <a:extLst>
+              <a:ext uri="{FF2B5EF4-FFF2-40B4-BE49-F238E27FC236}">
+                <a16:creationId xmlns:a16="http://schemas.microsoft.com/office/drawing/2014/main" id="{4BDF22BE-A9EE-436A-8067-876156DB4C8B}"/>
+              </a:ext>
+            </a:extLst>
+          </p:cNvPr>
+          <p:cNvSpPr txBox="1"/>
+          <p:nvPr/>
+        </p:nvSpPr>
+        <p:spPr>
+          <a:xfrm>
+            <a:off x="3855750" y="931516"/>
+            <a:ext cx="2377574" cy="369332"/>
+          </a:xfrm>
+          <a:prstGeom prst="rect">
+            <a:avLst/>
+          </a:prstGeom>
+          <a:noFill/>
+        </p:spPr>
+        <p:txBody>
+          <a:bodyPr wrap="none" rtlCol="0">
+            <a:spAutoFit/>
+          </a:bodyPr>
+          <a:lstStyle/>
+          <a:p>
+            <a:r>
+              <a:rPr lang="en-US"/>
+              <a:t>Action &gt; 7 or Action &lt; 1</a:t>
+            </a:r>
+          </a:p>
+        </p:txBody>
+      </p:sp>
+      <p:cxnSp>
+        <p:nvCxnSpPr>
+          <p:cNvPr id="70" name="Connecteur droit avec flèche 69">
+            <a:extLst>
+              <a:ext uri="{FF2B5EF4-FFF2-40B4-BE49-F238E27FC236}">
+                <a16:creationId xmlns:a16="http://schemas.microsoft.com/office/drawing/2014/main" id="{0054D2F3-9527-4CDA-8384-60C6C4B84888}"/>
+              </a:ext>
+            </a:extLst>
+          </p:cNvPr>
+          <p:cNvCxnSpPr>
+            <a:endCxn id="18" idx="3"/>
+          </p:cNvCxnSpPr>
+          <p:nvPr/>
+        </p:nvCxnSpPr>
+        <p:spPr>
+          <a:xfrm flipH="1">
+            <a:off x="4023408" y="7564901"/>
+            <a:ext cx="2392666" cy="0"/>
+          </a:xfrm>
+          <a:prstGeom prst="straightConnector1">
+            <a:avLst/>
+          </a:prstGeom>
+          <a:ln w="38100">
+            <a:tailEnd type="triangle"/>
+          </a:ln>
+        </p:spPr>
+        <p:style>
+          <a:lnRef idx="1">
+            <a:schemeClr val="accent1"/>
+          </a:lnRef>
+          <a:fillRef idx="0">
+            <a:schemeClr val="accent1"/>
+          </a:fillRef>
+          <a:effectRef idx="0">
+            <a:schemeClr val="accent1"/>
+          </a:effectRef>
+          <a:fontRef idx="minor">
+            <a:schemeClr val="tx1"/>
+          </a:fontRef>
+        </p:style>
+      </p:cxnSp>
+      <p:cxnSp>
+        <p:nvCxnSpPr>
+          <p:cNvPr id="75" name="Connecteur droit avec flèche 74">
+            <a:extLst>
+              <a:ext uri="{FF2B5EF4-FFF2-40B4-BE49-F238E27FC236}">
+                <a16:creationId xmlns:a16="http://schemas.microsoft.com/office/drawing/2014/main" id="{95BF9C80-D8AB-4B15-B00D-8E2C78F03AEA}"/>
+              </a:ext>
+            </a:extLst>
+          </p:cNvPr>
+          <p:cNvCxnSpPr>
+            <a:cxnSpLocks/>
+            <a:endCxn id="17" idx="0"/>
+          </p:cNvCxnSpPr>
+          <p:nvPr/>
+        </p:nvCxnSpPr>
+        <p:spPr>
+          <a:xfrm flipH="1">
+            <a:off x="3116628" y="5424568"/>
+            <a:ext cx="7619" cy="1856753"/>
+          </a:xfrm>
+          <a:prstGeom prst="straightConnector1">
+            <a:avLst/>
+          </a:prstGeom>
+          <a:ln w="38100">
+            <a:tailEnd type="triangle"/>
+          </a:ln>
+        </p:spPr>
+        <p:style>
+          <a:lnRef idx="1">
+            <a:schemeClr val="accent1"/>
+          </a:lnRef>
+          <a:fillRef idx="0">
+            <a:schemeClr val="accent1"/>
+          </a:fillRef>
+          <a:effectRef idx="0">
+            <a:schemeClr val="accent1"/>
+          </a:effectRef>
+          <a:fontRef idx="minor">
+            <a:schemeClr val="tx1"/>
+          </a:fontRef>
+        </p:style>
+      </p:cxnSp>
+      <p:cxnSp>
+        <p:nvCxnSpPr>
+          <p:cNvPr id="78" name="Connecteur droit 77">
+            <a:extLst>
+              <a:ext uri="{FF2B5EF4-FFF2-40B4-BE49-F238E27FC236}">
+                <a16:creationId xmlns:a16="http://schemas.microsoft.com/office/drawing/2014/main" id="{00687781-D932-464C-88E5-9BE6C9128D55}"/>
+              </a:ext>
+            </a:extLst>
+          </p:cNvPr>
+          <p:cNvCxnSpPr>
+            <a:stCxn id="18" idx="1"/>
+          </p:cNvCxnSpPr>
+          <p:nvPr/>
+        </p:nvCxnSpPr>
+        <p:spPr>
+          <a:xfrm flipH="1">
+            <a:off x="693468" y="7564901"/>
+            <a:ext cx="1516380" cy="0"/>
+          </a:xfrm>
+          <a:prstGeom prst="line">
+            <a:avLst/>
+          </a:prstGeom>
+          <a:ln w="38100"/>
+        </p:spPr>
+        <p:style>
+          <a:lnRef idx="1">
+            <a:schemeClr val="accent1"/>
+          </a:lnRef>
+          <a:fillRef idx="0">
+            <a:schemeClr val="accent1"/>
+          </a:fillRef>
+          <a:effectRef idx="0">
+            <a:schemeClr val="accent1"/>
+          </a:effectRef>
+          <a:fontRef idx="minor">
+            <a:schemeClr val="tx1"/>
+          </a:fontRef>
+        </p:style>
+      </p:cxnSp>
+      <p:cxnSp>
+        <p:nvCxnSpPr>
+          <p:cNvPr id="80" name="Connecteur : en angle 79">
+            <a:extLst>
+              <a:ext uri="{FF2B5EF4-FFF2-40B4-BE49-F238E27FC236}">
+                <a16:creationId xmlns:a16="http://schemas.microsoft.com/office/drawing/2014/main" id="{BDD2A20E-A415-40DA-A6F9-0AB123BA8BF1}"/>
+              </a:ext>
+            </a:extLst>
+          </p:cNvPr>
+          <p:cNvCxnSpPr>
+            <a:cxnSpLocks/>
+            <a:endCxn id="10" idx="1"/>
+          </p:cNvCxnSpPr>
+          <p:nvPr/>
+        </p:nvCxnSpPr>
+        <p:spPr>
+          <a:xfrm rot="5400000" flipH="1" flipV="1">
+            <a:off x="-1527486" y="3564677"/>
+            <a:ext cx="6221178" cy="1779270"/>
+          </a:xfrm>
+          <a:prstGeom prst="bentConnector2">
+            <a:avLst/>
+          </a:prstGeom>
+          <a:ln w="38100">
+            <a:tailEnd type="triangle"/>
+          </a:ln>
+        </p:spPr>
+        <p:style>
+          <a:lnRef idx="1">
+            <a:schemeClr val="accent1"/>
+          </a:lnRef>
+          <a:fillRef idx="0">
+            <a:schemeClr val="accent1"/>
+          </a:fillRef>
+          <a:effectRef idx="0">
+            <a:schemeClr val="accent1"/>
+          </a:effectRef>
+          <a:fontRef idx="minor">
+            <a:schemeClr val="tx1"/>
+          </a:fontRef>
+        </p:style>
+      </p:cxnSp>
+      <p:sp>
+        <p:nvSpPr>
+          <p:cNvPr id="87" name="ZoneTexte 86">
+            <a:extLst>
+              <a:ext uri="{FF2B5EF4-FFF2-40B4-BE49-F238E27FC236}">
+                <a16:creationId xmlns:a16="http://schemas.microsoft.com/office/drawing/2014/main" id="{419DDC03-45EC-459C-A324-3D15C376464C}"/>
+              </a:ext>
+            </a:extLst>
+          </p:cNvPr>
+          <p:cNvSpPr txBox="1"/>
+          <p:nvPr/>
+        </p:nvSpPr>
+        <p:spPr>
+          <a:xfrm>
+            <a:off x="888042" y="7663815"/>
+            <a:ext cx="1202573" cy="369332"/>
+          </a:xfrm>
+          <a:prstGeom prst="rect">
+            <a:avLst/>
+          </a:prstGeom>
+          <a:noFill/>
+        </p:spPr>
+        <p:txBody>
+          <a:bodyPr wrap="none" rtlCol="0">
+            <a:spAutoFit/>
+          </a:bodyPr>
+          <a:lstStyle/>
+          <a:p>
+            <a:r>
+              <a:rPr lang="en-US"/>
+              <a:t>Action != 6</a:t>
+            </a:r>
+          </a:p>
+        </p:txBody>
+      </p:sp>
+      <p:sp>
+        <p:nvSpPr>
+          <p:cNvPr id="41" name="Rectangle : coins arrondis 40">
+            <a:extLst>
+              <a:ext uri="{FF2B5EF4-FFF2-40B4-BE49-F238E27FC236}">
+                <a16:creationId xmlns:a16="http://schemas.microsoft.com/office/drawing/2014/main" id="{8EEF722D-C682-4C06-A631-4CCFDDB6BA78}"/>
+              </a:ext>
+            </a:extLst>
+          </p:cNvPr>
+          <p:cNvSpPr/>
+          <p:nvPr/>
+        </p:nvSpPr>
+        <p:spPr>
+          <a:xfrm>
+            <a:off x="514338" y="9590909"/>
+            <a:ext cx="1341120" cy="701040"/>
+          </a:xfrm>
+          <a:prstGeom prst="roundRect">
+            <a:avLst/>
+          </a:prstGeom>
+          <a:solidFill>
+            <a:schemeClr val="accent2">
+              <a:lumMod val="20000"/>
+              <a:lumOff val="80000"/>
+            </a:schemeClr>
+          </a:solidFill>
+          <a:ln w="38100">
+            <a:solidFill>
+              <a:schemeClr val="accent1"/>
+            </a:solidFill>
+          </a:ln>
+        </p:spPr>
+        <p:style>
+          <a:lnRef idx="2">
+            <a:schemeClr val="accent1">
+              <a:shade val="50000"/>
+            </a:schemeClr>
+          </a:lnRef>
+          <a:fillRef idx="1">
+            <a:schemeClr val="accent1"/>
+          </a:fillRef>
+          <a:effectRef idx="0">
+            <a:schemeClr val="accent1"/>
+          </a:effectRef>
+          <a:fontRef idx="minor">
+            <a:schemeClr val="lt1"/>
+          </a:fontRef>
+        </p:style>
+        <p:txBody>
+          <a:bodyPr rtlCol="0" anchor="ctr"/>
+          <a:lstStyle/>
+          <a:p>
+            <a:pPr algn="ctr"/>
+            <a:endParaRPr lang="en-US"/>
+          </a:p>
+        </p:txBody>
+      </p:sp>
+      <p:sp>
+        <p:nvSpPr>
+          <p:cNvPr id="42" name="ZoneTexte 41">
+            <a:extLst>
+              <a:ext uri="{FF2B5EF4-FFF2-40B4-BE49-F238E27FC236}">
+                <a16:creationId xmlns:a16="http://schemas.microsoft.com/office/drawing/2014/main" id="{6B9B1D25-67C5-460F-B2AF-520E2CF8AC9C}"/>
+              </a:ext>
+            </a:extLst>
+          </p:cNvPr>
+          <p:cNvSpPr txBox="1"/>
+          <p:nvPr/>
+        </p:nvSpPr>
+        <p:spPr>
+          <a:xfrm>
+            <a:off x="514338" y="9756763"/>
+            <a:ext cx="1341120" cy="369332"/>
+          </a:xfrm>
+          <a:prstGeom prst="rect">
+            <a:avLst/>
+          </a:prstGeom>
+          <a:noFill/>
+        </p:spPr>
+        <p:txBody>
+          <a:bodyPr wrap="square" rtlCol="0">
+            <a:spAutoFit/>
+          </a:bodyPr>
+          <a:lstStyle/>
+          <a:p>
+            <a:pPr algn="ctr"/>
+            <a:r>
+              <a:rPr lang="en-US" dirty="0"/>
+              <a:t>Function</a:t>
+            </a:r>
+          </a:p>
+        </p:txBody>
+      </p:sp>
+      <p:sp>
+        <p:nvSpPr>
+          <p:cNvPr id="44" name="Organigramme : Décision 43">
+            <a:extLst>
+              <a:ext uri="{FF2B5EF4-FFF2-40B4-BE49-F238E27FC236}">
+                <a16:creationId xmlns:a16="http://schemas.microsoft.com/office/drawing/2014/main" id="{058DD86D-DEB4-4DCD-9606-06B971865D0C}"/>
+              </a:ext>
+            </a:extLst>
+          </p:cNvPr>
+          <p:cNvSpPr/>
+          <p:nvPr/>
+        </p:nvSpPr>
+        <p:spPr>
+          <a:xfrm>
+            <a:off x="2214874" y="9421209"/>
+            <a:ext cx="2080060" cy="1032486"/>
+          </a:xfrm>
+          <a:prstGeom prst="flowChartDecision">
+            <a:avLst/>
+          </a:prstGeom>
+          <a:solidFill>
+            <a:schemeClr val="accent6">
+              <a:lumMod val="40000"/>
+              <a:lumOff val="60000"/>
+            </a:schemeClr>
+          </a:solidFill>
+          <a:ln w="38100">
+            <a:solidFill>
+              <a:schemeClr val="accent1"/>
+            </a:solidFill>
+          </a:ln>
+        </p:spPr>
+        <p:style>
+          <a:lnRef idx="2">
+            <a:schemeClr val="accent1">
+              <a:shade val="50000"/>
+            </a:schemeClr>
+          </a:lnRef>
+          <a:fillRef idx="1">
+            <a:schemeClr val="accent1"/>
+          </a:fillRef>
+          <a:effectRef idx="0">
+            <a:schemeClr val="accent1"/>
+          </a:effectRef>
+          <a:fontRef idx="minor">
+            <a:schemeClr val="lt1"/>
+          </a:fontRef>
+        </p:style>
+        <p:txBody>
+          <a:bodyPr rtlCol="0" anchor="ctr"/>
+          <a:lstStyle/>
+          <a:p>
+            <a:pPr algn="ctr"/>
+            <a:endParaRPr lang="en-US"/>
+          </a:p>
+        </p:txBody>
+      </p:sp>
+      <p:sp>
+        <p:nvSpPr>
+          <p:cNvPr id="43" name="ZoneTexte 42">
+            <a:extLst>
+              <a:ext uri="{FF2B5EF4-FFF2-40B4-BE49-F238E27FC236}">
+                <a16:creationId xmlns:a16="http://schemas.microsoft.com/office/drawing/2014/main" id="{E4308753-4F73-4423-AF59-E28C304C0124}"/>
+              </a:ext>
+            </a:extLst>
+          </p:cNvPr>
+          <p:cNvSpPr txBox="1"/>
+          <p:nvPr/>
+        </p:nvSpPr>
+        <p:spPr>
+          <a:xfrm>
+            <a:off x="2596900" y="9734132"/>
+            <a:ext cx="1277907" cy="369332"/>
+          </a:xfrm>
+          <a:prstGeom prst="rect">
+            <a:avLst/>
+          </a:prstGeom>
+          <a:noFill/>
+        </p:spPr>
+        <p:txBody>
+          <a:bodyPr wrap="square" rtlCol="0">
+            <a:spAutoFit/>
+          </a:bodyPr>
+          <a:lstStyle/>
+          <a:p>
+            <a:r>
+              <a:rPr lang="en-US" dirty="0"/>
+              <a:t>Declaration</a:t>
+            </a:r>
+          </a:p>
+        </p:txBody>
+      </p:sp>
+      <p:sp>
+        <p:nvSpPr>
+          <p:cNvPr id="45" name="Rectangle 44">
+            <a:extLst>
+              <a:ext uri="{FF2B5EF4-FFF2-40B4-BE49-F238E27FC236}">
+                <a16:creationId xmlns:a16="http://schemas.microsoft.com/office/drawing/2014/main" id="{2F6D8BA4-9370-4548-AB3E-78EF2E99038B}"/>
+              </a:ext>
+            </a:extLst>
+          </p:cNvPr>
+          <p:cNvSpPr/>
+          <p:nvPr/>
+        </p:nvSpPr>
+        <p:spPr>
+          <a:xfrm>
+            <a:off x="4547474" y="9618021"/>
+            <a:ext cx="1813544" cy="567160"/>
+          </a:xfrm>
+          <a:prstGeom prst="rect">
+            <a:avLst/>
+          </a:prstGeom>
+          <a:solidFill>
+            <a:schemeClr val="accent6">
+              <a:lumMod val="40000"/>
+              <a:lumOff val="60000"/>
+            </a:schemeClr>
+          </a:solidFill>
+          <a:ln w="38100">
+            <a:solidFill>
+              <a:schemeClr val="accent1"/>
+            </a:solidFill>
+          </a:ln>
+        </p:spPr>
+        <p:style>
+          <a:lnRef idx="2">
+            <a:schemeClr val="accent1">
+              <a:shade val="50000"/>
+            </a:schemeClr>
+          </a:lnRef>
+          <a:fillRef idx="1">
+            <a:schemeClr val="accent1"/>
+          </a:fillRef>
+          <a:effectRef idx="0">
+            <a:schemeClr val="accent1"/>
+          </a:effectRef>
+          <a:fontRef idx="minor">
+            <a:schemeClr val="lt1"/>
+          </a:fontRef>
+        </p:style>
+        <p:txBody>
+          <a:bodyPr rtlCol="0" anchor="ctr"/>
+          <a:lstStyle/>
+          <a:p>
+            <a:pPr algn="ctr"/>
+            <a:endParaRPr lang="en-US"/>
+          </a:p>
+        </p:txBody>
+      </p:sp>
+      <p:sp>
+        <p:nvSpPr>
+          <p:cNvPr id="46" name="ZoneTexte 45">
+            <a:extLst>
+              <a:ext uri="{FF2B5EF4-FFF2-40B4-BE49-F238E27FC236}">
+                <a16:creationId xmlns:a16="http://schemas.microsoft.com/office/drawing/2014/main" id="{43712545-0C11-438C-9FE6-046AA15B3826}"/>
+              </a:ext>
+            </a:extLst>
+          </p:cNvPr>
+          <p:cNvSpPr txBox="1"/>
+          <p:nvPr/>
+        </p:nvSpPr>
+        <p:spPr>
+          <a:xfrm>
+            <a:off x="4854119" y="9726362"/>
+            <a:ext cx="1138834" cy="369332"/>
+          </a:xfrm>
+          <a:prstGeom prst="rect">
+            <a:avLst/>
+          </a:prstGeom>
+          <a:noFill/>
+        </p:spPr>
+        <p:txBody>
+          <a:bodyPr wrap="square" rtlCol="0">
+            <a:spAutoFit/>
+          </a:bodyPr>
+          <a:lstStyle/>
+          <a:p>
+            <a:r>
+              <a:rPr lang="en-US" dirty="0"/>
+              <a:t>Condition </a:t>
+            </a:r>
+          </a:p>
+        </p:txBody>
+      </p:sp>
+      <p:cxnSp>
+        <p:nvCxnSpPr>
+          <p:cNvPr id="58" name="Connecteur droit 57">
+            <a:extLst>
+              <a:ext uri="{FF2B5EF4-FFF2-40B4-BE49-F238E27FC236}">
+                <a16:creationId xmlns:a16="http://schemas.microsoft.com/office/drawing/2014/main" id="{4835F9B8-17C1-4D48-86D6-BB97327D42F3}"/>
+              </a:ext>
+            </a:extLst>
+          </p:cNvPr>
+          <p:cNvCxnSpPr>
+            <a:cxnSpLocks/>
+          </p:cNvCxnSpPr>
+          <p:nvPr/>
+        </p:nvCxnSpPr>
+        <p:spPr>
+          <a:xfrm>
+            <a:off x="3129186" y="5516400"/>
+            <a:ext cx="691499" cy="0"/>
+          </a:xfrm>
+          <a:prstGeom prst="line">
+            <a:avLst/>
+          </a:prstGeom>
+          <a:ln w="38100"/>
+        </p:spPr>
+        <p:style>
+          <a:lnRef idx="3">
+            <a:schemeClr val="accent1"/>
+          </a:lnRef>
+          <a:fillRef idx="0">
+            <a:schemeClr val="accent1"/>
+          </a:fillRef>
+          <a:effectRef idx="2">
+            <a:schemeClr val="accent1"/>
+          </a:effectRef>
+          <a:fontRef idx="minor">
+            <a:schemeClr val="tx1"/>
+          </a:fontRef>
+        </p:style>
+      </p:cxnSp>
+      <p:sp>
+        <p:nvSpPr>
+          <p:cNvPr id="60" name="Rectangle : coins arrondis 59">
+            <a:extLst>
+              <a:ext uri="{FF2B5EF4-FFF2-40B4-BE49-F238E27FC236}">
+                <a16:creationId xmlns:a16="http://schemas.microsoft.com/office/drawing/2014/main" id="{3E8E7342-3D35-4ED9-B0B3-87EDEDCF9F46}"/>
+              </a:ext>
+            </a:extLst>
+          </p:cNvPr>
+          <p:cNvSpPr/>
+          <p:nvPr/>
+        </p:nvSpPr>
+        <p:spPr>
+          <a:xfrm>
+            <a:off x="3851837" y="5169551"/>
+            <a:ext cx="2165585" cy="701040"/>
+          </a:xfrm>
+          <a:prstGeom prst="roundRect">
+            <a:avLst/>
+          </a:prstGeom>
+          <a:solidFill>
+            <a:schemeClr val="accent2">
+              <a:lumMod val="20000"/>
+              <a:lumOff val="80000"/>
+            </a:schemeClr>
+          </a:solidFill>
+          <a:ln w="38100">
+            <a:solidFill>
+              <a:schemeClr val="accent1"/>
+            </a:solidFill>
+          </a:ln>
+        </p:spPr>
+        <p:style>
+          <a:lnRef idx="2">
+            <a:schemeClr val="accent1">
+              <a:shade val="50000"/>
+            </a:schemeClr>
+          </a:lnRef>
+          <a:fillRef idx="1">
+            <a:schemeClr val="accent1"/>
+          </a:fillRef>
+          <a:effectRef idx="0">
+            <a:schemeClr val="accent1"/>
+          </a:effectRef>
+          <a:fontRef idx="minor">
+            <a:schemeClr val="lt1"/>
+          </a:fontRef>
+        </p:style>
+        <p:txBody>
+          <a:bodyPr rtlCol="0" anchor="ctr"/>
+          <a:lstStyle/>
+          <a:p>
+            <a:pPr algn="ctr"/>
+            <a:endParaRPr lang="en-US"/>
+          </a:p>
+        </p:txBody>
+      </p:sp>
+      <p:sp>
+        <p:nvSpPr>
+          <p:cNvPr id="62" name="ZoneTexte 61">
+            <a:extLst>
+              <a:ext uri="{FF2B5EF4-FFF2-40B4-BE49-F238E27FC236}">
+                <a16:creationId xmlns:a16="http://schemas.microsoft.com/office/drawing/2014/main" id="{8621088E-37F6-4541-9B9E-C8D1896FE272}"/>
+              </a:ext>
+            </a:extLst>
+          </p:cNvPr>
+          <p:cNvSpPr txBox="1"/>
+          <p:nvPr/>
+        </p:nvSpPr>
+        <p:spPr>
+          <a:xfrm flipH="1">
+            <a:off x="4022648" y="5335405"/>
+            <a:ext cx="2002393" cy="369332"/>
+          </a:xfrm>
+          <a:prstGeom prst="rect">
+            <a:avLst/>
+          </a:prstGeom>
+          <a:noFill/>
+        </p:spPr>
+        <p:txBody>
+          <a:bodyPr wrap="square" rtlCol="0">
+            <a:spAutoFit/>
+          </a:bodyPr>
+          <a:lstStyle/>
+          <a:p>
+            <a:r>
+              <a:rPr lang="en-US" dirty="0"/>
+              <a:t>Display follow list</a:t>
+            </a:r>
+          </a:p>
+        </p:txBody>
+      </p:sp>
+      <p:sp>
+        <p:nvSpPr>
+          <p:cNvPr id="63" name="ZoneTexte 62">
+            <a:extLst>
+              <a:ext uri="{FF2B5EF4-FFF2-40B4-BE49-F238E27FC236}">
+                <a16:creationId xmlns:a16="http://schemas.microsoft.com/office/drawing/2014/main" id="{0048B181-0F77-4F56-9E17-B1188DAA637E}"/>
+              </a:ext>
+            </a:extLst>
+          </p:cNvPr>
+          <p:cNvSpPr txBox="1"/>
+          <p:nvPr/>
+        </p:nvSpPr>
+        <p:spPr>
+          <a:xfrm>
+            <a:off x="3128915" y="5116973"/>
+            <a:ext cx="301686" cy="369332"/>
+          </a:xfrm>
+          <a:prstGeom prst="rect">
+            <a:avLst/>
+          </a:prstGeom>
+          <a:noFill/>
+        </p:spPr>
+        <p:txBody>
+          <a:bodyPr wrap="square" rtlCol="0">
+            <a:spAutoFit/>
+          </a:bodyPr>
+          <a:lstStyle/>
+          <a:p>
+            <a:r>
+              <a:rPr lang="en-US" dirty="0"/>
+              <a:t>5</a:t>
+            </a:r>
+          </a:p>
+        </p:txBody>
+      </p:sp>
+    </p:spTree>
+    <p:extLst>
+      <p:ext uri="{BB962C8B-B14F-4D97-AF65-F5344CB8AC3E}">
+        <p14:creationId xmlns:p14="http://schemas.microsoft.com/office/powerpoint/2010/main" val="3486345427"/>
+      </p:ext>
+    </p:extLst>
+  </p:cSld>
+  <p:clrMapOvr>
+    <a:masterClrMapping/>
+  </p:clrMapOvr>
+</p:sld>
+</file>
+
+<file path=ppt/slides/slide3.xml><?xml version="1.0" encoding="utf-8"?>
+<p:sld xmlns:a="http://schemas.openxmlformats.org/drawingml/2006/main" xmlns:r="http://schemas.openxmlformats.org/officeDocument/2006/relationships" xmlns:p="http://schemas.openxmlformats.org/presentationml/2006/main">
+  <p:cSld>
+    <p:spTree>
+      <p:nvGrpSpPr>
+        <p:cNvPr id="1" name=""/>
+        <p:cNvGrpSpPr/>
+        <p:nvPr/>
+      </p:nvGrpSpPr>
+      <p:grpSpPr>
+        <a:xfrm>
+          <a:off x="0" y="0"/>
+          <a:ext cx="0" cy="0"/>
+          <a:chOff x="0" y="0"/>
+          <a:chExt cx="0" cy="0"/>
+        </a:xfrm>
+      </p:grpSpPr>
+      <p:sp>
+        <p:nvSpPr>
+          <p:cNvPr id="9" name="Rectangle : coins arrondis 8">
+            <a:extLst>
+              <a:ext uri="{FF2B5EF4-FFF2-40B4-BE49-F238E27FC236}">
+                <a16:creationId xmlns:a16="http://schemas.microsoft.com/office/drawing/2014/main" id="{06FF00E2-71C2-452A-903C-98ADC1CF4900}"/>
+              </a:ext>
+            </a:extLst>
+          </p:cNvPr>
+          <p:cNvSpPr/>
+          <p:nvPr/>
+        </p:nvSpPr>
+        <p:spPr>
+          <a:xfrm>
+            <a:off x="2129284" y="126309"/>
+            <a:ext cx="1997548" cy="701040"/>
+          </a:xfrm>
+          <a:prstGeom prst="roundRect">
+            <a:avLst/>
+          </a:prstGeom>
+          <a:solidFill>
+            <a:schemeClr val="accent2">
+              <a:lumMod val="20000"/>
+              <a:lumOff val="80000"/>
+            </a:schemeClr>
+          </a:solidFill>
+          <a:ln w="38100">
+            <a:solidFill>
+              <a:schemeClr val="accent1"/>
+            </a:solidFill>
+          </a:ln>
+        </p:spPr>
+        <p:style>
+          <a:lnRef idx="2">
+            <a:schemeClr val="accent1">
+              <a:shade val="50000"/>
+            </a:schemeClr>
+          </a:lnRef>
+          <a:fillRef idx="1">
+            <a:schemeClr val="accent1"/>
+          </a:fillRef>
+          <a:effectRef idx="0">
+            <a:schemeClr val="accent1"/>
+          </a:effectRef>
+          <a:fontRef idx="minor">
+            <a:schemeClr val="lt1"/>
+          </a:fontRef>
+        </p:style>
+        <p:txBody>
+          <a:bodyPr rtlCol="0" anchor="ctr"/>
+          <a:lstStyle/>
+          <a:p>
+            <a:pPr algn="ctr"/>
+            <a:endParaRPr lang="en-US"/>
+          </a:p>
+        </p:txBody>
+      </p:sp>
+      <p:sp>
+        <p:nvSpPr>
+          <p:cNvPr id="8" name="ZoneTexte 7">
+            <a:extLst>
+              <a:ext uri="{FF2B5EF4-FFF2-40B4-BE49-F238E27FC236}">
+                <a16:creationId xmlns:a16="http://schemas.microsoft.com/office/drawing/2014/main" id="{2D7AECFE-5A0B-4E0D-B69B-83ACB7926B16}"/>
+              </a:ext>
+            </a:extLst>
+          </p:cNvPr>
+          <p:cNvSpPr txBox="1"/>
+          <p:nvPr/>
+        </p:nvSpPr>
+        <p:spPr>
+          <a:xfrm>
+            <a:off x="2305456" y="292163"/>
+            <a:ext cx="1694148" cy="369332"/>
+          </a:xfrm>
+          <a:prstGeom prst="rect">
+            <a:avLst/>
+          </a:prstGeom>
+          <a:noFill/>
+        </p:spPr>
+        <p:txBody>
+          <a:bodyPr wrap="square" rtlCol="0">
+            <a:spAutoFit/>
+          </a:bodyPr>
+          <a:lstStyle/>
+          <a:p>
+            <a:r>
+              <a:rPr lang="en-US" dirty="0"/>
+              <a:t>Find per criteria</a:t>
+            </a:r>
+          </a:p>
+        </p:txBody>
+      </p:sp>
+      <p:sp>
+        <p:nvSpPr>
+          <p:cNvPr id="10" name="Organigramme : Décision 9">
+            <a:extLst>
+              <a:ext uri="{FF2B5EF4-FFF2-40B4-BE49-F238E27FC236}">
+                <a16:creationId xmlns:a16="http://schemas.microsoft.com/office/drawing/2014/main" id="{4C45989A-B4E4-41E1-8072-5E28D4079282}"/>
+              </a:ext>
+            </a:extLst>
+          </p:cNvPr>
+          <p:cNvSpPr/>
+          <p:nvPr/>
+        </p:nvSpPr>
+        <p:spPr>
+          <a:xfrm>
+            <a:off x="2472738" y="993203"/>
+            <a:ext cx="1310640" cy="701040"/>
+          </a:xfrm>
+          <a:prstGeom prst="flowChartDecision">
+            <a:avLst/>
+          </a:prstGeom>
+          <a:solidFill>
+            <a:schemeClr val="accent6">
+              <a:lumMod val="40000"/>
+              <a:lumOff val="60000"/>
+            </a:schemeClr>
+          </a:solidFill>
+          <a:ln w="38100">
+            <a:solidFill>
+              <a:schemeClr val="accent1"/>
+            </a:solidFill>
+          </a:ln>
+        </p:spPr>
+        <p:style>
+          <a:lnRef idx="2">
+            <a:schemeClr val="accent1">
+              <a:shade val="50000"/>
+            </a:schemeClr>
+          </a:lnRef>
+          <a:fillRef idx="1">
+            <a:schemeClr val="accent1"/>
+          </a:fillRef>
+          <a:effectRef idx="0">
+            <a:schemeClr val="accent1"/>
+          </a:effectRef>
+          <a:fontRef idx="minor">
+            <a:schemeClr val="lt1"/>
+          </a:fontRef>
+        </p:style>
+        <p:txBody>
+          <a:bodyPr rtlCol="0" anchor="ctr"/>
+          <a:lstStyle/>
+          <a:p>
+            <a:pPr algn="ctr"/>
+            <a:endParaRPr lang="en-US"/>
+          </a:p>
+        </p:txBody>
+      </p:sp>
+      <p:sp>
+        <p:nvSpPr>
+          <p:cNvPr id="11" name="ZoneTexte 10">
+            <a:extLst>
+              <a:ext uri="{FF2B5EF4-FFF2-40B4-BE49-F238E27FC236}">
+                <a16:creationId xmlns:a16="http://schemas.microsoft.com/office/drawing/2014/main" id="{0534A67F-BC12-472B-98BE-A0299FA43C44}"/>
+              </a:ext>
+            </a:extLst>
+          </p:cNvPr>
+          <p:cNvSpPr txBox="1"/>
+          <p:nvPr/>
+        </p:nvSpPr>
+        <p:spPr>
+          <a:xfrm>
+            <a:off x="2728008" y="1159057"/>
+            <a:ext cx="800100" cy="369332"/>
+          </a:xfrm>
+          <a:prstGeom prst="rect">
+            <a:avLst/>
+          </a:prstGeom>
+          <a:noFill/>
+        </p:spPr>
+        <p:txBody>
+          <a:bodyPr wrap="square" rtlCol="0">
+            <a:spAutoFit/>
+          </a:bodyPr>
+          <a:lstStyle/>
+          <a:p>
+            <a:r>
+              <a:rPr lang="en-US" dirty="0"/>
+              <a:t>Action</a:t>
+            </a:r>
+          </a:p>
+        </p:txBody>
+      </p:sp>
+      <p:cxnSp>
+        <p:nvCxnSpPr>
+          <p:cNvPr id="13" name="Connecteur droit 12">
+            <a:extLst>
+              <a:ext uri="{FF2B5EF4-FFF2-40B4-BE49-F238E27FC236}">
+                <a16:creationId xmlns:a16="http://schemas.microsoft.com/office/drawing/2014/main" id="{18736D8F-217E-44E7-BB8B-6DA318FD8975}"/>
+              </a:ext>
+            </a:extLst>
+          </p:cNvPr>
+          <p:cNvCxnSpPr>
+            <a:cxnSpLocks/>
+            <a:stCxn id="9" idx="2"/>
+            <a:endCxn id="10" idx="0"/>
+          </p:cNvCxnSpPr>
+          <p:nvPr/>
+        </p:nvCxnSpPr>
+        <p:spPr>
+          <a:xfrm>
+            <a:off x="3128058" y="827349"/>
+            <a:ext cx="0" cy="165854"/>
+          </a:xfrm>
+          <a:prstGeom prst="line">
+            <a:avLst/>
+          </a:prstGeom>
+          <a:ln w="38100"/>
+        </p:spPr>
+        <p:style>
+          <a:lnRef idx="3">
+            <a:schemeClr val="accent1"/>
+          </a:lnRef>
+          <a:fillRef idx="0">
+            <a:schemeClr val="accent1"/>
+          </a:fillRef>
+          <a:effectRef idx="2">
+            <a:schemeClr val="accent1"/>
+          </a:effectRef>
+          <a:fontRef idx="minor">
+            <a:schemeClr val="tx1"/>
+          </a:fontRef>
+        </p:style>
+      </p:cxnSp>
+      <p:cxnSp>
+        <p:nvCxnSpPr>
+          <p:cNvPr id="16" name="Connecteur droit 15">
+            <a:extLst>
+              <a:ext uri="{FF2B5EF4-FFF2-40B4-BE49-F238E27FC236}">
+                <a16:creationId xmlns:a16="http://schemas.microsoft.com/office/drawing/2014/main" id="{CBCC8BDC-9FAE-4710-BEA0-361A07A3561F}"/>
+              </a:ext>
+            </a:extLst>
+          </p:cNvPr>
+          <p:cNvCxnSpPr>
+            <a:cxnSpLocks/>
+            <a:stCxn id="10" idx="2"/>
+          </p:cNvCxnSpPr>
+          <p:nvPr/>
+        </p:nvCxnSpPr>
+        <p:spPr>
+          <a:xfrm>
+            <a:off x="3128058" y="1694243"/>
+            <a:ext cx="0" cy="3749556"/>
+          </a:xfrm>
+          <a:prstGeom prst="line">
+            <a:avLst/>
+          </a:prstGeom>
+          <a:ln w="38100"/>
+        </p:spPr>
+        <p:style>
+          <a:lnRef idx="1">
+            <a:schemeClr val="accent1"/>
+          </a:lnRef>
+          <a:fillRef idx="0">
+            <a:schemeClr val="accent1"/>
+          </a:fillRef>
+          <a:effectRef idx="0">
+            <a:schemeClr val="accent1"/>
+          </a:effectRef>
+          <a:fontRef idx="minor">
+            <a:schemeClr val="tx1"/>
+          </a:fontRef>
+        </p:style>
+      </p:cxnSp>
+      <p:sp>
+        <p:nvSpPr>
+          <p:cNvPr id="17" name="Rectangle 16">
+            <a:extLst>
+              <a:ext uri="{FF2B5EF4-FFF2-40B4-BE49-F238E27FC236}">
+                <a16:creationId xmlns:a16="http://schemas.microsoft.com/office/drawing/2014/main" id="{4EB825A7-1930-459C-9923-1D58B8982D03}"/>
+              </a:ext>
+            </a:extLst>
+          </p:cNvPr>
+          <p:cNvSpPr/>
+          <p:nvPr/>
+        </p:nvSpPr>
+        <p:spPr>
+          <a:xfrm>
+            <a:off x="2209856" y="7281321"/>
+            <a:ext cx="1813544" cy="567160"/>
+          </a:xfrm>
+          <a:prstGeom prst="rect">
+            <a:avLst/>
+          </a:prstGeom>
+          <a:solidFill>
+            <a:schemeClr val="accent6">
+              <a:lumMod val="40000"/>
+              <a:lumOff val="60000"/>
+            </a:schemeClr>
+          </a:solidFill>
+          <a:ln w="38100">
+            <a:solidFill>
+              <a:schemeClr val="accent1"/>
+            </a:solidFill>
+          </a:ln>
+        </p:spPr>
+        <p:style>
+          <a:lnRef idx="2">
+            <a:schemeClr val="accent1">
+              <a:shade val="50000"/>
+            </a:schemeClr>
+          </a:lnRef>
+          <a:fillRef idx="1">
+            <a:schemeClr val="accent1"/>
+          </a:fillRef>
+          <a:effectRef idx="0">
+            <a:schemeClr val="accent1"/>
+          </a:effectRef>
+          <a:fontRef idx="minor">
+            <a:schemeClr val="lt1"/>
+          </a:fontRef>
+        </p:style>
+        <p:txBody>
+          <a:bodyPr rtlCol="0" anchor="ctr"/>
+          <a:lstStyle/>
+          <a:p>
+            <a:pPr algn="ctr"/>
+            <a:endParaRPr lang="en-US"/>
+          </a:p>
+        </p:txBody>
+      </p:sp>
+      <p:sp>
+        <p:nvSpPr>
+          <p:cNvPr id="18" name="ZoneTexte 17">
+            <a:extLst>
+              <a:ext uri="{FF2B5EF4-FFF2-40B4-BE49-F238E27FC236}">
+                <a16:creationId xmlns:a16="http://schemas.microsoft.com/office/drawing/2014/main" id="{FF38F070-BBF4-44B6-BE4F-CEA83FB9EFD7}"/>
+              </a:ext>
+            </a:extLst>
+          </p:cNvPr>
+          <p:cNvSpPr txBox="1"/>
+          <p:nvPr/>
+        </p:nvSpPr>
+        <p:spPr>
+          <a:xfrm>
+            <a:off x="2209848" y="7380235"/>
+            <a:ext cx="1813560" cy="369332"/>
+          </a:xfrm>
+          <a:prstGeom prst="rect">
+            <a:avLst/>
+          </a:prstGeom>
+          <a:noFill/>
+        </p:spPr>
+        <p:txBody>
+          <a:bodyPr wrap="square" rtlCol="0">
+            <a:spAutoFit/>
+          </a:bodyPr>
+          <a:lstStyle/>
+          <a:p>
+            <a:r>
+              <a:rPr lang="en-US" dirty="0"/>
+              <a:t>While Action != 6</a:t>
+            </a:r>
+          </a:p>
+        </p:txBody>
+      </p:sp>
+      <p:sp>
+        <p:nvSpPr>
+          <p:cNvPr id="19" name="Rectangle : coins arrondis 18">
+            <a:extLst>
+              <a:ext uri="{FF2B5EF4-FFF2-40B4-BE49-F238E27FC236}">
+                <a16:creationId xmlns:a16="http://schemas.microsoft.com/office/drawing/2014/main" id="{2AAF2BCB-C80C-48CC-AA1C-6F7A768826C7}"/>
+              </a:ext>
+            </a:extLst>
+          </p:cNvPr>
+          <p:cNvSpPr/>
+          <p:nvPr/>
+        </p:nvSpPr>
+        <p:spPr>
+          <a:xfrm>
+            <a:off x="3813858" y="1860097"/>
+            <a:ext cx="1592578" cy="701040"/>
+          </a:xfrm>
+          <a:prstGeom prst="roundRect">
+            <a:avLst/>
+          </a:prstGeom>
+          <a:solidFill>
+            <a:schemeClr val="accent2">
+              <a:lumMod val="20000"/>
+              <a:lumOff val="80000"/>
+            </a:schemeClr>
+          </a:solidFill>
+          <a:ln w="38100">
+            <a:solidFill>
+              <a:schemeClr val="accent1"/>
+            </a:solidFill>
+          </a:ln>
+        </p:spPr>
+        <p:style>
+          <a:lnRef idx="2">
+            <a:schemeClr val="accent1">
+              <a:shade val="50000"/>
+            </a:schemeClr>
+          </a:lnRef>
+          <a:fillRef idx="1">
+            <a:schemeClr val="accent1"/>
+          </a:fillRef>
+          <a:effectRef idx="0">
+            <a:schemeClr val="accent1"/>
+          </a:effectRef>
+          <a:fontRef idx="minor">
+            <a:schemeClr val="lt1"/>
+          </a:fontRef>
+        </p:style>
+        <p:txBody>
+          <a:bodyPr rtlCol="0" anchor="ctr"/>
+          <a:lstStyle/>
+          <a:p>
+            <a:pPr algn="ctr"/>
+            <a:endParaRPr lang="en-US"/>
+          </a:p>
+        </p:txBody>
+      </p:sp>
+      <p:sp>
+        <p:nvSpPr>
+          <p:cNvPr id="20" name="Rectangle : coins arrondis 19">
+            <a:extLst>
+              <a:ext uri="{FF2B5EF4-FFF2-40B4-BE49-F238E27FC236}">
+                <a16:creationId xmlns:a16="http://schemas.microsoft.com/office/drawing/2014/main" id="{60B86AA6-306D-4E83-A656-F01C696EDF04}"/>
+              </a:ext>
+            </a:extLst>
+          </p:cNvPr>
+          <p:cNvSpPr/>
+          <p:nvPr/>
+        </p:nvSpPr>
+        <p:spPr>
+          <a:xfrm>
+            <a:off x="3813858" y="2664872"/>
+            <a:ext cx="1592578" cy="701040"/>
+          </a:xfrm>
+          <a:prstGeom prst="roundRect">
+            <a:avLst/>
+          </a:prstGeom>
+          <a:solidFill>
+            <a:schemeClr val="accent2">
+              <a:lumMod val="20000"/>
+              <a:lumOff val="80000"/>
+            </a:schemeClr>
+          </a:solidFill>
+          <a:ln w="38100">
+            <a:solidFill>
+              <a:schemeClr val="accent1"/>
+            </a:solidFill>
+          </a:ln>
+        </p:spPr>
+        <p:style>
+          <a:lnRef idx="2">
+            <a:schemeClr val="accent1">
+              <a:shade val="50000"/>
+            </a:schemeClr>
+          </a:lnRef>
+          <a:fillRef idx="1">
+            <a:schemeClr val="accent1"/>
+          </a:fillRef>
+          <a:effectRef idx="0">
+            <a:schemeClr val="accent1"/>
+          </a:effectRef>
+          <a:fontRef idx="minor">
+            <a:schemeClr val="lt1"/>
+          </a:fontRef>
+        </p:style>
+        <p:txBody>
+          <a:bodyPr rtlCol="0" anchor="ctr"/>
+          <a:lstStyle/>
+          <a:p>
+            <a:pPr algn="ctr"/>
+            <a:endParaRPr lang="en-US"/>
+          </a:p>
+        </p:txBody>
+      </p:sp>
+      <p:sp>
+        <p:nvSpPr>
+          <p:cNvPr id="21" name="Rectangle : coins arrondis 20">
+            <a:extLst>
+              <a:ext uri="{FF2B5EF4-FFF2-40B4-BE49-F238E27FC236}">
+                <a16:creationId xmlns:a16="http://schemas.microsoft.com/office/drawing/2014/main" id="{60E67924-F238-4838-B268-6E47B9AECB40}"/>
+              </a:ext>
+            </a:extLst>
+          </p:cNvPr>
+          <p:cNvSpPr/>
+          <p:nvPr/>
+        </p:nvSpPr>
+        <p:spPr>
+          <a:xfrm>
+            <a:off x="3813857" y="3464826"/>
+            <a:ext cx="2430767" cy="701040"/>
+          </a:xfrm>
+          <a:prstGeom prst="roundRect">
+            <a:avLst/>
+          </a:prstGeom>
+          <a:solidFill>
+            <a:schemeClr val="accent2">
+              <a:lumMod val="20000"/>
+              <a:lumOff val="80000"/>
+            </a:schemeClr>
+          </a:solidFill>
+          <a:ln w="38100">
+            <a:solidFill>
+              <a:schemeClr val="accent1"/>
+            </a:solidFill>
+          </a:ln>
+        </p:spPr>
+        <p:style>
+          <a:lnRef idx="2">
+            <a:schemeClr val="accent1">
+              <a:shade val="50000"/>
+            </a:schemeClr>
+          </a:lnRef>
+          <a:fillRef idx="1">
+            <a:schemeClr val="accent1"/>
+          </a:fillRef>
+          <a:effectRef idx="0">
+            <a:schemeClr val="accent1"/>
+          </a:effectRef>
+          <a:fontRef idx="minor">
+            <a:schemeClr val="lt1"/>
+          </a:fontRef>
+        </p:style>
+        <p:txBody>
+          <a:bodyPr rtlCol="0" anchor="ctr"/>
+          <a:lstStyle/>
+          <a:p>
+            <a:pPr algn="ctr"/>
+            <a:endParaRPr lang="en-US"/>
+          </a:p>
+        </p:txBody>
+      </p:sp>
+      <p:sp>
+        <p:nvSpPr>
+          <p:cNvPr id="22" name="ZoneTexte 21">
+            <a:extLst>
+              <a:ext uri="{FF2B5EF4-FFF2-40B4-BE49-F238E27FC236}">
+                <a16:creationId xmlns:a16="http://schemas.microsoft.com/office/drawing/2014/main" id="{08A53F32-4867-421F-AFE8-C662A7FD6D35}"/>
+              </a:ext>
+            </a:extLst>
+          </p:cNvPr>
+          <p:cNvSpPr txBox="1"/>
+          <p:nvPr/>
+        </p:nvSpPr>
+        <p:spPr>
+          <a:xfrm>
+            <a:off x="3874807" y="2025951"/>
+            <a:ext cx="1493525" cy="369332"/>
+          </a:xfrm>
+          <a:prstGeom prst="rect">
+            <a:avLst/>
+          </a:prstGeom>
+          <a:noFill/>
+        </p:spPr>
+        <p:txBody>
+          <a:bodyPr wrap="square" rtlCol="0">
+            <a:spAutoFit/>
+          </a:bodyPr>
+          <a:lstStyle/>
+          <a:p>
+            <a:pPr algn="ctr"/>
+            <a:r>
+              <a:rPr lang="en-US" dirty="0"/>
+              <a:t>Age</a:t>
+            </a:r>
+          </a:p>
+        </p:txBody>
+      </p:sp>
+      <p:sp>
+        <p:nvSpPr>
+          <p:cNvPr id="23" name="ZoneTexte 22">
+            <a:extLst>
+              <a:ext uri="{FF2B5EF4-FFF2-40B4-BE49-F238E27FC236}">
+                <a16:creationId xmlns:a16="http://schemas.microsoft.com/office/drawing/2014/main" id="{72354C84-0A02-444D-B3A6-BFA7D4911354}"/>
+              </a:ext>
+            </a:extLst>
+          </p:cNvPr>
+          <p:cNvSpPr txBox="1"/>
+          <p:nvPr/>
+        </p:nvSpPr>
+        <p:spPr>
+          <a:xfrm>
+            <a:off x="3775758" y="2807684"/>
+            <a:ext cx="1592579" cy="369332"/>
+          </a:xfrm>
+          <a:prstGeom prst="rect">
+            <a:avLst/>
+          </a:prstGeom>
+          <a:noFill/>
+        </p:spPr>
+        <p:txBody>
+          <a:bodyPr wrap="square" rtlCol="0">
+            <a:spAutoFit/>
+          </a:bodyPr>
+          <a:lstStyle/>
+          <a:p>
+            <a:pPr algn="ctr"/>
+            <a:r>
+              <a:rPr lang="en-US" dirty="0"/>
+              <a:t>Year of studies</a:t>
+            </a:r>
+          </a:p>
+        </p:txBody>
+      </p:sp>
+      <p:sp>
+        <p:nvSpPr>
+          <p:cNvPr id="25" name="ZoneTexte 24">
+            <a:extLst>
+              <a:ext uri="{FF2B5EF4-FFF2-40B4-BE49-F238E27FC236}">
+                <a16:creationId xmlns:a16="http://schemas.microsoft.com/office/drawing/2014/main" id="{77D3D07E-BA40-437E-98E2-E29C3520A49B}"/>
+              </a:ext>
+            </a:extLst>
+          </p:cNvPr>
+          <p:cNvSpPr txBox="1"/>
+          <p:nvPr/>
+        </p:nvSpPr>
+        <p:spPr>
+          <a:xfrm flipH="1">
+            <a:off x="3813858" y="3581507"/>
+            <a:ext cx="2430779" cy="369332"/>
+          </a:xfrm>
+          <a:prstGeom prst="rect">
+            <a:avLst/>
+          </a:prstGeom>
+          <a:noFill/>
+        </p:spPr>
+        <p:txBody>
+          <a:bodyPr wrap="square" rtlCol="0">
+            <a:spAutoFit/>
+          </a:bodyPr>
+          <a:lstStyle/>
+          <a:p>
+            <a:pPr algn="ctr"/>
+            <a:r>
+              <a:rPr lang="en-US" dirty="0"/>
+              <a:t>City of residence</a:t>
+            </a:r>
+          </a:p>
+        </p:txBody>
+      </p:sp>
+      <p:sp>
+        <p:nvSpPr>
+          <p:cNvPr id="26" name="Rectangle : coins arrondis 25">
+            <a:extLst>
+              <a:ext uri="{FF2B5EF4-FFF2-40B4-BE49-F238E27FC236}">
+                <a16:creationId xmlns:a16="http://schemas.microsoft.com/office/drawing/2014/main" id="{D19116AE-01B6-400B-8402-E25D5AABBC82}"/>
+              </a:ext>
+            </a:extLst>
+          </p:cNvPr>
+          <p:cNvSpPr/>
+          <p:nvPr/>
+        </p:nvSpPr>
+        <p:spPr>
+          <a:xfrm>
+            <a:off x="3813856" y="4264780"/>
+            <a:ext cx="2430765" cy="701040"/>
+          </a:xfrm>
+          <a:prstGeom prst="roundRect">
+            <a:avLst/>
+          </a:prstGeom>
+          <a:solidFill>
+            <a:schemeClr val="accent2">
+              <a:lumMod val="20000"/>
+              <a:lumOff val="80000"/>
+            </a:schemeClr>
+          </a:solidFill>
+          <a:ln w="38100">
+            <a:solidFill>
+              <a:schemeClr val="accent1"/>
+            </a:solidFill>
+          </a:ln>
+        </p:spPr>
+        <p:style>
+          <a:lnRef idx="2">
+            <a:schemeClr val="accent1">
+              <a:shade val="50000"/>
+            </a:schemeClr>
+          </a:lnRef>
+          <a:fillRef idx="1">
+            <a:schemeClr val="accent1"/>
+          </a:fillRef>
+          <a:effectRef idx="0">
+            <a:schemeClr val="accent1"/>
+          </a:effectRef>
+          <a:fontRef idx="minor">
+            <a:schemeClr val="lt1"/>
+          </a:fontRef>
+        </p:style>
+        <p:txBody>
+          <a:bodyPr rtlCol="0" anchor="ctr"/>
+          <a:lstStyle/>
+          <a:p>
+            <a:pPr algn="ctr"/>
+            <a:endParaRPr lang="en-US"/>
+          </a:p>
+        </p:txBody>
+      </p:sp>
+      <p:sp>
+        <p:nvSpPr>
+          <p:cNvPr id="27" name="ZoneTexte 26">
+            <a:extLst>
+              <a:ext uri="{FF2B5EF4-FFF2-40B4-BE49-F238E27FC236}">
+                <a16:creationId xmlns:a16="http://schemas.microsoft.com/office/drawing/2014/main" id="{804BA36B-13AE-4588-AFEB-096E947CEF28}"/>
+              </a:ext>
+            </a:extLst>
+          </p:cNvPr>
+          <p:cNvSpPr txBox="1"/>
+          <p:nvPr/>
+        </p:nvSpPr>
+        <p:spPr>
+          <a:xfrm flipH="1">
+            <a:off x="3662657" y="4410851"/>
+            <a:ext cx="2733161" cy="369332"/>
+          </a:xfrm>
+          <a:prstGeom prst="rect">
+            <a:avLst/>
+          </a:prstGeom>
+          <a:noFill/>
+        </p:spPr>
+        <p:txBody>
+          <a:bodyPr wrap="square" rtlCol="0">
+            <a:spAutoFit/>
+          </a:bodyPr>
+          <a:lstStyle/>
+          <a:p>
+            <a:pPr algn="ctr"/>
+            <a:r>
+              <a:rPr lang="en-US" dirty="0"/>
+              <a:t>Field of studies</a:t>
+            </a:r>
+          </a:p>
+        </p:txBody>
+      </p:sp>
+      <p:cxnSp>
+        <p:nvCxnSpPr>
+          <p:cNvPr id="32" name="Connecteur droit 31">
+            <a:extLst>
+              <a:ext uri="{FF2B5EF4-FFF2-40B4-BE49-F238E27FC236}">
+                <a16:creationId xmlns:a16="http://schemas.microsoft.com/office/drawing/2014/main" id="{40B395AF-0040-47CE-AA80-3FCE5885C501}"/>
+              </a:ext>
+            </a:extLst>
+          </p:cNvPr>
+          <p:cNvCxnSpPr>
+            <a:cxnSpLocks/>
+            <a:endCxn id="19" idx="1"/>
+          </p:cNvCxnSpPr>
+          <p:nvPr/>
+        </p:nvCxnSpPr>
+        <p:spPr>
+          <a:xfrm>
+            <a:off x="3128058" y="2207764"/>
+            <a:ext cx="685800" cy="2853"/>
+          </a:xfrm>
+          <a:prstGeom prst="line">
+            <a:avLst/>
+          </a:prstGeom>
+          <a:ln w="38100"/>
+        </p:spPr>
+        <p:style>
+          <a:lnRef idx="3">
+            <a:schemeClr val="accent1"/>
+          </a:lnRef>
+          <a:fillRef idx="0">
+            <a:schemeClr val="accent1"/>
+          </a:fillRef>
+          <a:effectRef idx="2">
+            <a:schemeClr val="accent1"/>
+          </a:effectRef>
+          <a:fontRef idx="minor">
+            <a:schemeClr val="tx1"/>
+          </a:fontRef>
+        </p:style>
+      </p:cxnSp>
+      <p:cxnSp>
+        <p:nvCxnSpPr>
+          <p:cNvPr id="37" name="Connecteur droit 36">
+            <a:extLst>
+              <a:ext uri="{FF2B5EF4-FFF2-40B4-BE49-F238E27FC236}">
+                <a16:creationId xmlns:a16="http://schemas.microsoft.com/office/drawing/2014/main" id="{BE6556C5-41C5-4EED-8663-80E860A755C3}"/>
+              </a:ext>
+            </a:extLst>
+          </p:cNvPr>
+          <p:cNvCxnSpPr>
+            <a:cxnSpLocks/>
+          </p:cNvCxnSpPr>
+          <p:nvPr/>
+        </p:nvCxnSpPr>
+        <p:spPr>
+          <a:xfrm>
+            <a:off x="3109009" y="2989457"/>
+            <a:ext cx="685800" cy="2853"/>
+          </a:xfrm>
+          <a:prstGeom prst="line">
+            <a:avLst/>
+          </a:prstGeom>
+          <a:ln w="38100"/>
+        </p:spPr>
+        <p:style>
+          <a:lnRef idx="3">
+            <a:schemeClr val="accent1"/>
+          </a:lnRef>
+          <a:fillRef idx="0">
+            <a:schemeClr val="accent1"/>
+          </a:fillRef>
+          <a:effectRef idx="2">
+            <a:schemeClr val="accent1"/>
+          </a:effectRef>
+          <a:fontRef idx="minor">
+            <a:schemeClr val="tx1"/>
+          </a:fontRef>
+        </p:style>
+      </p:cxnSp>
+      <p:cxnSp>
+        <p:nvCxnSpPr>
+          <p:cNvPr id="38" name="Connecteur droit 37">
+            <a:extLst>
+              <a:ext uri="{FF2B5EF4-FFF2-40B4-BE49-F238E27FC236}">
+                <a16:creationId xmlns:a16="http://schemas.microsoft.com/office/drawing/2014/main" id="{669DF418-7D59-4931-B1DF-DCE2F0BC85DC}"/>
+              </a:ext>
+            </a:extLst>
+          </p:cNvPr>
+          <p:cNvCxnSpPr>
+            <a:cxnSpLocks/>
+          </p:cNvCxnSpPr>
+          <p:nvPr/>
+        </p:nvCxnSpPr>
+        <p:spPr>
+          <a:xfrm>
+            <a:off x="3116628" y="3811484"/>
+            <a:ext cx="685800" cy="2853"/>
+          </a:xfrm>
+          <a:prstGeom prst="line">
+            <a:avLst/>
+          </a:prstGeom>
+          <a:ln w="38100"/>
+        </p:spPr>
+        <p:style>
+          <a:lnRef idx="3">
+            <a:schemeClr val="accent1"/>
+          </a:lnRef>
+          <a:fillRef idx="0">
+            <a:schemeClr val="accent1"/>
+          </a:fillRef>
+          <a:effectRef idx="2">
+            <a:schemeClr val="accent1"/>
+          </a:effectRef>
+          <a:fontRef idx="minor">
+            <a:schemeClr val="tx1"/>
+          </a:fontRef>
+        </p:style>
+      </p:cxnSp>
+      <p:cxnSp>
+        <p:nvCxnSpPr>
+          <p:cNvPr id="39" name="Connecteur droit 38">
+            <a:extLst>
+              <a:ext uri="{FF2B5EF4-FFF2-40B4-BE49-F238E27FC236}">
+                <a16:creationId xmlns:a16="http://schemas.microsoft.com/office/drawing/2014/main" id="{228B9CCC-3EBA-4F38-8A0A-2AFF2F36B41C}"/>
+              </a:ext>
+            </a:extLst>
+          </p:cNvPr>
+          <p:cNvCxnSpPr>
+            <a:cxnSpLocks/>
+          </p:cNvCxnSpPr>
+          <p:nvPr/>
+        </p:nvCxnSpPr>
+        <p:spPr>
+          <a:xfrm>
+            <a:off x="3116628" y="4610974"/>
+            <a:ext cx="685800" cy="2853"/>
+          </a:xfrm>
+          <a:prstGeom prst="line">
+            <a:avLst/>
+          </a:prstGeom>
+          <a:ln w="38100"/>
+        </p:spPr>
+        <p:style>
+          <a:lnRef idx="3">
+            <a:schemeClr val="accent1"/>
+          </a:lnRef>
+          <a:fillRef idx="0">
+            <a:schemeClr val="accent1"/>
+          </a:fillRef>
+          <a:effectRef idx="2">
+            <a:schemeClr val="accent1"/>
+          </a:effectRef>
+          <a:fontRef idx="minor">
+            <a:schemeClr val="tx1"/>
+          </a:fontRef>
+        </p:style>
+      </p:cxnSp>
+      <p:cxnSp>
+        <p:nvCxnSpPr>
+          <p:cNvPr id="50" name="Connecteur droit avec flèche 49">
+            <a:extLst>
+              <a:ext uri="{FF2B5EF4-FFF2-40B4-BE49-F238E27FC236}">
+                <a16:creationId xmlns:a16="http://schemas.microsoft.com/office/drawing/2014/main" id="{3FEA454D-21DD-4EEA-834A-ACC7AFE1CF4C}"/>
+              </a:ext>
+            </a:extLst>
+          </p:cNvPr>
+          <p:cNvCxnSpPr>
+            <a:stCxn id="17" idx="2"/>
+          </p:cNvCxnSpPr>
+          <p:nvPr/>
+        </p:nvCxnSpPr>
+        <p:spPr>
+          <a:xfrm>
+            <a:off x="3116628" y="7848481"/>
+            <a:ext cx="0" cy="906040"/>
+          </a:xfrm>
+          <a:prstGeom prst="straightConnector1">
+            <a:avLst/>
+          </a:prstGeom>
+          <a:ln w="38100">
+            <a:tailEnd type="triangle"/>
+          </a:ln>
+        </p:spPr>
+        <p:style>
+          <a:lnRef idx="1">
+            <a:schemeClr val="accent1"/>
+          </a:lnRef>
+          <a:fillRef idx="0">
+            <a:schemeClr val="accent1"/>
+          </a:fillRef>
+          <a:effectRef idx="0">
+            <a:schemeClr val="accent1"/>
+          </a:effectRef>
+          <a:fontRef idx="minor">
+            <a:schemeClr val="tx1"/>
+          </a:fontRef>
+        </p:style>
+      </p:cxnSp>
+      <p:sp>
+        <p:nvSpPr>
+          <p:cNvPr id="51" name="ZoneTexte 50">
+            <a:extLst>
+              <a:ext uri="{FF2B5EF4-FFF2-40B4-BE49-F238E27FC236}">
+                <a16:creationId xmlns:a16="http://schemas.microsoft.com/office/drawing/2014/main" id="{19E19BB4-BFAC-43DA-964B-415A2ABFD946}"/>
+              </a:ext>
+            </a:extLst>
+          </p:cNvPr>
+          <p:cNvSpPr txBox="1"/>
+          <p:nvPr/>
+        </p:nvSpPr>
+        <p:spPr>
+          <a:xfrm>
+            <a:off x="3147108" y="1838432"/>
+            <a:ext cx="301686" cy="369332"/>
+          </a:xfrm>
+          <a:prstGeom prst="rect">
+            <a:avLst/>
+          </a:prstGeom>
+          <a:noFill/>
+        </p:spPr>
+        <p:txBody>
+          <a:bodyPr wrap="none" rtlCol="0">
+            <a:spAutoFit/>
+          </a:bodyPr>
+          <a:lstStyle/>
+          <a:p>
+            <a:r>
+              <a:rPr lang="en-US"/>
+              <a:t>1</a:t>
+            </a:r>
+          </a:p>
+        </p:txBody>
+      </p:sp>
+      <p:sp>
+        <p:nvSpPr>
+          <p:cNvPr id="53" name="ZoneTexte 52">
+            <a:extLst>
+              <a:ext uri="{FF2B5EF4-FFF2-40B4-BE49-F238E27FC236}">
+                <a16:creationId xmlns:a16="http://schemas.microsoft.com/office/drawing/2014/main" id="{989831F3-4BD9-4BB2-957F-6064A903F12F}"/>
+              </a:ext>
+            </a:extLst>
+          </p:cNvPr>
+          <p:cNvSpPr txBox="1"/>
+          <p:nvPr/>
+        </p:nvSpPr>
+        <p:spPr>
+          <a:xfrm>
+            <a:off x="3147108" y="2582912"/>
+            <a:ext cx="301686" cy="369332"/>
+          </a:xfrm>
+          <a:prstGeom prst="rect">
+            <a:avLst/>
+          </a:prstGeom>
+          <a:noFill/>
+        </p:spPr>
+        <p:txBody>
+          <a:bodyPr wrap="none" rtlCol="0">
+            <a:spAutoFit/>
+          </a:bodyPr>
+          <a:lstStyle/>
+          <a:p>
+            <a:r>
+              <a:rPr lang="en-US"/>
+              <a:t>2</a:t>
+            </a:r>
+          </a:p>
+        </p:txBody>
+      </p:sp>
+      <p:sp>
+        <p:nvSpPr>
+          <p:cNvPr id="54" name="ZoneTexte 53">
+            <a:extLst>
+              <a:ext uri="{FF2B5EF4-FFF2-40B4-BE49-F238E27FC236}">
+                <a16:creationId xmlns:a16="http://schemas.microsoft.com/office/drawing/2014/main" id="{BEE10F7E-F440-4DB2-B571-F19B6E7F0DA2}"/>
+              </a:ext>
+            </a:extLst>
+          </p:cNvPr>
+          <p:cNvSpPr txBox="1"/>
+          <p:nvPr/>
+        </p:nvSpPr>
+        <p:spPr>
+          <a:xfrm>
+            <a:off x="3147108" y="3437540"/>
+            <a:ext cx="301686" cy="369332"/>
+          </a:xfrm>
+          <a:prstGeom prst="rect">
+            <a:avLst/>
+          </a:prstGeom>
+          <a:noFill/>
+        </p:spPr>
+        <p:txBody>
+          <a:bodyPr wrap="none" rtlCol="0">
+            <a:spAutoFit/>
+          </a:bodyPr>
+          <a:lstStyle/>
+          <a:p>
+            <a:r>
+              <a:rPr lang="en-US"/>
+              <a:t>3</a:t>
+            </a:r>
+          </a:p>
+        </p:txBody>
+      </p:sp>
+      <p:sp>
+        <p:nvSpPr>
+          <p:cNvPr id="55" name="ZoneTexte 54">
+            <a:extLst>
+              <a:ext uri="{FF2B5EF4-FFF2-40B4-BE49-F238E27FC236}">
+                <a16:creationId xmlns:a16="http://schemas.microsoft.com/office/drawing/2014/main" id="{B4C5335C-65FB-49EB-954A-1D0A2D769C21}"/>
+              </a:ext>
+            </a:extLst>
+          </p:cNvPr>
+          <p:cNvSpPr txBox="1"/>
+          <p:nvPr/>
+        </p:nvSpPr>
+        <p:spPr>
+          <a:xfrm>
+            <a:off x="3128915" y="4234177"/>
+            <a:ext cx="301686" cy="369332"/>
+          </a:xfrm>
+          <a:prstGeom prst="rect">
+            <a:avLst/>
+          </a:prstGeom>
+          <a:noFill/>
+        </p:spPr>
+        <p:txBody>
+          <a:bodyPr wrap="square" rtlCol="0">
+            <a:spAutoFit/>
+          </a:bodyPr>
+          <a:lstStyle/>
+          <a:p>
+            <a:r>
+              <a:rPr lang="en-US"/>
+              <a:t>4</a:t>
+            </a:r>
+          </a:p>
+        </p:txBody>
+      </p:sp>
+      <p:sp>
+        <p:nvSpPr>
+          <p:cNvPr id="57" name="ZoneTexte 56">
+            <a:extLst>
+              <a:ext uri="{FF2B5EF4-FFF2-40B4-BE49-F238E27FC236}">
+                <a16:creationId xmlns:a16="http://schemas.microsoft.com/office/drawing/2014/main" id="{F3343C6C-4211-4057-8C7E-ECEB29EE9024}"/>
+              </a:ext>
+            </a:extLst>
+          </p:cNvPr>
+          <p:cNvSpPr txBox="1"/>
+          <p:nvPr/>
+        </p:nvSpPr>
+        <p:spPr>
+          <a:xfrm>
+            <a:off x="3135678" y="8120115"/>
+            <a:ext cx="1127232" cy="369332"/>
+          </a:xfrm>
+          <a:prstGeom prst="rect">
+            <a:avLst/>
+          </a:prstGeom>
+          <a:noFill/>
+        </p:spPr>
+        <p:txBody>
+          <a:bodyPr wrap="none" rtlCol="0">
+            <a:spAutoFit/>
+          </a:bodyPr>
+          <a:lstStyle/>
+          <a:p>
+            <a:r>
+              <a:rPr lang="en-US"/>
+              <a:t>Action = 6</a:t>
+            </a:r>
+          </a:p>
+        </p:txBody>
+      </p:sp>
+      <p:cxnSp>
+        <p:nvCxnSpPr>
+          <p:cNvPr id="59" name="Connecteur droit 58">
+            <a:extLst>
+              <a:ext uri="{FF2B5EF4-FFF2-40B4-BE49-F238E27FC236}">
+                <a16:creationId xmlns:a16="http://schemas.microsoft.com/office/drawing/2014/main" id="{260A01B0-5886-409A-A6AE-79BBBEA41673}"/>
+              </a:ext>
+            </a:extLst>
+          </p:cNvPr>
+          <p:cNvCxnSpPr>
+            <a:cxnSpLocks/>
+            <a:stCxn id="10" idx="3"/>
+          </p:cNvCxnSpPr>
+          <p:nvPr/>
+        </p:nvCxnSpPr>
+        <p:spPr>
+          <a:xfrm>
+            <a:off x="3783378" y="1343723"/>
+            <a:ext cx="2644126" cy="0"/>
+          </a:xfrm>
+          <a:prstGeom prst="line">
+            <a:avLst/>
+          </a:prstGeom>
+          <a:ln w="38100"/>
+        </p:spPr>
+        <p:style>
+          <a:lnRef idx="1">
+            <a:schemeClr val="accent1"/>
+          </a:lnRef>
+          <a:fillRef idx="0">
+            <a:schemeClr val="accent1"/>
+          </a:fillRef>
+          <a:effectRef idx="0">
+            <a:schemeClr val="accent1"/>
+          </a:effectRef>
+          <a:fontRef idx="minor">
+            <a:schemeClr val="tx1"/>
+          </a:fontRef>
+        </p:style>
+      </p:cxnSp>
+      <p:cxnSp>
+        <p:nvCxnSpPr>
+          <p:cNvPr id="61" name="Connecteur droit 60">
+            <a:extLst>
+              <a:ext uri="{FF2B5EF4-FFF2-40B4-BE49-F238E27FC236}">
+                <a16:creationId xmlns:a16="http://schemas.microsoft.com/office/drawing/2014/main" id="{B132F71B-099E-4744-A3AF-2E4BCEF43BEF}"/>
+              </a:ext>
+            </a:extLst>
+          </p:cNvPr>
+          <p:cNvCxnSpPr>
+            <a:cxnSpLocks/>
+          </p:cNvCxnSpPr>
+          <p:nvPr/>
+        </p:nvCxnSpPr>
+        <p:spPr>
+          <a:xfrm>
+            <a:off x="6427504" y="1343723"/>
+            <a:ext cx="0" cy="6221178"/>
+          </a:xfrm>
+          <a:prstGeom prst="line">
+            <a:avLst/>
+          </a:prstGeom>
+          <a:ln w="38100"/>
+        </p:spPr>
+        <p:style>
+          <a:lnRef idx="1">
+            <a:schemeClr val="accent1"/>
+          </a:lnRef>
+          <a:fillRef idx="0">
+            <a:schemeClr val="accent1"/>
+          </a:fillRef>
+          <a:effectRef idx="0">
+            <a:schemeClr val="accent1"/>
+          </a:effectRef>
+          <a:fontRef idx="minor">
+            <a:schemeClr val="tx1"/>
+          </a:fontRef>
+        </p:style>
+      </p:cxnSp>
+      <p:sp>
+        <p:nvSpPr>
+          <p:cNvPr id="66" name="ZoneTexte 65">
+            <a:extLst>
+              <a:ext uri="{FF2B5EF4-FFF2-40B4-BE49-F238E27FC236}">
+                <a16:creationId xmlns:a16="http://schemas.microsoft.com/office/drawing/2014/main" id="{4BDF22BE-A9EE-436A-8067-876156DB4C8B}"/>
+              </a:ext>
+            </a:extLst>
+          </p:cNvPr>
+          <p:cNvSpPr txBox="1"/>
+          <p:nvPr/>
+        </p:nvSpPr>
+        <p:spPr>
+          <a:xfrm>
+            <a:off x="3855750" y="931516"/>
+            <a:ext cx="2377574" cy="369332"/>
+          </a:xfrm>
+          <a:prstGeom prst="rect">
+            <a:avLst/>
+          </a:prstGeom>
+          <a:noFill/>
+        </p:spPr>
+        <p:txBody>
+          <a:bodyPr wrap="none" rtlCol="0">
+            <a:spAutoFit/>
+          </a:bodyPr>
+          <a:lstStyle/>
+          <a:p>
+            <a:r>
+              <a:rPr lang="en-US"/>
+              <a:t>Action &gt; 7 or Action &lt; 1</a:t>
+            </a:r>
+          </a:p>
+        </p:txBody>
+      </p:sp>
+      <p:cxnSp>
+        <p:nvCxnSpPr>
+          <p:cNvPr id="70" name="Connecteur droit avec flèche 69">
+            <a:extLst>
+              <a:ext uri="{FF2B5EF4-FFF2-40B4-BE49-F238E27FC236}">
+                <a16:creationId xmlns:a16="http://schemas.microsoft.com/office/drawing/2014/main" id="{0054D2F3-9527-4CDA-8384-60C6C4B84888}"/>
+              </a:ext>
+            </a:extLst>
+          </p:cNvPr>
+          <p:cNvCxnSpPr>
+            <a:endCxn id="18" idx="3"/>
+          </p:cNvCxnSpPr>
+          <p:nvPr/>
+        </p:nvCxnSpPr>
+        <p:spPr>
+          <a:xfrm flipH="1">
+            <a:off x="4023408" y="7564901"/>
+            <a:ext cx="2392666" cy="0"/>
+          </a:xfrm>
+          <a:prstGeom prst="straightConnector1">
+            <a:avLst/>
+          </a:prstGeom>
+          <a:ln w="38100">
+            <a:tailEnd type="triangle"/>
+          </a:ln>
+        </p:spPr>
+        <p:style>
+          <a:lnRef idx="1">
+            <a:schemeClr val="accent1"/>
+          </a:lnRef>
+          <a:fillRef idx="0">
+            <a:schemeClr val="accent1"/>
+          </a:fillRef>
+          <a:effectRef idx="0">
+            <a:schemeClr val="accent1"/>
+          </a:effectRef>
+          <a:fontRef idx="minor">
+            <a:schemeClr val="tx1"/>
+          </a:fontRef>
+        </p:style>
+      </p:cxnSp>
+      <p:cxnSp>
+        <p:nvCxnSpPr>
+          <p:cNvPr id="75" name="Connecteur droit avec flèche 74">
+            <a:extLst>
+              <a:ext uri="{FF2B5EF4-FFF2-40B4-BE49-F238E27FC236}">
+                <a16:creationId xmlns:a16="http://schemas.microsoft.com/office/drawing/2014/main" id="{95BF9C80-D8AB-4B15-B00D-8E2C78F03AEA}"/>
+              </a:ext>
+            </a:extLst>
+          </p:cNvPr>
+          <p:cNvCxnSpPr>
+            <a:cxnSpLocks/>
+            <a:endCxn id="17" idx="0"/>
+          </p:cNvCxnSpPr>
+          <p:nvPr/>
+        </p:nvCxnSpPr>
+        <p:spPr>
+          <a:xfrm flipH="1">
+            <a:off x="3116628" y="5424568"/>
+            <a:ext cx="7619" cy="1856753"/>
+          </a:xfrm>
+          <a:prstGeom prst="straightConnector1">
+            <a:avLst/>
+          </a:prstGeom>
+          <a:ln w="38100">
+            <a:tailEnd type="triangle"/>
+          </a:ln>
+        </p:spPr>
+        <p:style>
+          <a:lnRef idx="1">
+            <a:schemeClr val="accent1"/>
+          </a:lnRef>
+          <a:fillRef idx="0">
+            <a:schemeClr val="accent1"/>
+          </a:fillRef>
+          <a:effectRef idx="0">
+            <a:schemeClr val="accent1"/>
+          </a:effectRef>
+          <a:fontRef idx="minor">
+            <a:schemeClr val="tx1"/>
+          </a:fontRef>
+        </p:style>
+      </p:cxnSp>
+      <p:cxnSp>
+        <p:nvCxnSpPr>
+          <p:cNvPr id="78" name="Connecteur droit 77">
+            <a:extLst>
+              <a:ext uri="{FF2B5EF4-FFF2-40B4-BE49-F238E27FC236}">
+                <a16:creationId xmlns:a16="http://schemas.microsoft.com/office/drawing/2014/main" id="{00687781-D932-464C-88E5-9BE6C9128D55}"/>
+              </a:ext>
+            </a:extLst>
+          </p:cNvPr>
+          <p:cNvCxnSpPr>
+            <a:stCxn id="18" idx="1"/>
+          </p:cNvCxnSpPr>
+          <p:nvPr/>
+        </p:nvCxnSpPr>
+        <p:spPr>
+          <a:xfrm flipH="1">
+            <a:off x="693468" y="7564901"/>
+            <a:ext cx="1516380" cy="0"/>
+          </a:xfrm>
+          <a:prstGeom prst="line">
+            <a:avLst/>
+          </a:prstGeom>
+          <a:ln w="38100"/>
+        </p:spPr>
+        <p:style>
+          <a:lnRef idx="1">
+            <a:schemeClr val="accent1"/>
+          </a:lnRef>
+          <a:fillRef idx="0">
+            <a:schemeClr val="accent1"/>
+          </a:fillRef>
+          <a:effectRef idx="0">
+            <a:schemeClr val="accent1"/>
+          </a:effectRef>
+          <a:fontRef idx="minor">
+            <a:schemeClr val="tx1"/>
+          </a:fontRef>
+        </p:style>
+      </p:cxnSp>
+      <p:cxnSp>
+        <p:nvCxnSpPr>
+          <p:cNvPr id="80" name="Connecteur : en angle 79">
+            <a:extLst>
+              <a:ext uri="{FF2B5EF4-FFF2-40B4-BE49-F238E27FC236}">
+                <a16:creationId xmlns:a16="http://schemas.microsoft.com/office/drawing/2014/main" id="{BDD2A20E-A415-40DA-A6F9-0AB123BA8BF1}"/>
+              </a:ext>
+            </a:extLst>
+          </p:cNvPr>
+          <p:cNvCxnSpPr>
+            <a:cxnSpLocks/>
+            <a:endCxn id="10" idx="1"/>
+          </p:cNvCxnSpPr>
+          <p:nvPr/>
+        </p:nvCxnSpPr>
+        <p:spPr>
+          <a:xfrm rot="5400000" flipH="1" flipV="1">
+            <a:off x="-1527486" y="3564677"/>
+            <a:ext cx="6221178" cy="1779270"/>
+          </a:xfrm>
+          <a:prstGeom prst="bentConnector2">
+            <a:avLst/>
+          </a:prstGeom>
+          <a:ln w="38100">
+            <a:tailEnd type="triangle"/>
+          </a:ln>
+        </p:spPr>
+        <p:style>
+          <a:lnRef idx="1">
+            <a:schemeClr val="accent1"/>
+          </a:lnRef>
+          <a:fillRef idx="0">
+            <a:schemeClr val="accent1"/>
+          </a:fillRef>
+          <a:effectRef idx="0">
+            <a:schemeClr val="accent1"/>
+          </a:effectRef>
+          <a:fontRef idx="minor">
+            <a:schemeClr val="tx1"/>
+          </a:fontRef>
+        </p:style>
+      </p:cxnSp>
+      <p:sp>
+        <p:nvSpPr>
+          <p:cNvPr id="87" name="ZoneTexte 86">
+            <a:extLst>
+              <a:ext uri="{FF2B5EF4-FFF2-40B4-BE49-F238E27FC236}">
+                <a16:creationId xmlns:a16="http://schemas.microsoft.com/office/drawing/2014/main" id="{419DDC03-45EC-459C-A324-3D15C376464C}"/>
+              </a:ext>
+            </a:extLst>
+          </p:cNvPr>
+          <p:cNvSpPr txBox="1"/>
+          <p:nvPr/>
+        </p:nvSpPr>
+        <p:spPr>
+          <a:xfrm>
+            <a:off x="888042" y="7663815"/>
+            <a:ext cx="1202573" cy="369332"/>
+          </a:xfrm>
+          <a:prstGeom prst="rect">
+            <a:avLst/>
+          </a:prstGeom>
+          <a:noFill/>
+        </p:spPr>
+        <p:txBody>
+          <a:bodyPr wrap="none" rtlCol="0">
+            <a:spAutoFit/>
+          </a:bodyPr>
+          <a:lstStyle/>
+          <a:p>
+            <a:r>
+              <a:rPr lang="en-US"/>
+              <a:t>Action != 6</a:t>
+            </a:r>
+          </a:p>
+        </p:txBody>
+      </p:sp>
+      <p:sp>
+        <p:nvSpPr>
+          <p:cNvPr id="41" name="Rectangle : coins arrondis 40">
+            <a:extLst>
+              <a:ext uri="{FF2B5EF4-FFF2-40B4-BE49-F238E27FC236}">
+                <a16:creationId xmlns:a16="http://schemas.microsoft.com/office/drawing/2014/main" id="{8EEF722D-C682-4C06-A631-4CCFDDB6BA78}"/>
+              </a:ext>
+            </a:extLst>
+          </p:cNvPr>
+          <p:cNvSpPr/>
+          <p:nvPr/>
+        </p:nvSpPr>
+        <p:spPr>
+          <a:xfrm>
+            <a:off x="514338" y="9590909"/>
+            <a:ext cx="1341120" cy="701040"/>
+          </a:xfrm>
+          <a:prstGeom prst="roundRect">
+            <a:avLst/>
+          </a:prstGeom>
+          <a:solidFill>
+            <a:schemeClr val="accent2">
+              <a:lumMod val="20000"/>
+              <a:lumOff val="80000"/>
+            </a:schemeClr>
+          </a:solidFill>
+          <a:ln w="38100">
+            <a:solidFill>
+              <a:schemeClr val="accent1"/>
+            </a:solidFill>
+          </a:ln>
+        </p:spPr>
+        <p:style>
+          <a:lnRef idx="2">
+            <a:schemeClr val="accent1">
+              <a:shade val="50000"/>
+            </a:schemeClr>
+          </a:lnRef>
+          <a:fillRef idx="1">
+            <a:schemeClr val="accent1"/>
+          </a:fillRef>
+          <a:effectRef idx="0">
+            <a:schemeClr val="accent1"/>
+          </a:effectRef>
+          <a:fontRef idx="minor">
+            <a:schemeClr val="lt1"/>
+          </a:fontRef>
+        </p:style>
+        <p:txBody>
+          <a:bodyPr rtlCol="0" anchor="ctr"/>
+          <a:lstStyle/>
+          <a:p>
+            <a:pPr algn="ctr"/>
+            <a:endParaRPr lang="en-US"/>
+          </a:p>
+        </p:txBody>
+      </p:sp>
+      <p:sp>
+        <p:nvSpPr>
+          <p:cNvPr id="42" name="ZoneTexte 41">
+            <a:extLst>
+              <a:ext uri="{FF2B5EF4-FFF2-40B4-BE49-F238E27FC236}">
+                <a16:creationId xmlns:a16="http://schemas.microsoft.com/office/drawing/2014/main" id="{6B9B1D25-67C5-460F-B2AF-520E2CF8AC9C}"/>
+              </a:ext>
+            </a:extLst>
+          </p:cNvPr>
+          <p:cNvSpPr txBox="1"/>
+          <p:nvPr/>
+        </p:nvSpPr>
+        <p:spPr>
+          <a:xfrm>
+            <a:off x="514338" y="9756763"/>
+            <a:ext cx="1341120" cy="369332"/>
+          </a:xfrm>
+          <a:prstGeom prst="rect">
+            <a:avLst/>
+          </a:prstGeom>
+          <a:noFill/>
+        </p:spPr>
+        <p:txBody>
+          <a:bodyPr wrap="square" rtlCol="0">
+            <a:spAutoFit/>
+          </a:bodyPr>
+          <a:lstStyle/>
+          <a:p>
+            <a:pPr algn="ctr"/>
+            <a:r>
+              <a:rPr lang="en-US" dirty="0"/>
+              <a:t>Function</a:t>
+            </a:r>
+          </a:p>
+        </p:txBody>
+      </p:sp>
+      <p:sp>
+        <p:nvSpPr>
+          <p:cNvPr id="44" name="Organigramme : Décision 43">
+            <a:extLst>
+              <a:ext uri="{FF2B5EF4-FFF2-40B4-BE49-F238E27FC236}">
+                <a16:creationId xmlns:a16="http://schemas.microsoft.com/office/drawing/2014/main" id="{058DD86D-DEB4-4DCD-9606-06B971865D0C}"/>
+              </a:ext>
+            </a:extLst>
+          </p:cNvPr>
+          <p:cNvSpPr/>
+          <p:nvPr/>
+        </p:nvSpPr>
+        <p:spPr>
+          <a:xfrm>
+            <a:off x="2214874" y="9421209"/>
+            <a:ext cx="2080060" cy="1032486"/>
+          </a:xfrm>
+          <a:prstGeom prst="flowChartDecision">
+            <a:avLst/>
+          </a:prstGeom>
+          <a:solidFill>
+            <a:schemeClr val="accent6">
+              <a:lumMod val="40000"/>
+              <a:lumOff val="60000"/>
+            </a:schemeClr>
+          </a:solidFill>
+          <a:ln w="38100">
+            <a:solidFill>
+              <a:schemeClr val="accent1"/>
+            </a:solidFill>
+          </a:ln>
+        </p:spPr>
+        <p:style>
+          <a:lnRef idx="2">
+            <a:schemeClr val="accent1">
+              <a:shade val="50000"/>
+            </a:schemeClr>
+          </a:lnRef>
+          <a:fillRef idx="1">
+            <a:schemeClr val="accent1"/>
+          </a:fillRef>
+          <a:effectRef idx="0">
+            <a:schemeClr val="accent1"/>
+          </a:effectRef>
+          <a:fontRef idx="minor">
+            <a:schemeClr val="lt1"/>
+          </a:fontRef>
+        </p:style>
+        <p:txBody>
+          <a:bodyPr rtlCol="0" anchor="ctr"/>
+          <a:lstStyle/>
+          <a:p>
+            <a:pPr algn="ctr"/>
+            <a:endParaRPr lang="en-US"/>
+          </a:p>
+        </p:txBody>
+      </p:sp>
+      <p:sp>
+        <p:nvSpPr>
+          <p:cNvPr id="43" name="ZoneTexte 42">
+            <a:extLst>
+              <a:ext uri="{FF2B5EF4-FFF2-40B4-BE49-F238E27FC236}">
+                <a16:creationId xmlns:a16="http://schemas.microsoft.com/office/drawing/2014/main" id="{E4308753-4F73-4423-AF59-E28C304C0124}"/>
+              </a:ext>
+            </a:extLst>
+          </p:cNvPr>
+          <p:cNvSpPr txBox="1"/>
+          <p:nvPr/>
+        </p:nvSpPr>
+        <p:spPr>
+          <a:xfrm>
+            <a:off x="2596900" y="9734132"/>
+            <a:ext cx="1277907" cy="369332"/>
+          </a:xfrm>
+          <a:prstGeom prst="rect">
+            <a:avLst/>
+          </a:prstGeom>
+          <a:noFill/>
+        </p:spPr>
+        <p:txBody>
+          <a:bodyPr wrap="square" rtlCol="0">
+            <a:spAutoFit/>
+          </a:bodyPr>
+          <a:lstStyle/>
+          <a:p>
+            <a:r>
+              <a:rPr lang="en-US" dirty="0"/>
+              <a:t>Declaration</a:t>
+            </a:r>
+          </a:p>
+        </p:txBody>
+      </p:sp>
+      <p:sp>
+        <p:nvSpPr>
+          <p:cNvPr id="45" name="Rectangle 44">
+            <a:extLst>
+              <a:ext uri="{FF2B5EF4-FFF2-40B4-BE49-F238E27FC236}">
+                <a16:creationId xmlns:a16="http://schemas.microsoft.com/office/drawing/2014/main" id="{2F6D8BA4-9370-4548-AB3E-78EF2E99038B}"/>
+              </a:ext>
+            </a:extLst>
+          </p:cNvPr>
+          <p:cNvSpPr/>
+          <p:nvPr/>
+        </p:nvSpPr>
+        <p:spPr>
+          <a:xfrm>
+            <a:off x="4547474" y="9618021"/>
+            <a:ext cx="1813544" cy="567160"/>
+          </a:xfrm>
+          <a:prstGeom prst="rect">
+            <a:avLst/>
+          </a:prstGeom>
+          <a:solidFill>
+            <a:schemeClr val="accent6">
+              <a:lumMod val="40000"/>
+              <a:lumOff val="60000"/>
+            </a:schemeClr>
+          </a:solidFill>
+          <a:ln w="38100">
+            <a:solidFill>
+              <a:schemeClr val="accent1"/>
+            </a:solidFill>
+          </a:ln>
+        </p:spPr>
+        <p:style>
+          <a:lnRef idx="2">
+            <a:schemeClr val="accent1">
+              <a:shade val="50000"/>
+            </a:schemeClr>
+          </a:lnRef>
+          <a:fillRef idx="1">
+            <a:schemeClr val="accent1"/>
+          </a:fillRef>
+          <a:effectRef idx="0">
+            <a:schemeClr val="accent1"/>
+          </a:effectRef>
+          <a:fontRef idx="minor">
+            <a:schemeClr val="lt1"/>
+          </a:fontRef>
+        </p:style>
+        <p:txBody>
+          <a:bodyPr rtlCol="0" anchor="ctr"/>
+          <a:lstStyle/>
+          <a:p>
+            <a:pPr algn="ctr"/>
+            <a:endParaRPr lang="en-US"/>
+          </a:p>
+        </p:txBody>
+      </p:sp>
+      <p:sp>
+        <p:nvSpPr>
+          <p:cNvPr id="46" name="ZoneTexte 45">
+            <a:extLst>
+              <a:ext uri="{FF2B5EF4-FFF2-40B4-BE49-F238E27FC236}">
+                <a16:creationId xmlns:a16="http://schemas.microsoft.com/office/drawing/2014/main" id="{43712545-0C11-438C-9FE6-046AA15B3826}"/>
+              </a:ext>
+            </a:extLst>
+          </p:cNvPr>
+          <p:cNvSpPr txBox="1"/>
+          <p:nvPr/>
+        </p:nvSpPr>
+        <p:spPr>
+          <a:xfrm>
+            <a:off x="4854119" y="9726362"/>
+            <a:ext cx="1138834" cy="369332"/>
+          </a:xfrm>
+          <a:prstGeom prst="rect">
+            <a:avLst/>
+          </a:prstGeom>
+          <a:noFill/>
+        </p:spPr>
+        <p:txBody>
+          <a:bodyPr wrap="square" rtlCol="0">
+            <a:spAutoFit/>
+          </a:bodyPr>
+          <a:lstStyle/>
+          <a:p>
+            <a:r>
+              <a:rPr lang="en-US" dirty="0"/>
+              <a:t>Condition </a:t>
+            </a:r>
+          </a:p>
+        </p:txBody>
+      </p:sp>
+      <p:cxnSp>
+        <p:nvCxnSpPr>
+          <p:cNvPr id="58" name="Connecteur droit 57">
+            <a:extLst>
+              <a:ext uri="{FF2B5EF4-FFF2-40B4-BE49-F238E27FC236}">
+                <a16:creationId xmlns:a16="http://schemas.microsoft.com/office/drawing/2014/main" id="{4835F9B8-17C1-4D48-86D6-BB97327D42F3}"/>
+              </a:ext>
+            </a:extLst>
+          </p:cNvPr>
+          <p:cNvCxnSpPr>
+            <a:cxnSpLocks/>
+          </p:cNvCxnSpPr>
+          <p:nvPr/>
+        </p:nvCxnSpPr>
+        <p:spPr>
+          <a:xfrm>
+            <a:off x="3129186" y="5516400"/>
+            <a:ext cx="691499" cy="0"/>
+          </a:xfrm>
+          <a:prstGeom prst="line">
+            <a:avLst/>
+          </a:prstGeom>
+          <a:ln w="38100"/>
+        </p:spPr>
+        <p:style>
+          <a:lnRef idx="3">
+            <a:schemeClr val="accent1"/>
+          </a:lnRef>
+          <a:fillRef idx="0">
+            <a:schemeClr val="accent1"/>
+          </a:fillRef>
+          <a:effectRef idx="2">
+            <a:schemeClr val="accent1"/>
+          </a:effectRef>
+          <a:fontRef idx="minor">
+            <a:schemeClr val="tx1"/>
+          </a:fontRef>
+        </p:style>
+      </p:cxnSp>
+      <p:sp>
+        <p:nvSpPr>
+          <p:cNvPr id="60" name="Rectangle : coins arrondis 59">
+            <a:extLst>
+              <a:ext uri="{FF2B5EF4-FFF2-40B4-BE49-F238E27FC236}">
+                <a16:creationId xmlns:a16="http://schemas.microsoft.com/office/drawing/2014/main" id="{3E8E7342-3D35-4ED9-B0B3-87EDEDCF9F46}"/>
+              </a:ext>
+            </a:extLst>
+          </p:cNvPr>
+          <p:cNvSpPr/>
+          <p:nvPr/>
+        </p:nvSpPr>
+        <p:spPr>
+          <a:xfrm>
+            <a:off x="3851837" y="5169551"/>
+            <a:ext cx="2165585" cy="701040"/>
+          </a:xfrm>
+          <a:prstGeom prst="roundRect">
+            <a:avLst/>
+          </a:prstGeom>
+          <a:solidFill>
+            <a:schemeClr val="accent2">
+              <a:lumMod val="20000"/>
+              <a:lumOff val="80000"/>
+            </a:schemeClr>
+          </a:solidFill>
+          <a:ln w="38100">
+            <a:solidFill>
+              <a:schemeClr val="accent1"/>
+            </a:solidFill>
+          </a:ln>
+        </p:spPr>
+        <p:style>
+          <a:lnRef idx="2">
+            <a:schemeClr val="accent1">
+              <a:shade val="50000"/>
+            </a:schemeClr>
+          </a:lnRef>
+          <a:fillRef idx="1">
+            <a:schemeClr val="accent1"/>
+          </a:fillRef>
+          <a:effectRef idx="0">
+            <a:schemeClr val="accent1"/>
+          </a:effectRef>
+          <a:fontRef idx="minor">
+            <a:schemeClr val="lt1"/>
+          </a:fontRef>
+        </p:style>
+        <p:txBody>
+          <a:bodyPr rtlCol="0" anchor="ctr"/>
+          <a:lstStyle/>
+          <a:p>
+            <a:pPr algn="ctr"/>
+            <a:endParaRPr lang="en-US"/>
+          </a:p>
+        </p:txBody>
+      </p:sp>
+      <p:sp>
+        <p:nvSpPr>
+          <p:cNvPr id="62" name="ZoneTexte 61">
+            <a:extLst>
+              <a:ext uri="{FF2B5EF4-FFF2-40B4-BE49-F238E27FC236}">
+                <a16:creationId xmlns:a16="http://schemas.microsoft.com/office/drawing/2014/main" id="{8621088E-37F6-4541-9B9E-C8D1896FE272}"/>
+              </a:ext>
+            </a:extLst>
+          </p:cNvPr>
+          <p:cNvSpPr txBox="1"/>
+          <p:nvPr/>
+        </p:nvSpPr>
+        <p:spPr>
+          <a:xfrm flipH="1">
+            <a:off x="4022648" y="5335405"/>
+            <a:ext cx="2002393" cy="369332"/>
+          </a:xfrm>
+          <a:prstGeom prst="rect">
+            <a:avLst/>
+          </a:prstGeom>
+          <a:noFill/>
+        </p:spPr>
+        <p:txBody>
+          <a:bodyPr wrap="square" rtlCol="0">
+            <a:spAutoFit/>
+          </a:bodyPr>
+          <a:lstStyle/>
+          <a:p>
+            <a:r>
+              <a:rPr lang="en-US" dirty="0"/>
+              <a:t>Field of interest</a:t>
+            </a:r>
+          </a:p>
+        </p:txBody>
+      </p:sp>
+      <p:sp>
+        <p:nvSpPr>
+          <p:cNvPr id="63" name="ZoneTexte 62">
+            <a:extLst>
+              <a:ext uri="{FF2B5EF4-FFF2-40B4-BE49-F238E27FC236}">
+                <a16:creationId xmlns:a16="http://schemas.microsoft.com/office/drawing/2014/main" id="{0048B181-0F77-4F56-9E17-B1188DAA637E}"/>
+              </a:ext>
+            </a:extLst>
+          </p:cNvPr>
+          <p:cNvSpPr txBox="1"/>
+          <p:nvPr/>
+        </p:nvSpPr>
+        <p:spPr>
+          <a:xfrm>
+            <a:off x="3128915" y="5116973"/>
+            <a:ext cx="301686" cy="369332"/>
+          </a:xfrm>
+          <a:prstGeom prst="rect">
+            <a:avLst/>
+          </a:prstGeom>
+          <a:noFill/>
+        </p:spPr>
+        <p:txBody>
+          <a:bodyPr wrap="square" rtlCol="0">
+            <a:spAutoFit/>
+          </a:bodyPr>
+          <a:lstStyle/>
+          <a:p>
+            <a:r>
+              <a:rPr lang="en-US" dirty="0"/>
+              <a:t>5</a:t>
+            </a:r>
+          </a:p>
+        </p:txBody>
+      </p:sp>
+    </p:spTree>
+    <p:extLst>
+      <p:ext uri="{BB962C8B-B14F-4D97-AF65-F5344CB8AC3E}">
+        <p14:creationId xmlns:p14="http://schemas.microsoft.com/office/powerpoint/2010/main" val="4018156012"/>
+      </p:ext>
+    </p:extLst>
+  </p:cSld>
+  <p:clrMapOvr>
+    <a:masterClrMapping/>
+  </p:clrMapOvr>
+</p:sld>
+</file>
+
+<file path=ppt/slides/slide4.xml><?xml version="1.0" encoding="utf-8"?>
+<p:sld xmlns:a="http://schemas.openxmlformats.org/drawingml/2006/main" xmlns:r="http://schemas.openxmlformats.org/officeDocument/2006/relationships" xmlns:p="http://schemas.openxmlformats.org/presentationml/2006/main">
+  <p:cSld>
+    <p:spTree>
+      <p:nvGrpSpPr>
+        <p:cNvPr id="1" name=""/>
+        <p:cNvGrpSpPr/>
+        <p:nvPr/>
+      </p:nvGrpSpPr>
+      <p:grpSpPr>
+        <a:xfrm>
+          <a:off x="0" y="0"/>
+          <a:ext cx="0" cy="0"/>
+          <a:chOff x="0" y="0"/>
+          <a:chExt cx="0" cy="0"/>
+        </a:xfrm>
+      </p:grpSpPr>
+      <p:sp>
+        <p:nvSpPr>
+          <p:cNvPr id="9" name="Rectangle : coins arrondis 8">
+            <a:extLst>
+              <a:ext uri="{FF2B5EF4-FFF2-40B4-BE49-F238E27FC236}">
+                <a16:creationId xmlns:a16="http://schemas.microsoft.com/office/drawing/2014/main" id="{06FF00E2-71C2-452A-903C-98ADC1CF4900}"/>
+              </a:ext>
+            </a:extLst>
+          </p:cNvPr>
+          <p:cNvSpPr/>
+          <p:nvPr/>
+        </p:nvSpPr>
+        <p:spPr>
+          <a:xfrm>
+            <a:off x="2129284" y="126309"/>
+            <a:ext cx="1997548" cy="701040"/>
+          </a:xfrm>
+          <a:prstGeom prst="roundRect">
+            <a:avLst/>
+          </a:prstGeom>
+          <a:solidFill>
+            <a:schemeClr val="accent2">
+              <a:lumMod val="20000"/>
+              <a:lumOff val="80000"/>
+            </a:schemeClr>
+          </a:solidFill>
+          <a:ln w="38100">
+            <a:solidFill>
+              <a:schemeClr val="accent1"/>
+            </a:solidFill>
+          </a:ln>
+        </p:spPr>
+        <p:style>
+          <a:lnRef idx="2">
+            <a:schemeClr val="accent1">
+              <a:shade val="50000"/>
+            </a:schemeClr>
+          </a:lnRef>
+          <a:fillRef idx="1">
+            <a:schemeClr val="accent1"/>
+          </a:fillRef>
+          <a:effectRef idx="0">
+            <a:schemeClr val="accent1"/>
+          </a:effectRef>
+          <a:fontRef idx="minor">
+            <a:schemeClr val="lt1"/>
+          </a:fontRef>
+        </p:style>
+        <p:txBody>
+          <a:bodyPr rtlCol="0" anchor="ctr"/>
+          <a:lstStyle/>
+          <a:p>
+            <a:pPr algn="ctr"/>
+            <a:endParaRPr lang="en-US"/>
+          </a:p>
+        </p:txBody>
+      </p:sp>
+      <p:sp>
+        <p:nvSpPr>
+          <p:cNvPr id="8" name="ZoneTexte 7">
+            <a:extLst>
+              <a:ext uri="{FF2B5EF4-FFF2-40B4-BE49-F238E27FC236}">
+                <a16:creationId xmlns:a16="http://schemas.microsoft.com/office/drawing/2014/main" id="{2D7AECFE-5A0B-4E0D-B69B-83ACB7926B16}"/>
+              </a:ext>
+            </a:extLst>
+          </p:cNvPr>
+          <p:cNvSpPr txBox="1"/>
+          <p:nvPr/>
+        </p:nvSpPr>
+        <p:spPr>
+          <a:xfrm>
+            <a:off x="2305456" y="292163"/>
+            <a:ext cx="1694148" cy="369332"/>
+          </a:xfrm>
+          <a:prstGeom prst="rect">
+            <a:avLst/>
+          </a:prstGeom>
+          <a:noFill/>
+        </p:spPr>
+        <p:txBody>
+          <a:bodyPr wrap="square" rtlCol="0">
+            <a:spAutoFit/>
+          </a:bodyPr>
+          <a:lstStyle/>
+          <a:p>
+            <a:r>
+              <a:rPr lang="en-US" dirty="0"/>
+              <a:t>Modify menu</a:t>
+            </a:r>
+          </a:p>
+        </p:txBody>
+      </p:sp>
+      <p:sp>
+        <p:nvSpPr>
+          <p:cNvPr id="10" name="Organigramme : Décision 9">
+            <a:extLst>
+              <a:ext uri="{FF2B5EF4-FFF2-40B4-BE49-F238E27FC236}">
+                <a16:creationId xmlns:a16="http://schemas.microsoft.com/office/drawing/2014/main" id="{4C45989A-B4E4-41E1-8072-5E28D4079282}"/>
+              </a:ext>
+            </a:extLst>
+          </p:cNvPr>
+          <p:cNvSpPr/>
+          <p:nvPr/>
+        </p:nvSpPr>
+        <p:spPr>
+          <a:xfrm>
+            <a:off x="2472738" y="993203"/>
+            <a:ext cx="1310640" cy="701040"/>
+          </a:xfrm>
+          <a:prstGeom prst="flowChartDecision">
+            <a:avLst/>
+          </a:prstGeom>
+          <a:solidFill>
+            <a:schemeClr val="accent6">
+              <a:lumMod val="40000"/>
+              <a:lumOff val="60000"/>
+            </a:schemeClr>
+          </a:solidFill>
+          <a:ln w="38100">
+            <a:solidFill>
+              <a:schemeClr val="accent1"/>
+            </a:solidFill>
+          </a:ln>
+        </p:spPr>
+        <p:style>
+          <a:lnRef idx="2">
+            <a:schemeClr val="accent1">
+              <a:shade val="50000"/>
+            </a:schemeClr>
+          </a:lnRef>
+          <a:fillRef idx="1">
+            <a:schemeClr val="accent1"/>
+          </a:fillRef>
+          <a:effectRef idx="0">
+            <a:schemeClr val="accent1"/>
+          </a:effectRef>
+          <a:fontRef idx="minor">
+            <a:schemeClr val="lt1"/>
+          </a:fontRef>
+        </p:style>
+        <p:txBody>
+          <a:bodyPr rtlCol="0" anchor="ctr"/>
+          <a:lstStyle/>
+          <a:p>
+            <a:pPr algn="ctr"/>
+            <a:endParaRPr lang="en-US"/>
+          </a:p>
+        </p:txBody>
+      </p:sp>
+      <p:sp>
+        <p:nvSpPr>
+          <p:cNvPr id="11" name="ZoneTexte 10">
+            <a:extLst>
+              <a:ext uri="{FF2B5EF4-FFF2-40B4-BE49-F238E27FC236}">
+                <a16:creationId xmlns:a16="http://schemas.microsoft.com/office/drawing/2014/main" id="{0534A67F-BC12-472B-98BE-A0299FA43C44}"/>
+              </a:ext>
+            </a:extLst>
+          </p:cNvPr>
+          <p:cNvSpPr txBox="1"/>
+          <p:nvPr/>
+        </p:nvSpPr>
+        <p:spPr>
+          <a:xfrm>
+            <a:off x="2728008" y="1159057"/>
+            <a:ext cx="800100" cy="369332"/>
+          </a:xfrm>
+          <a:prstGeom prst="rect">
+            <a:avLst/>
+          </a:prstGeom>
+          <a:noFill/>
+        </p:spPr>
+        <p:txBody>
+          <a:bodyPr wrap="square" rtlCol="0">
+            <a:spAutoFit/>
+          </a:bodyPr>
+          <a:lstStyle/>
+          <a:p>
+            <a:r>
+              <a:rPr lang="en-US" dirty="0"/>
+              <a:t>Action</a:t>
+            </a:r>
+          </a:p>
+        </p:txBody>
+      </p:sp>
+      <p:cxnSp>
+        <p:nvCxnSpPr>
+          <p:cNvPr id="13" name="Connecteur droit 12">
+            <a:extLst>
+              <a:ext uri="{FF2B5EF4-FFF2-40B4-BE49-F238E27FC236}">
+                <a16:creationId xmlns:a16="http://schemas.microsoft.com/office/drawing/2014/main" id="{18736D8F-217E-44E7-BB8B-6DA318FD8975}"/>
+              </a:ext>
+            </a:extLst>
+          </p:cNvPr>
+          <p:cNvCxnSpPr>
+            <a:cxnSpLocks/>
+            <a:stCxn id="9" idx="2"/>
+            <a:endCxn id="10" idx="0"/>
+          </p:cNvCxnSpPr>
+          <p:nvPr/>
+        </p:nvCxnSpPr>
+        <p:spPr>
+          <a:xfrm>
+            <a:off x="3128058" y="827349"/>
+            <a:ext cx="0" cy="165854"/>
+          </a:xfrm>
+          <a:prstGeom prst="line">
+            <a:avLst/>
+          </a:prstGeom>
+          <a:ln w="38100"/>
+        </p:spPr>
+        <p:style>
+          <a:lnRef idx="3">
+            <a:schemeClr val="accent1"/>
+          </a:lnRef>
+          <a:fillRef idx="0">
+            <a:schemeClr val="accent1"/>
+          </a:fillRef>
+          <a:effectRef idx="2">
+            <a:schemeClr val="accent1"/>
+          </a:effectRef>
+          <a:fontRef idx="minor">
+            <a:schemeClr val="tx1"/>
+          </a:fontRef>
+        </p:style>
+      </p:cxnSp>
+      <p:cxnSp>
+        <p:nvCxnSpPr>
+          <p:cNvPr id="16" name="Connecteur droit 15">
+            <a:extLst>
+              <a:ext uri="{FF2B5EF4-FFF2-40B4-BE49-F238E27FC236}">
+                <a16:creationId xmlns:a16="http://schemas.microsoft.com/office/drawing/2014/main" id="{CBCC8BDC-9FAE-4710-BEA0-361A07A3561F}"/>
+              </a:ext>
+            </a:extLst>
+          </p:cNvPr>
+          <p:cNvCxnSpPr>
+            <a:cxnSpLocks/>
+            <a:stCxn id="10" idx="2"/>
+          </p:cNvCxnSpPr>
+          <p:nvPr/>
+        </p:nvCxnSpPr>
+        <p:spPr>
+          <a:xfrm>
+            <a:off x="3128058" y="1694243"/>
+            <a:ext cx="0" cy="3749556"/>
+          </a:xfrm>
+          <a:prstGeom prst="line">
+            <a:avLst/>
+          </a:prstGeom>
+          <a:ln w="38100"/>
+        </p:spPr>
+        <p:style>
+          <a:lnRef idx="1">
+            <a:schemeClr val="accent1"/>
+          </a:lnRef>
+          <a:fillRef idx="0">
+            <a:schemeClr val="accent1"/>
+          </a:fillRef>
+          <a:effectRef idx="0">
+            <a:schemeClr val="accent1"/>
+          </a:effectRef>
+          <a:fontRef idx="minor">
+            <a:schemeClr val="tx1"/>
+          </a:fontRef>
+        </p:style>
+      </p:cxnSp>
+      <p:sp>
+        <p:nvSpPr>
+          <p:cNvPr id="17" name="Rectangle 16">
+            <a:extLst>
+              <a:ext uri="{FF2B5EF4-FFF2-40B4-BE49-F238E27FC236}">
+                <a16:creationId xmlns:a16="http://schemas.microsoft.com/office/drawing/2014/main" id="{4EB825A7-1930-459C-9923-1D58B8982D03}"/>
+              </a:ext>
+            </a:extLst>
+          </p:cNvPr>
+          <p:cNvSpPr/>
+          <p:nvPr/>
+        </p:nvSpPr>
+        <p:spPr>
+          <a:xfrm>
+            <a:off x="2209856" y="7281321"/>
+            <a:ext cx="1813544" cy="567160"/>
+          </a:xfrm>
+          <a:prstGeom prst="rect">
+            <a:avLst/>
+          </a:prstGeom>
+          <a:solidFill>
+            <a:schemeClr val="accent6">
+              <a:lumMod val="40000"/>
+              <a:lumOff val="60000"/>
+            </a:schemeClr>
+          </a:solidFill>
+          <a:ln w="38100">
+            <a:solidFill>
+              <a:schemeClr val="accent1"/>
+            </a:solidFill>
+          </a:ln>
+        </p:spPr>
+        <p:style>
+          <a:lnRef idx="2">
+            <a:schemeClr val="accent1">
+              <a:shade val="50000"/>
+            </a:schemeClr>
+          </a:lnRef>
+          <a:fillRef idx="1">
+            <a:schemeClr val="accent1"/>
+          </a:fillRef>
+          <a:effectRef idx="0">
+            <a:schemeClr val="accent1"/>
+          </a:effectRef>
+          <a:fontRef idx="minor">
+            <a:schemeClr val="lt1"/>
+          </a:fontRef>
+        </p:style>
+        <p:txBody>
+          <a:bodyPr rtlCol="0" anchor="ctr"/>
+          <a:lstStyle/>
+          <a:p>
+            <a:pPr algn="ctr"/>
+            <a:endParaRPr lang="en-US"/>
+          </a:p>
+        </p:txBody>
+      </p:sp>
+      <p:sp>
+        <p:nvSpPr>
+          <p:cNvPr id="18" name="ZoneTexte 17">
+            <a:extLst>
+              <a:ext uri="{FF2B5EF4-FFF2-40B4-BE49-F238E27FC236}">
+                <a16:creationId xmlns:a16="http://schemas.microsoft.com/office/drawing/2014/main" id="{FF38F070-BBF4-44B6-BE4F-CEA83FB9EFD7}"/>
+              </a:ext>
+            </a:extLst>
+          </p:cNvPr>
+          <p:cNvSpPr txBox="1"/>
+          <p:nvPr/>
+        </p:nvSpPr>
+        <p:spPr>
+          <a:xfrm>
+            <a:off x="2209848" y="7380235"/>
+            <a:ext cx="1813560" cy="369332"/>
+          </a:xfrm>
+          <a:prstGeom prst="rect">
+            <a:avLst/>
+          </a:prstGeom>
+          <a:noFill/>
+        </p:spPr>
+        <p:txBody>
+          <a:bodyPr wrap="square" rtlCol="0">
+            <a:spAutoFit/>
+          </a:bodyPr>
+          <a:lstStyle/>
+          <a:p>
+            <a:r>
+              <a:rPr lang="en-US" dirty="0"/>
+              <a:t>While Action != 6</a:t>
+            </a:r>
+          </a:p>
+        </p:txBody>
+      </p:sp>
+      <p:sp>
+        <p:nvSpPr>
+          <p:cNvPr id="19" name="Rectangle : coins arrondis 18">
+            <a:extLst>
+              <a:ext uri="{FF2B5EF4-FFF2-40B4-BE49-F238E27FC236}">
+                <a16:creationId xmlns:a16="http://schemas.microsoft.com/office/drawing/2014/main" id="{2AAF2BCB-C80C-48CC-AA1C-6F7A768826C7}"/>
+              </a:ext>
+            </a:extLst>
+          </p:cNvPr>
+          <p:cNvSpPr/>
+          <p:nvPr/>
+        </p:nvSpPr>
+        <p:spPr>
+          <a:xfrm>
+            <a:off x="3813858" y="1860097"/>
+            <a:ext cx="1592578" cy="701040"/>
+          </a:xfrm>
+          <a:prstGeom prst="roundRect">
+            <a:avLst/>
+          </a:prstGeom>
+          <a:solidFill>
+            <a:schemeClr val="accent2">
+              <a:lumMod val="20000"/>
+              <a:lumOff val="80000"/>
+            </a:schemeClr>
+          </a:solidFill>
+          <a:ln w="38100">
+            <a:solidFill>
+              <a:schemeClr val="accent1"/>
+            </a:solidFill>
+          </a:ln>
+        </p:spPr>
+        <p:style>
+          <a:lnRef idx="2">
+            <a:schemeClr val="accent1">
+              <a:shade val="50000"/>
+            </a:schemeClr>
+          </a:lnRef>
+          <a:fillRef idx="1">
+            <a:schemeClr val="accent1"/>
+          </a:fillRef>
+          <a:effectRef idx="0">
+            <a:schemeClr val="accent1"/>
+          </a:effectRef>
+          <a:fontRef idx="minor">
+            <a:schemeClr val="lt1"/>
+          </a:fontRef>
+        </p:style>
+        <p:txBody>
+          <a:bodyPr rtlCol="0" anchor="ctr"/>
+          <a:lstStyle/>
+          <a:p>
+            <a:pPr algn="ctr"/>
+            <a:endParaRPr lang="en-US"/>
+          </a:p>
+        </p:txBody>
+      </p:sp>
+      <p:sp>
+        <p:nvSpPr>
+          <p:cNvPr id="20" name="Rectangle : coins arrondis 19">
+            <a:extLst>
+              <a:ext uri="{FF2B5EF4-FFF2-40B4-BE49-F238E27FC236}">
+                <a16:creationId xmlns:a16="http://schemas.microsoft.com/office/drawing/2014/main" id="{60B86AA6-306D-4E83-A656-F01C696EDF04}"/>
+              </a:ext>
+            </a:extLst>
+          </p:cNvPr>
+          <p:cNvSpPr/>
+          <p:nvPr/>
+        </p:nvSpPr>
+        <p:spPr>
+          <a:xfrm>
+            <a:off x="3813858" y="2664872"/>
+            <a:ext cx="1592578" cy="701040"/>
+          </a:xfrm>
+          <a:prstGeom prst="roundRect">
+            <a:avLst/>
+          </a:prstGeom>
+          <a:solidFill>
+            <a:schemeClr val="accent2">
+              <a:lumMod val="20000"/>
+              <a:lumOff val="80000"/>
+            </a:schemeClr>
+          </a:solidFill>
+          <a:ln w="38100">
+            <a:solidFill>
+              <a:schemeClr val="accent1"/>
+            </a:solidFill>
+          </a:ln>
+        </p:spPr>
+        <p:style>
+          <a:lnRef idx="2">
+            <a:schemeClr val="accent1">
+              <a:shade val="50000"/>
+            </a:schemeClr>
+          </a:lnRef>
+          <a:fillRef idx="1">
+            <a:schemeClr val="accent1"/>
+          </a:fillRef>
+          <a:effectRef idx="0">
+            <a:schemeClr val="accent1"/>
+          </a:effectRef>
+          <a:fontRef idx="minor">
+            <a:schemeClr val="lt1"/>
+          </a:fontRef>
+        </p:style>
+        <p:txBody>
+          <a:bodyPr rtlCol="0" anchor="ctr"/>
+          <a:lstStyle/>
+          <a:p>
+            <a:pPr algn="ctr"/>
+            <a:endParaRPr lang="en-US"/>
+          </a:p>
+        </p:txBody>
+      </p:sp>
+      <p:sp>
+        <p:nvSpPr>
+          <p:cNvPr id="21" name="Rectangle : coins arrondis 20">
+            <a:extLst>
+              <a:ext uri="{FF2B5EF4-FFF2-40B4-BE49-F238E27FC236}">
+                <a16:creationId xmlns:a16="http://schemas.microsoft.com/office/drawing/2014/main" id="{60E67924-F238-4838-B268-6E47B9AECB40}"/>
+              </a:ext>
+            </a:extLst>
+          </p:cNvPr>
+          <p:cNvSpPr/>
+          <p:nvPr/>
+        </p:nvSpPr>
+        <p:spPr>
+          <a:xfrm>
+            <a:off x="3813857" y="3464826"/>
+            <a:ext cx="2430767" cy="701040"/>
+          </a:xfrm>
+          <a:prstGeom prst="roundRect">
+            <a:avLst/>
+          </a:prstGeom>
+          <a:solidFill>
+            <a:schemeClr val="accent2">
+              <a:lumMod val="20000"/>
+              <a:lumOff val="80000"/>
+            </a:schemeClr>
+          </a:solidFill>
+          <a:ln w="38100">
+            <a:solidFill>
+              <a:schemeClr val="accent1"/>
+            </a:solidFill>
+          </a:ln>
+        </p:spPr>
+        <p:style>
+          <a:lnRef idx="2">
+            <a:schemeClr val="accent1">
+              <a:shade val="50000"/>
+            </a:schemeClr>
+          </a:lnRef>
+          <a:fillRef idx="1">
+            <a:schemeClr val="accent1"/>
+          </a:fillRef>
+          <a:effectRef idx="0">
+            <a:schemeClr val="accent1"/>
+          </a:effectRef>
+          <a:fontRef idx="minor">
+            <a:schemeClr val="lt1"/>
+          </a:fontRef>
+        </p:style>
+        <p:txBody>
+          <a:bodyPr rtlCol="0" anchor="ctr"/>
+          <a:lstStyle/>
+          <a:p>
+            <a:pPr algn="ctr"/>
+            <a:endParaRPr lang="en-US"/>
+          </a:p>
+        </p:txBody>
+      </p:sp>
+      <p:sp>
+        <p:nvSpPr>
+          <p:cNvPr id="22" name="ZoneTexte 21">
+            <a:extLst>
+              <a:ext uri="{FF2B5EF4-FFF2-40B4-BE49-F238E27FC236}">
+                <a16:creationId xmlns:a16="http://schemas.microsoft.com/office/drawing/2014/main" id="{08A53F32-4867-421F-AFE8-C662A7FD6D35}"/>
+              </a:ext>
+            </a:extLst>
+          </p:cNvPr>
+          <p:cNvSpPr txBox="1"/>
+          <p:nvPr/>
+        </p:nvSpPr>
+        <p:spPr>
+          <a:xfrm>
+            <a:off x="3874807" y="2025951"/>
+            <a:ext cx="1493525" cy="369332"/>
+          </a:xfrm>
+          <a:prstGeom prst="rect">
+            <a:avLst/>
+          </a:prstGeom>
+          <a:noFill/>
+        </p:spPr>
+        <p:txBody>
+          <a:bodyPr wrap="square" rtlCol="0">
+            <a:spAutoFit/>
+          </a:bodyPr>
+          <a:lstStyle/>
+          <a:p>
+            <a:pPr algn="ctr"/>
+            <a:r>
+              <a:rPr lang="en-US" dirty="0"/>
+              <a:t>Age</a:t>
+            </a:r>
+          </a:p>
+        </p:txBody>
+      </p:sp>
+      <p:sp>
+        <p:nvSpPr>
+          <p:cNvPr id="23" name="ZoneTexte 22">
+            <a:extLst>
+              <a:ext uri="{FF2B5EF4-FFF2-40B4-BE49-F238E27FC236}">
+                <a16:creationId xmlns:a16="http://schemas.microsoft.com/office/drawing/2014/main" id="{72354C84-0A02-444D-B3A6-BFA7D4911354}"/>
+              </a:ext>
+            </a:extLst>
+          </p:cNvPr>
+          <p:cNvSpPr txBox="1"/>
+          <p:nvPr/>
+        </p:nvSpPr>
+        <p:spPr>
+          <a:xfrm>
+            <a:off x="3775758" y="2807684"/>
+            <a:ext cx="1592579" cy="369332"/>
+          </a:xfrm>
+          <a:prstGeom prst="rect">
+            <a:avLst/>
+          </a:prstGeom>
+          <a:noFill/>
+        </p:spPr>
+        <p:txBody>
+          <a:bodyPr wrap="square" rtlCol="0">
+            <a:spAutoFit/>
+          </a:bodyPr>
+          <a:lstStyle/>
+          <a:p>
+            <a:pPr algn="ctr"/>
+            <a:r>
+              <a:rPr lang="en-US" dirty="0"/>
+              <a:t>Year of studies</a:t>
+            </a:r>
+          </a:p>
+        </p:txBody>
+      </p:sp>
+      <p:sp>
+        <p:nvSpPr>
+          <p:cNvPr id="25" name="ZoneTexte 24">
+            <a:extLst>
+              <a:ext uri="{FF2B5EF4-FFF2-40B4-BE49-F238E27FC236}">
+                <a16:creationId xmlns:a16="http://schemas.microsoft.com/office/drawing/2014/main" id="{77D3D07E-BA40-437E-98E2-E29C3520A49B}"/>
+              </a:ext>
+            </a:extLst>
+          </p:cNvPr>
+          <p:cNvSpPr txBox="1"/>
+          <p:nvPr/>
+        </p:nvSpPr>
+        <p:spPr>
+          <a:xfrm flipH="1">
+            <a:off x="3813858" y="3581507"/>
+            <a:ext cx="2430779" cy="369332"/>
+          </a:xfrm>
+          <a:prstGeom prst="rect">
+            <a:avLst/>
+          </a:prstGeom>
+          <a:noFill/>
+        </p:spPr>
+        <p:txBody>
+          <a:bodyPr wrap="square" rtlCol="0">
+            <a:spAutoFit/>
+          </a:bodyPr>
+          <a:lstStyle/>
+          <a:p>
+            <a:pPr algn="ctr"/>
+            <a:r>
+              <a:rPr lang="en-US" dirty="0"/>
+              <a:t>Field of studies</a:t>
+            </a:r>
+          </a:p>
+        </p:txBody>
+      </p:sp>
+      <p:sp>
+        <p:nvSpPr>
+          <p:cNvPr id="26" name="Rectangle : coins arrondis 25">
+            <a:extLst>
+              <a:ext uri="{FF2B5EF4-FFF2-40B4-BE49-F238E27FC236}">
+                <a16:creationId xmlns:a16="http://schemas.microsoft.com/office/drawing/2014/main" id="{D19116AE-01B6-400B-8402-E25D5AABBC82}"/>
+              </a:ext>
+            </a:extLst>
+          </p:cNvPr>
+          <p:cNvSpPr/>
+          <p:nvPr/>
+        </p:nvSpPr>
+        <p:spPr>
+          <a:xfrm>
+            <a:off x="3813856" y="4264780"/>
+            <a:ext cx="2430765" cy="701040"/>
+          </a:xfrm>
+          <a:prstGeom prst="roundRect">
+            <a:avLst/>
+          </a:prstGeom>
+          <a:solidFill>
+            <a:schemeClr val="accent2">
+              <a:lumMod val="20000"/>
+              <a:lumOff val="80000"/>
+            </a:schemeClr>
+          </a:solidFill>
+          <a:ln w="38100">
+            <a:solidFill>
+              <a:schemeClr val="accent1"/>
+            </a:solidFill>
+          </a:ln>
+        </p:spPr>
+        <p:style>
+          <a:lnRef idx="2">
+            <a:schemeClr val="accent1">
+              <a:shade val="50000"/>
+            </a:schemeClr>
+          </a:lnRef>
+          <a:fillRef idx="1">
+            <a:schemeClr val="accent1"/>
+          </a:fillRef>
+          <a:effectRef idx="0">
+            <a:schemeClr val="accent1"/>
+          </a:effectRef>
+          <a:fontRef idx="minor">
+            <a:schemeClr val="lt1"/>
+          </a:fontRef>
+        </p:style>
+        <p:txBody>
+          <a:bodyPr rtlCol="0" anchor="ctr"/>
+          <a:lstStyle/>
+          <a:p>
+            <a:pPr algn="ctr"/>
+            <a:endParaRPr lang="en-US"/>
+          </a:p>
+        </p:txBody>
+      </p:sp>
+      <p:sp>
+        <p:nvSpPr>
+          <p:cNvPr id="27" name="ZoneTexte 26">
+            <a:extLst>
+              <a:ext uri="{FF2B5EF4-FFF2-40B4-BE49-F238E27FC236}">
+                <a16:creationId xmlns:a16="http://schemas.microsoft.com/office/drawing/2014/main" id="{804BA36B-13AE-4588-AFEB-096E947CEF28}"/>
+              </a:ext>
+            </a:extLst>
+          </p:cNvPr>
+          <p:cNvSpPr txBox="1"/>
+          <p:nvPr/>
+        </p:nvSpPr>
+        <p:spPr>
+          <a:xfrm flipH="1">
+            <a:off x="3662657" y="4410851"/>
+            <a:ext cx="2733161" cy="369332"/>
+          </a:xfrm>
+          <a:prstGeom prst="rect">
+            <a:avLst/>
+          </a:prstGeom>
+          <a:noFill/>
+        </p:spPr>
+        <p:txBody>
+          <a:bodyPr wrap="square" rtlCol="0">
+            <a:spAutoFit/>
+          </a:bodyPr>
+          <a:lstStyle/>
+          <a:p>
+            <a:pPr algn="ctr"/>
+            <a:r>
+              <a:rPr lang="en-US" dirty="0"/>
+              <a:t>City of residence</a:t>
+            </a:r>
+          </a:p>
+        </p:txBody>
+      </p:sp>
+      <p:cxnSp>
+        <p:nvCxnSpPr>
+          <p:cNvPr id="32" name="Connecteur droit 31">
+            <a:extLst>
+              <a:ext uri="{FF2B5EF4-FFF2-40B4-BE49-F238E27FC236}">
+                <a16:creationId xmlns:a16="http://schemas.microsoft.com/office/drawing/2014/main" id="{40B395AF-0040-47CE-AA80-3FCE5885C501}"/>
+              </a:ext>
+            </a:extLst>
+          </p:cNvPr>
+          <p:cNvCxnSpPr>
+            <a:cxnSpLocks/>
+            <a:endCxn id="19" idx="1"/>
+          </p:cNvCxnSpPr>
+          <p:nvPr/>
+        </p:nvCxnSpPr>
+        <p:spPr>
+          <a:xfrm>
+            <a:off x="3128058" y="2207764"/>
+            <a:ext cx="685800" cy="2853"/>
+          </a:xfrm>
+          <a:prstGeom prst="line">
+            <a:avLst/>
+          </a:prstGeom>
+          <a:ln w="38100"/>
+        </p:spPr>
+        <p:style>
+          <a:lnRef idx="3">
+            <a:schemeClr val="accent1"/>
+          </a:lnRef>
+          <a:fillRef idx="0">
+            <a:schemeClr val="accent1"/>
+          </a:fillRef>
+          <a:effectRef idx="2">
+            <a:schemeClr val="accent1"/>
+          </a:effectRef>
+          <a:fontRef idx="minor">
+            <a:schemeClr val="tx1"/>
+          </a:fontRef>
+        </p:style>
+      </p:cxnSp>
+      <p:cxnSp>
+        <p:nvCxnSpPr>
+          <p:cNvPr id="37" name="Connecteur droit 36">
+            <a:extLst>
+              <a:ext uri="{FF2B5EF4-FFF2-40B4-BE49-F238E27FC236}">
+                <a16:creationId xmlns:a16="http://schemas.microsoft.com/office/drawing/2014/main" id="{BE6556C5-41C5-4EED-8663-80E860A755C3}"/>
+              </a:ext>
+            </a:extLst>
+          </p:cNvPr>
+          <p:cNvCxnSpPr>
+            <a:cxnSpLocks/>
+          </p:cNvCxnSpPr>
+          <p:nvPr/>
+        </p:nvCxnSpPr>
+        <p:spPr>
+          <a:xfrm>
+            <a:off x="3109009" y="2989457"/>
+            <a:ext cx="685800" cy="2853"/>
+          </a:xfrm>
+          <a:prstGeom prst="line">
+            <a:avLst/>
+          </a:prstGeom>
+          <a:ln w="38100"/>
+        </p:spPr>
+        <p:style>
+          <a:lnRef idx="3">
+            <a:schemeClr val="accent1"/>
+          </a:lnRef>
+          <a:fillRef idx="0">
+            <a:schemeClr val="accent1"/>
+          </a:fillRef>
+          <a:effectRef idx="2">
+            <a:schemeClr val="accent1"/>
+          </a:effectRef>
+          <a:fontRef idx="minor">
+            <a:schemeClr val="tx1"/>
+          </a:fontRef>
+        </p:style>
+      </p:cxnSp>
+      <p:cxnSp>
+        <p:nvCxnSpPr>
+          <p:cNvPr id="38" name="Connecteur droit 37">
+            <a:extLst>
+              <a:ext uri="{FF2B5EF4-FFF2-40B4-BE49-F238E27FC236}">
+                <a16:creationId xmlns:a16="http://schemas.microsoft.com/office/drawing/2014/main" id="{669DF418-7D59-4931-B1DF-DCE2F0BC85DC}"/>
+              </a:ext>
+            </a:extLst>
+          </p:cNvPr>
+          <p:cNvCxnSpPr>
+            <a:cxnSpLocks/>
+          </p:cNvCxnSpPr>
+          <p:nvPr/>
+        </p:nvCxnSpPr>
+        <p:spPr>
+          <a:xfrm>
+            <a:off x="3116628" y="3811484"/>
+            <a:ext cx="685800" cy="2853"/>
+          </a:xfrm>
+          <a:prstGeom prst="line">
+            <a:avLst/>
+          </a:prstGeom>
+          <a:ln w="38100"/>
+        </p:spPr>
+        <p:style>
+          <a:lnRef idx="3">
+            <a:schemeClr val="accent1"/>
+          </a:lnRef>
+          <a:fillRef idx="0">
+            <a:schemeClr val="accent1"/>
+          </a:fillRef>
+          <a:effectRef idx="2">
+            <a:schemeClr val="accent1"/>
+          </a:effectRef>
+          <a:fontRef idx="minor">
+            <a:schemeClr val="tx1"/>
+          </a:fontRef>
+        </p:style>
+      </p:cxnSp>
+      <p:cxnSp>
+        <p:nvCxnSpPr>
+          <p:cNvPr id="39" name="Connecteur droit 38">
+            <a:extLst>
+              <a:ext uri="{FF2B5EF4-FFF2-40B4-BE49-F238E27FC236}">
+                <a16:creationId xmlns:a16="http://schemas.microsoft.com/office/drawing/2014/main" id="{228B9CCC-3EBA-4F38-8A0A-2AFF2F36B41C}"/>
+              </a:ext>
+            </a:extLst>
+          </p:cNvPr>
+          <p:cNvCxnSpPr>
+            <a:cxnSpLocks/>
+          </p:cNvCxnSpPr>
+          <p:nvPr/>
+        </p:nvCxnSpPr>
+        <p:spPr>
+          <a:xfrm>
+            <a:off x="3116628" y="4610974"/>
+            <a:ext cx="685800" cy="2853"/>
+          </a:xfrm>
+          <a:prstGeom prst="line">
+            <a:avLst/>
+          </a:prstGeom>
+          <a:ln w="38100"/>
+        </p:spPr>
+        <p:style>
+          <a:lnRef idx="3">
+            <a:schemeClr val="accent1"/>
+          </a:lnRef>
+          <a:fillRef idx="0">
+            <a:schemeClr val="accent1"/>
+          </a:fillRef>
+          <a:effectRef idx="2">
+            <a:schemeClr val="accent1"/>
+          </a:effectRef>
+          <a:fontRef idx="minor">
+            <a:schemeClr val="tx1"/>
+          </a:fontRef>
+        </p:style>
+      </p:cxnSp>
+      <p:cxnSp>
+        <p:nvCxnSpPr>
+          <p:cNvPr id="50" name="Connecteur droit avec flèche 49">
+            <a:extLst>
+              <a:ext uri="{FF2B5EF4-FFF2-40B4-BE49-F238E27FC236}">
+                <a16:creationId xmlns:a16="http://schemas.microsoft.com/office/drawing/2014/main" id="{3FEA454D-21DD-4EEA-834A-ACC7AFE1CF4C}"/>
+              </a:ext>
+            </a:extLst>
+          </p:cNvPr>
+          <p:cNvCxnSpPr>
+            <a:stCxn id="17" idx="2"/>
+          </p:cNvCxnSpPr>
+          <p:nvPr/>
+        </p:nvCxnSpPr>
+        <p:spPr>
+          <a:xfrm>
+            <a:off x="3116628" y="7848481"/>
+            <a:ext cx="0" cy="906040"/>
+          </a:xfrm>
+          <a:prstGeom prst="straightConnector1">
+            <a:avLst/>
+          </a:prstGeom>
+          <a:ln w="38100">
+            <a:tailEnd type="triangle"/>
+          </a:ln>
+        </p:spPr>
+        <p:style>
+          <a:lnRef idx="1">
+            <a:schemeClr val="accent1"/>
+          </a:lnRef>
+          <a:fillRef idx="0">
+            <a:schemeClr val="accent1"/>
+          </a:fillRef>
+          <a:effectRef idx="0">
+            <a:schemeClr val="accent1"/>
+          </a:effectRef>
+          <a:fontRef idx="minor">
+            <a:schemeClr val="tx1"/>
+          </a:fontRef>
+        </p:style>
+      </p:cxnSp>
+      <p:sp>
+        <p:nvSpPr>
+          <p:cNvPr id="51" name="ZoneTexte 50">
+            <a:extLst>
+              <a:ext uri="{FF2B5EF4-FFF2-40B4-BE49-F238E27FC236}">
+                <a16:creationId xmlns:a16="http://schemas.microsoft.com/office/drawing/2014/main" id="{19E19BB4-BFAC-43DA-964B-415A2ABFD946}"/>
+              </a:ext>
+            </a:extLst>
+          </p:cNvPr>
+          <p:cNvSpPr txBox="1"/>
+          <p:nvPr/>
+        </p:nvSpPr>
+        <p:spPr>
+          <a:xfrm>
+            <a:off x="3147108" y="1838432"/>
+            <a:ext cx="301686" cy="369332"/>
+          </a:xfrm>
+          <a:prstGeom prst="rect">
+            <a:avLst/>
+          </a:prstGeom>
+          <a:noFill/>
+        </p:spPr>
+        <p:txBody>
+          <a:bodyPr wrap="none" rtlCol="0">
+            <a:spAutoFit/>
+          </a:bodyPr>
+          <a:lstStyle/>
+          <a:p>
+            <a:r>
+              <a:rPr lang="en-US"/>
+              <a:t>1</a:t>
+            </a:r>
+          </a:p>
+        </p:txBody>
+      </p:sp>
+      <p:sp>
+        <p:nvSpPr>
+          <p:cNvPr id="53" name="ZoneTexte 52">
+            <a:extLst>
+              <a:ext uri="{FF2B5EF4-FFF2-40B4-BE49-F238E27FC236}">
+                <a16:creationId xmlns:a16="http://schemas.microsoft.com/office/drawing/2014/main" id="{989831F3-4BD9-4BB2-957F-6064A903F12F}"/>
+              </a:ext>
+            </a:extLst>
+          </p:cNvPr>
+          <p:cNvSpPr txBox="1"/>
+          <p:nvPr/>
+        </p:nvSpPr>
+        <p:spPr>
+          <a:xfrm>
+            <a:off x="3147108" y="2582912"/>
+            <a:ext cx="301686" cy="369332"/>
+          </a:xfrm>
+          <a:prstGeom prst="rect">
+            <a:avLst/>
+          </a:prstGeom>
+          <a:noFill/>
+        </p:spPr>
+        <p:txBody>
+          <a:bodyPr wrap="none" rtlCol="0">
+            <a:spAutoFit/>
+          </a:bodyPr>
+          <a:lstStyle/>
+          <a:p>
+            <a:r>
+              <a:rPr lang="en-US"/>
+              <a:t>2</a:t>
+            </a:r>
+          </a:p>
+        </p:txBody>
+      </p:sp>
+      <p:sp>
+        <p:nvSpPr>
+          <p:cNvPr id="54" name="ZoneTexte 53">
+            <a:extLst>
+              <a:ext uri="{FF2B5EF4-FFF2-40B4-BE49-F238E27FC236}">
+                <a16:creationId xmlns:a16="http://schemas.microsoft.com/office/drawing/2014/main" id="{BEE10F7E-F440-4DB2-B571-F19B6E7F0DA2}"/>
+              </a:ext>
+            </a:extLst>
+          </p:cNvPr>
+          <p:cNvSpPr txBox="1"/>
+          <p:nvPr/>
+        </p:nvSpPr>
+        <p:spPr>
+          <a:xfrm>
+            <a:off x="3147108" y="3437540"/>
+            <a:ext cx="301686" cy="369332"/>
+          </a:xfrm>
+          <a:prstGeom prst="rect">
+            <a:avLst/>
+          </a:prstGeom>
+          <a:noFill/>
+        </p:spPr>
+        <p:txBody>
+          <a:bodyPr wrap="none" rtlCol="0">
+            <a:spAutoFit/>
+          </a:bodyPr>
+          <a:lstStyle/>
+          <a:p>
+            <a:r>
+              <a:rPr lang="en-US"/>
+              <a:t>3</a:t>
+            </a:r>
+          </a:p>
+        </p:txBody>
+      </p:sp>
+      <p:sp>
+        <p:nvSpPr>
+          <p:cNvPr id="55" name="ZoneTexte 54">
+            <a:extLst>
+              <a:ext uri="{FF2B5EF4-FFF2-40B4-BE49-F238E27FC236}">
+                <a16:creationId xmlns:a16="http://schemas.microsoft.com/office/drawing/2014/main" id="{B4C5335C-65FB-49EB-954A-1D0A2D769C21}"/>
+              </a:ext>
+            </a:extLst>
+          </p:cNvPr>
+          <p:cNvSpPr txBox="1"/>
+          <p:nvPr/>
+        </p:nvSpPr>
+        <p:spPr>
+          <a:xfrm>
+            <a:off x="3128915" y="4234177"/>
+            <a:ext cx="301686" cy="369332"/>
+          </a:xfrm>
+          <a:prstGeom prst="rect">
+            <a:avLst/>
+          </a:prstGeom>
+          <a:noFill/>
+        </p:spPr>
+        <p:txBody>
+          <a:bodyPr wrap="square" rtlCol="0">
+            <a:spAutoFit/>
+          </a:bodyPr>
+          <a:lstStyle/>
+          <a:p>
+            <a:r>
+              <a:rPr lang="en-US"/>
+              <a:t>4</a:t>
+            </a:r>
+          </a:p>
+        </p:txBody>
+      </p:sp>
+      <p:sp>
+        <p:nvSpPr>
+          <p:cNvPr id="57" name="ZoneTexte 56">
+            <a:extLst>
+              <a:ext uri="{FF2B5EF4-FFF2-40B4-BE49-F238E27FC236}">
+                <a16:creationId xmlns:a16="http://schemas.microsoft.com/office/drawing/2014/main" id="{F3343C6C-4211-4057-8C7E-ECEB29EE9024}"/>
+              </a:ext>
+            </a:extLst>
+          </p:cNvPr>
+          <p:cNvSpPr txBox="1"/>
+          <p:nvPr/>
+        </p:nvSpPr>
+        <p:spPr>
+          <a:xfrm>
+            <a:off x="3135678" y="8120115"/>
+            <a:ext cx="1127232" cy="369332"/>
+          </a:xfrm>
+          <a:prstGeom prst="rect">
+            <a:avLst/>
+          </a:prstGeom>
+          <a:noFill/>
+        </p:spPr>
+        <p:txBody>
+          <a:bodyPr wrap="none" rtlCol="0">
+            <a:spAutoFit/>
+          </a:bodyPr>
+          <a:lstStyle/>
+          <a:p>
+            <a:r>
+              <a:rPr lang="en-US"/>
+              <a:t>Action = 6</a:t>
+            </a:r>
+          </a:p>
+        </p:txBody>
+      </p:sp>
+      <p:cxnSp>
+        <p:nvCxnSpPr>
+          <p:cNvPr id="59" name="Connecteur droit 58">
+            <a:extLst>
+              <a:ext uri="{FF2B5EF4-FFF2-40B4-BE49-F238E27FC236}">
+                <a16:creationId xmlns:a16="http://schemas.microsoft.com/office/drawing/2014/main" id="{260A01B0-5886-409A-A6AE-79BBBEA41673}"/>
+              </a:ext>
+            </a:extLst>
+          </p:cNvPr>
+          <p:cNvCxnSpPr>
+            <a:cxnSpLocks/>
+            <a:stCxn id="10" idx="3"/>
+          </p:cNvCxnSpPr>
+          <p:nvPr/>
+        </p:nvCxnSpPr>
+        <p:spPr>
+          <a:xfrm>
+            <a:off x="3783378" y="1343723"/>
+            <a:ext cx="2644126" cy="0"/>
+          </a:xfrm>
+          <a:prstGeom prst="line">
+            <a:avLst/>
+          </a:prstGeom>
+          <a:ln w="38100"/>
+        </p:spPr>
+        <p:style>
+          <a:lnRef idx="1">
+            <a:schemeClr val="accent1"/>
+          </a:lnRef>
+          <a:fillRef idx="0">
+            <a:schemeClr val="accent1"/>
+          </a:fillRef>
+          <a:effectRef idx="0">
+            <a:schemeClr val="accent1"/>
+          </a:effectRef>
+          <a:fontRef idx="minor">
+            <a:schemeClr val="tx1"/>
+          </a:fontRef>
+        </p:style>
+      </p:cxnSp>
+      <p:cxnSp>
+        <p:nvCxnSpPr>
+          <p:cNvPr id="61" name="Connecteur droit 60">
+            <a:extLst>
+              <a:ext uri="{FF2B5EF4-FFF2-40B4-BE49-F238E27FC236}">
+                <a16:creationId xmlns:a16="http://schemas.microsoft.com/office/drawing/2014/main" id="{B132F71B-099E-4744-A3AF-2E4BCEF43BEF}"/>
+              </a:ext>
+            </a:extLst>
+          </p:cNvPr>
+          <p:cNvCxnSpPr>
+            <a:cxnSpLocks/>
+          </p:cNvCxnSpPr>
+          <p:nvPr/>
+        </p:nvCxnSpPr>
+        <p:spPr>
+          <a:xfrm>
+            <a:off x="6427504" y="1343723"/>
+            <a:ext cx="0" cy="6221178"/>
+          </a:xfrm>
+          <a:prstGeom prst="line">
+            <a:avLst/>
+          </a:prstGeom>
+          <a:ln w="38100"/>
+        </p:spPr>
+        <p:style>
+          <a:lnRef idx="1">
+            <a:schemeClr val="accent1"/>
+          </a:lnRef>
+          <a:fillRef idx="0">
+            <a:schemeClr val="accent1"/>
+          </a:fillRef>
+          <a:effectRef idx="0">
+            <a:schemeClr val="accent1"/>
+          </a:effectRef>
+          <a:fontRef idx="minor">
+            <a:schemeClr val="tx1"/>
+          </a:fontRef>
+        </p:style>
+      </p:cxnSp>
+      <p:sp>
+        <p:nvSpPr>
+          <p:cNvPr id="66" name="ZoneTexte 65">
+            <a:extLst>
+              <a:ext uri="{FF2B5EF4-FFF2-40B4-BE49-F238E27FC236}">
+                <a16:creationId xmlns:a16="http://schemas.microsoft.com/office/drawing/2014/main" id="{4BDF22BE-A9EE-436A-8067-876156DB4C8B}"/>
+              </a:ext>
+            </a:extLst>
+          </p:cNvPr>
+          <p:cNvSpPr txBox="1"/>
+          <p:nvPr/>
+        </p:nvSpPr>
+        <p:spPr>
+          <a:xfrm>
+            <a:off x="3855750" y="931516"/>
+            <a:ext cx="2377574" cy="369332"/>
+          </a:xfrm>
+          <a:prstGeom prst="rect">
+            <a:avLst/>
+          </a:prstGeom>
+          <a:noFill/>
+        </p:spPr>
+        <p:txBody>
+          <a:bodyPr wrap="none" rtlCol="0">
+            <a:spAutoFit/>
+          </a:bodyPr>
+          <a:lstStyle/>
+          <a:p>
+            <a:r>
+              <a:rPr lang="en-US"/>
+              <a:t>Action &gt; 7 or Action &lt; 1</a:t>
+            </a:r>
+          </a:p>
+        </p:txBody>
+      </p:sp>
+      <p:cxnSp>
+        <p:nvCxnSpPr>
+          <p:cNvPr id="70" name="Connecteur droit avec flèche 69">
+            <a:extLst>
+              <a:ext uri="{FF2B5EF4-FFF2-40B4-BE49-F238E27FC236}">
+                <a16:creationId xmlns:a16="http://schemas.microsoft.com/office/drawing/2014/main" id="{0054D2F3-9527-4CDA-8384-60C6C4B84888}"/>
+              </a:ext>
+            </a:extLst>
+          </p:cNvPr>
+          <p:cNvCxnSpPr>
+            <a:endCxn id="18" idx="3"/>
+          </p:cNvCxnSpPr>
+          <p:nvPr/>
+        </p:nvCxnSpPr>
+        <p:spPr>
+          <a:xfrm flipH="1">
+            <a:off x="4023408" y="7564901"/>
+            <a:ext cx="2392666" cy="0"/>
+          </a:xfrm>
+          <a:prstGeom prst="straightConnector1">
+            <a:avLst/>
+          </a:prstGeom>
+          <a:ln w="38100">
+            <a:tailEnd type="triangle"/>
+          </a:ln>
+        </p:spPr>
+        <p:style>
+          <a:lnRef idx="1">
+            <a:schemeClr val="accent1"/>
+          </a:lnRef>
+          <a:fillRef idx="0">
+            <a:schemeClr val="accent1"/>
+          </a:fillRef>
+          <a:effectRef idx="0">
+            <a:schemeClr val="accent1"/>
+          </a:effectRef>
+          <a:fontRef idx="minor">
+            <a:schemeClr val="tx1"/>
+          </a:fontRef>
+        </p:style>
+      </p:cxnSp>
+      <p:cxnSp>
+        <p:nvCxnSpPr>
+          <p:cNvPr id="75" name="Connecteur droit avec flèche 74">
+            <a:extLst>
+              <a:ext uri="{FF2B5EF4-FFF2-40B4-BE49-F238E27FC236}">
+                <a16:creationId xmlns:a16="http://schemas.microsoft.com/office/drawing/2014/main" id="{95BF9C80-D8AB-4B15-B00D-8E2C78F03AEA}"/>
+              </a:ext>
+            </a:extLst>
+          </p:cNvPr>
+          <p:cNvCxnSpPr>
+            <a:cxnSpLocks/>
+            <a:endCxn id="17" idx="0"/>
+          </p:cNvCxnSpPr>
+          <p:nvPr/>
+        </p:nvCxnSpPr>
+        <p:spPr>
+          <a:xfrm flipH="1">
+            <a:off x="3116628" y="5424568"/>
+            <a:ext cx="7619" cy="1856753"/>
+          </a:xfrm>
+          <a:prstGeom prst="straightConnector1">
+            <a:avLst/>
+          </a:prstGeom>
+          <a:ln w="38100">
+            <a:tailEnd type="triangle"/>
+          </a:ln>
+        </p:spPr>
+        <p:style>
+          <a:lnRef idx="1">
+            <a:schemeClr val="accent1"/>
+          </a:lnRef>
+          <a:fillRef idx="0">
+            <a:schemeClr val="accent1"/>
+          </a:fillRef>
+          <a:effectRef idx="0">
+            <a:schemeClr val="accent1"/>
+          </a:effectRef>
+          <a:fontRef idx="minor">
+            <a:schemeClr val="tx1"/>
+          </a:fontRef>
+        </p:style>
+      </p:cxnSp>
+      <p:cxnSp>
+        <p:nvCxnSpPr>
+          <p:cNvPr id="78" name="Connecteur droit 77">
+            <a:extLst>
+              <a:ext uri="{FF2B5EF4-FFF2-40B4-BE49-F238E27FC236}">
+                <a16:creationId xmlns:a16="http://schemas.microsoft.com/office/drawing/2014/main" id="{00687781-D932-464C-88E5-9BE6C9128D55}"/>
+              </a:ext>
+            </a:extLst>
+          </p:cNvPr>
+          <p:cNvCxnSpPr>
+            <a:stCxn id="18" idx="1"/>
+          </p:cNvCxnSpPr>
+          <p:nvPr/>
+        </p:nvCxnSpPr>
+        <p:spPr>
+          <a:xfrm flipH="1">
+            <a:off x="693468" y="7564901"/>
+            <a:ext cx="1516380" cy="0"/>
+          </a:xfrm>
+          <a:prstGeom prst="line">
+            <a:avLst/>
+          </a:prstGeom>
+          <a:ln w="38100"/>
+        </p:spPr>
+        <p:style>
+          <a:lnRef idx="1">
+            <a:schemeClr val="accent1"/>
+          </a:lnRef>
+          <a:fillRef idx="0">
+            <a:schemeClr val="accent1"/>
+          </a:fillRef>
+          <a:effectRef idx="0">
+            <a:schemeClr val="accent1"/>
+          </a:effectRef>
+          <a:fontRef idx="minor">
+            <a:schemeClr val="tx1"/>
+          </a:fontRef>
+        </p:style>
+      </p:cxnSp>
+      <p:cxnSp>
+        <p:nvCxnSpPr>
+          <p:cNvPr id="80" name="Connecteur : en angle 79">
+            <a:extLst>
+              <a:ext uri="{FF2B5EF4-FFF2-40B4-BE49-F238E27FC236}">
+                <a16:creationId xmlns:a16="http://schemas.microsoft.com/office/drawing/2014/main" id="{BDD2A20E-A415-40DA-A6F9-0AB123BA8BF1}"/>
+              </a:ext>
+            </a:extLst>
+          </p:cNvPr>
+          <p:cNvCxnSpPr>
+            <a:cxnSpLocks/>
+            <a:endCxn id="10" idx="1"/>
+          </p:cNvCxnSpPr>
+          <p:nvPr/>
+        </p:nvCxnSpPr>
+        <p:spPr>
+          <a:xfrm rot="5400000" flipH="1" flipV="1">
+            <a:off x="-1527486" y="3564677"/>
+            <a:ext cx="6221178" cy="1779270"/>
+          </a:xfrm>
+          <a:prstGeom prst="bentConnector2">
+            <a:avLst/>
+          </a:prstGeom>
+          <a:ln w="38100">
+            <a:tailEnd type="triangle"/>
+          </a:ln>
+        </p:spPr>
+        <p:style>
+          <a:lnRef idx="1">
+            <a:schemeClr val="accent1"/>
+          </a:lnRef>
+          <a:fillRef idx="0">
+            <a:schemeClr val="accent1"/>
+          </a:fillRef>
+          <a:effectRef idx="0">
+            <a:schemeClr val="accent1"/>
+          </a:effectRef>
+          <a:fontRef idx="minor">
+            <a:schemeClr val="tx1"/>
+          </a:fontRef>
+        </p:style>
+      </p:cxnSp>
+      <p:sp>
+        <p:nvSpPr>
+          <p:cNvPr id="87" name="ZoneTexte 86">
+            <a:extLst>
+              <a:ext uri="{FF2B5EF4-FFF2-40B4-BE49-F238E27FC236}">
+                <a16:creationId xmlns:a16="http://schemas.microsoft.com/office/drawing/2014/main" id="{419DDC03-45EC-459C-A324-3D15C376464C}"/>
+              </a:ext>
+            </a:extLst>
+          </p:cNvPr>
+          <p:cNvSpPr txBox="1"/>
+          <p:nvPr/>
+        </p:nvSpPr>
+        <p:spPr>
+          <a:xfrm>
+            <a:off x="888042" y="7663815"/>
+            <a:ext cx="1202573" cy="369332"/>
+          </a:xfrm>
+          <a:prstGeom prst="rect">
+            <a:avLst/>
+          </a:prstGeom>
+          <a:noFill/>
+        </p:spPr>
+        <p:txBody>
+          <a:bodyPr wrap="none" rtlCol="0">
+            <a:spAutoFit/>
+          </a:bodyPr>
+          <a:lstStyle/>
+          <a:p>
+            <a:r>
+              <a:rPr lang="en-US"/>
+              <a:t>Action != 6</a:t>
+            </a:r>
+          </a:p>
+        </p:txBody>
+      </p:sp>
+      <p:sp>
+        <p:nvSpPr>
+          <p:cNvPr id="41" name="Rectangle : coins arrondis 40">
+            <a:extLst>
+              <a:ext uri="{FF2B5EF4-FFF2-40B4-BE49-F238E27FC236}">
+                <a16:creationId xmlns:a16="http://schemas.microsoft.com/office/drawing/2014/main" id="{8EEF722D-C682-4C06-A631-4CCFDDB6BA78}"/>
+              </a:ext>
+            </a:extLst>
+          </p:cNvPr>
+          <p:cNvSpPr/>
+          <p:nvPr/>
+        </p:nvSpPr>
+        <p:spPr>
+          <a:xfrm>
+            <a:off x="514338" y="9590909"/>
+            <a:ext cx="1341120" cy="701040"/>
+          </a:xfrm>
+          <a:prstGeom prst="roundRect">
+            <a:avLst/>
+          </a:prstGeom>
+          <a:solidFill>
+            <a:schemeClr val="accent2">
+              <a:lumMod val="20000"/>
+              <a:lumOff val="80000"/>
+            </a:schemeClr>
+          </a:solidFill>
+          <a:ln w="38100">
+            <a:solidFill>
+              <a:schemeClr val="accent1"/>
+            </a:solidFill>
+          </a:ln>
+        </p:spPr>
+        <p:style>
+          <a:lnRef idx="2">
+            <a:schemeClr val="accent1">
+              <a:shade val="50000"/>
+            </a:schemeClr>
+          </a:lnRef>
+          <a:fillRef idx="1">
+            <a:schemeClr val="accent1"/>
+          </a:fillRef>
+          <a:effectRef idx="0">
+            <a:schemeClr val="accent1"/>
+          </a:effectRef>
+          <a:fontRef idx="minor">
+            <a:schemeClr val="lt1"/>
+          </a:fontRef>
+        </p:style>
+        <p:txBody>
+          <a:bodyPr rtlCol="0" anchor="ctr"/>
+          <a:lstStyle/>
+          <a:p>
+            <a:pPr algn="ctr"/>
+            <a:endParaRPr lang="en-US"/>
+          </a:p>
+        </p:txBody>
+      </p:sp>
+      <p:sp>
+        <p:nvSpPr>
+          <p:cNvPr id="42" name="ZoneTexte 41">
+            <a:extLst>
+              <a:ext uri="{FF2B5EF4-FFF2-40B4-BE49-F238E27FC236}">
+                <a16:creationId xmlns:a16="http://schemas.microsoft.com/office/drawing/2014/main" id="{6B9B1D25-67C5-460F-B2AF-520E2CF8AC9C}"/>
+              </a:ext>
+            </a:extLst>
+          </p:cNvPr>
+          <p:cNvSpPr txBox="1"/>
+          <p:nvPr/>
+        </p:nvSpPr>
+        <p:spPr>
+          <a:xfrm>
+            <a:off x="514338" y="9756763"/>
+            <a:ext cx="1341120" cy="369332"/>
+          </a:xfrm>
+          <a:prstGeom prst="rect">
+            <a:avLst/>
+          </a:prstGeom>
+          <a:noFill/>
+        </p:spPr>
+        <p:txBody>
+          <a:bodyPr wrap="square" rtlCol="0">
+            <a:spAutoFit/>
+          </a:bodyPr>
+          <a:lstStyle/>
+          <a:p>
+            <a:pPr algn="ctr"/>
+            <a:r>
+              <a:rPr lang="en-US" dirty="0"/>
+              <a:t>Function</a:t>
+            </a:r>
+          </a:p>
+        </p:txBody>
+      </p:sp>
+      <p:sp>
+        <p:nvSpPr>
+          <p:cNvPr id="44" name="Organigramme : Décision 43">
+            <a:extLst>
+              <a:ext uri="{FF2B5EF4-FFF2-40B4-BE49-F238E27FC236}">
+                <a16:creationId xmlns:a16="http://schemas.microsoft.com/office/drawing/2014/main" id="{058DD86D-DEB4-4DCD-9606-06B971865D0C}"/>
+              </a:ext>
+            </a:extLst>
+          </p:cNvPr>
+          <p:cNvSpPr/>
+          <p:nvPr/>
+        </p:nvSpPr>
+        <p:spPr>
+          <a:xfrm>
+            <a:off x="2214874" y="9421209"/>
+            <a:ext cx="2080060" cy="1032486"/>
+          </a:xfrm>
+          <a:prstGeom prst="flowChartDecision">
+            <a:avLst/>
+          </a:prstGeom>
+          <a:solidFill>
+            <a:schemeClr val="accent6">
+              <a:lumMod val="40000"/>
+              <a:lumOff val="60000"/>
+            </a:schemeClr>
+          </a:solidFill>
+          <a:ln w="38100">
+            <a:solidFill>
+              <a:schemeClr val="accent1"/>
+            </a:solidFill>
+          </a:ln>
+        </p:spPr>
+        <p:style>
+          <a:lnRef idx="2">
+            <a:schemeClr val="accent1">
+              <a:shade val="50000"/>
+            </a:schemeClr>
+          </a:lnRef>
+          <a:fillRef idx="1">
+            <a:schemeClr val="accent1"/>
+          </a:fillRef>
+          <a:effectRef idx="0">
+            <a:schemeClr val="accent1"/>
+          </a:effectRef>
+          <a:fontRef idx="minor">
+            <a:schemeClr val="lt1"/>
+          </a:fontRef>
+        </p:style>
+        <p:txBody>
+          <a:bodyPr rtlCol="0" anchor="ctr"/>
+          <a:lstStyle/>
+          <a:p>
+            <a:pPr algn="ctr"/>
+            <a:endParaRPr lang="en-US"/>
+          </a:p>
+        </p:txBody>
+      </p:sp>
+      <p:sp>
+        <p:nvSpPr>
+          <p:cNvPr id="43" name="ZoneTexte 42">
+            <a:extLst>
+              <a:ext uri="{FF2B5EF4-FFF2-40B4-BE49-F238E27FC236}">
+                <a16:creationId xmlns:a16="http://schemas.microsoft.com/office/drawing/2014/main" id="{E4308753-4F73-4423-AF59-E28C304C0124}"/>
+              </a:ext>
+            </a:extLst>
+          </p:cNvPr>
+          <p:cNvSpPr txBox="1"/>
+          <p:nvPr/>
+        </p:nvSpPr>
+        <p:spPr>
+          <a:xfrm>
+            <a:off x="2596900" y="9734132"/>
+            <a:ext cx="1277907" cy="369332"/>
+          </a:xfrm>
+          <a:prstGeom prst="rect">
+            <a:avLst/>
+          </a:prstGeom>
+          <a:noFill/>
+        </p:spPr>
+        <p:txBody>
+          <a:bodyPr wrap="square" rtlCol="0">
+            <a:spAutoFit/>
+          </a:bodyPr>
+          <a:lstStyle/>
+          <a:p>
+            <a:r>
+              <a:rPr lang="en-US" dirty="0"/>
+              <a:t>Declaration</a:t>
+            </a:r>
+          </a:p>
+        </p:txBody>
+      </p:sp>
+      <p:sp>
+        <p:nvSpPr>
+          <p:cNvPr id="45" name="Rectangle 44">
+            <a:extLst>
+              <a:ext uri="{FF2B5EF4-FFF2-40B4-BE49-F238E27FC236}">
+                <a16:creationId xmlns:a16="http://schemas.microsoft.com/office/drawing/2014/main" id="{2F6D8BA4-9370-4548-AB3E-78EF2E99038B}"/>
+              </a:ext>
+            </a:extLst>
+          </p:cNvPr>
+          <p:cNvSpPr/>
+          <p:nvPr/>
+        </p:nvSpPr>
+        <p:spPr>
+          <a:xfrm>
+            <a:off x="4547474" y="9618021"/>
+            <a:ext cx="1813544" cy="567160"/>
+          </a:xfrm>
+          <a:prstGeom prst="rect">
+            <a:avLst/>
+          </a:prstGeom>
+          <a:solidFill>
+            <a:schemeClr val="accent6">
+              <a:lumMod val="40000"/>
+              <a:lumOff val="60000"/>
+            </a:schemeClr>
+          </a:solidFill>
+          <a:ln w="38100">
+            <a:solidFill>
+              <a:schemeClr val="accent1"/>
+            </a:solidFill>
+          </a:ln>
+        </p:spPr>
+        <p:style>
+          <a:lnRef idx="2">
+            <a:schemeClr val="accent1">
+              <a:shade val="50000"/>
+            </a:schemeClr>
+          </a:lnRef>
+          <a:fillRef idx="1">
+            <a:schemeClr val="accent1"/>
+          </a:fillRef>
+          <a:effectRef idx="0">
+            <a:schemeClr val="accent1"/>
+          </a:effectRef>
+          <a:fontRef idx="minor">
+            <a:schemeClr val="lt1"/>
+          </a:fontRef>
+        </p:style>
+        <p:txBody>
+          <a:bodyPr rtlCol="0" anchor="ctr"/>
+          <a:lstStyle/>
+          <a:p>
+            <a:pPr algn="ctr"/>
+            <a:endParaRPr lang="en-US"/>
+          </a:p>
+        </p:txBody>
+      </p:sp>
+      <p:sp>
+        <p:nvSpPr>
+          <p:cNvPr id="46" name="ZoneTexte 45">
+            <a:extLst>
+              <a:ext uri="{FF2B5EF4-FFF2-40B4-BE49-F238E27FC236}">
+                <a16:creationId xmlns:a16="http://schemas.microsoft.com/office/drawing/2014/main" id="{43712545-0C11-438C-9FE6-046AA15B3826}"/>
+              </a:ext>
+            </a:extLst>
+          </p:cNvPr>
+          <p:cNvSpPr txBox="1"/>
+          <p:nvPr/>
+        </p:nvSpPr>
+        <p:spPr>
+          <a:xfrm>
+            <a:off x="4854119" y="9726362"/>
+            <a:ext cx="1138834" cy="369332"/>
+          </a:xfrm>
+          <a:prstGeom prst="rect">
+            <a:avLst/>
+          </a:prstGeom>
+          <a:noFill/>
+        </p:spPr>
+        <p:txBody>
+          <a:bodyPr wrap="square" rtlCol="0">
+            <a:spAutoFit/>
+          </a:bodyPr>
+          <a:lstStyle/>
+          <a:p>
+            <a:r>
+              <a:rPr lang="en-US" dirty="0"/>
+              <a:t>Condition </a:t>
+            </a:r>
+          </a:p>
+        </p:txBody>
+      </p:sp>
+      <p:cxnSp>
+        <p:nvCxnSpPr>
+          <p:cNvPr id="58" name="Connecteur droit 57">
+            <a:extLst>
+              <a:ext uri="{FF2B5EF4-FFF2-40B4-BE49-F238E27FC236}">
+                <a16:creationId xmlns:a16="http://schemas.microsoft.com/office/drawing/2014/main" id="{4835F9B8-17C1-4D48-86D6-BB97327D42F3}"/>
+              </a:ext>
+            </a:extLst>
+          </p:cNvPr>
+          <p:cNvCxnSpPr>
+            <a:cxnSpLocks/>
+          </p:cNvCxnSpPr>
+          <p:nvPr/>
+        </p:nvCxnSpPr>
+        <p:spPr>
+          <a:xfrm>
+            <a:off x="3129186" y="5516400"/>
+            <a:ext cx="691499" cy="0"/>
+          </a:xfrm>
+          <a:prstGeom prst="line">
+            <a:avLst/>
+          </a:prstGeom>
+          <a:ln w="38100"/>
+        </p:spPr>
+        <p:style>
+          <a:lnRef idx="3">
+            <a:schemeClr val="accent1"/>
+          </a:lnRef>
+          <a:fillRef idx="0">
+            <a:schemeClr val="accent1"/>
+          </a:fillRef>
+          <a:effectRef idx="2">
+            <a:schemeClr val="accent1"/>
+          </a:effectRef>
+          <a:fontRef idx="minor">
+            <a:schemeClr val="tx1"/>
+          </a:fontRef>
+        </p:style>
+      </p:cxnSp>
+      <p:sp>
+        <p:nvSpPr>
+          <p:cNvPr id="60" name="Rectangle : coins arrondis 59">
+            <a:extLst>
+              <a:ext uri="{FF2B5EF4-FFF2-40B4-BE49-F238E27FC236}">
+                <a16:creationId xmlns:a16="http://schemas.microsoft.com/office/drawing/2014/main" id="{3E8E7342-3D35-4ED9-B0B3-87EDEDCF9F46}"/>
+              </a:ext>
+            </a:extLst>
+          </p:cNvPr>
+          <p:cNvSpPr/>
+          <p:nvPr/>
+        </p:nvSpPr>
+        <p:spPr>
+          <a:xfrm>
+            <a:off x="3851837" y="5169551"/>
+            <a:ext cx="2165585" cy="701040"/>
+          </a:xfrm>
+          <a:prstGeom prst="roundRect">
+            <a:avLst/>
+          </a:prstGeom>
+          <a:solidFill>
+            <a:schemeClr val="accent2">
+              <a:lumMod val="20000"/>
+              <a:lumOff val="80000"/>
+            </a:schemeClr>
+          </a:solidFill>
+          <a:ln w="38100">
+            <a:solidFill>
+              <a:schemeClr val="accent1"/>
+            </a:solidFill>
+          </a:ln>
+        </p:spPr>
+        <p:style>
+          <a:lnRef idx="2">
+            <a:schemeClr val="accent1">
+              <a:shade val="50000"/>
+            </a:schemeClr>
+          </a:lnRef>
+          <a:fillRef idx="1">
+            <a:schemeClr val="accent1"/>
+          </a:fillRef>
+          <a:effectRef idx="0">
+            <a:schemeClr val="accent1"/>
+          </a:effectRef>
+          <a:fontRef idx="minor">
+            <a:schemeClr val="lt1"/>
+          </a:fontRef>
+        </p:style>
+        <p:txBody>
+          <a:bodyPr rtlCol="0" anchor="ctr"/>
+          <a:lstStyle/>
+          <a:p>
+            <a:pPr algn="ctr"/>
+            <a:endParaRPr lang="en-US"/>
+          </a:p>
+        </p:txBody>
+      </p:sp>
+      <p:sp>
+        <p:nvSpPr>
+          <p:cNvPr id="62" name="ZoneTexte 61">
+            <a:extLst>
+              <a:ext uri="{FF2B5EF4-FFF2-40B4-BE49-F238E27FC236}">
+                <a16:creationId xmlns:a16="http://schemas.microsoft.com/office/drawing/2014/main" id="{8621088E-37F6-4541-9B9E-C8D1896FE272}"/>
+              </a:ext>
+            </a:extLst>
+          </p:cNvPr>
+          <p:cNvSpPr txBox="1"/>
+          <p:nvPr/>
+        </p:nvSpPr>
+        <p:spPr>
+          <a:xfrm flipH="1">
+            <a:off x="4022648" y="5335405"/>
+            <a:ext cx="2002393" cy="369332"/>
+          </a:xfrm>
+          <a:prstGeom prst="rect">
+            <a:avLst/>
+          </a:prstGeom>
+          <a:noFill/>
+        </p:spPr>
+        <p:txBody>
+          <a:bodyPr wrap="square" rtlCol="0">
+            <a:spAutoFit/>
+          </a:bodyPr>
+          <a:lstStyle/>
+          <a:p>
+            <a:r>
+              <a:rPr lang="en-US" dirty="0"/>
+              <a:t>Field of interest</a:t>
+            </a:r>
+          </a:p>
+        </p:txBody>
+      </p:sp>
+      <p:sp>
+        <p:nvSpPr>
+          <p:cNvPr id="63" name="ZoneTexte 62">
+            <a:extLst>
+              <a:ext uri="{FF2B5EF4-FFF2-40B4-BE49-F238E27FC236}">
+                <a16:creationId xmlns:a16="http://schemas.microsoft.com/office/drawing/2014/main" id="{0048B181-0F77-4F56-9E17-B1188DAA637E}"/>
+              </a:ext>
+            </a:extLst>
+          </p:cNvPr>
+          <p:cNvSpPr txBox="1"/>
+          <p:nvPr/>
+        </p:nvSpPr>
+        <p:spPr>
+          <a:xfrm>
+            <a:off x="3128915" y="5116973"/>
+            <a:ext cx="301686" cy="369332"/>
+          </a:xfrm>
+          <a:prstGeom prst="rect">
+            <a:avLst/>
+          </a:prstGeom>
+          <a:noFill/>
+        </p:spPr>
+        <p:txBody>
+          <a:bodyPr wrap="square" rtlCol="0">
+            <a:spAutoFit/>
+          </a:bodyPr>
+          <a:lstStyle/>
+          <a:p>
+            <a:r>
+              <a:rPr lang="en-US" dirty="0"/>
+              <a:t>5</a:t>
+            </a:r>
+          </a:p>
+        </p:txBody>
+      </p:sp>
+    </p:spTree>
+    <p:extLst>
+      <p:ext uri="{BB962C8B-B14F-4D97-AF65-F5344CB8AC3E}">
+        <p14:creationId xmlns:p14="http://schemas.microsoft.com/office/powerpoint/2010/main" val="741915787"/>
       </p:ext>
     </p:extLst>
   </p:cSld>

--- a/Logigramme.pptx
+++ b/Logigramme.pptx
@@ -211,7 +211,7 @@
           <a:p>
             <a:fld id="{6DB11FC9-DB71-4FCD-B24A-8CFDBBDA2248}" type="datetimeFigureOut">
               <a:rPr lang="fr-FR" smtClean="0"/>
-              <a:t>03/04/2021</a:t>
+              <a:t>04/04/2021</a:t>
             </a:fld>
             <a:endParaRPr lang="fr-FR"/>
           </a:p>
@@ -945,7 +945,7 @@
           <a:p>
             <a:fld id="{F46DF896-33B0-477A-B23E-DA29BDD0D611}" type="datetimeFigureOut">
               <a:rPr lang="fr-FR" smtClean="0"/>
-              <a:t>03/04/2021</a:t>
+              <a:t>04/04/2021</a:t>
             </a:fld>
             <a:endParaRPr lang="fr-FR"/>
           </a:p>
@@ -1115,7 +1115,7 @@
           <a:p>
             <a:fld id="{F46DF896-33B0-477A-B23E-DA29BDD0D611}" type="datetimeFigureOut">
               <a:rPr lang="fr-FR" smtClean="0"/>
-              <a:t>03/04/2021</a:t>
+              <a:t>04/04/2021</a:t>
             </a:fld>
             <a:endParaRPr lang="fr-FR"/>
           </a:p>
@@ -1295,7 +1295,7 @@
           <a:p>
             <a:fld id="{F46DF896-33B0-477A-B23E-DA29BDD0D611}" type="datetimeFigureOut">
               <a:rPr lang="fr-FR" smtClean="0"/>
-              <a:t>03/04/2021</a:t>
+              <a:t>04/04/2021</a:t>
             </a:fld>
             <a:endParaRPr lang="fr-FR"/>
           </a:p>
@@ -1465,7 +1465,7 @@
           <a:p>
             <a:fld id="{F46DF896-33B0-477A-B23E-DA29BDD0D611}" type="datetimeFigureOut">
               <a:rPr lang="fr-FR" smtClean="0"/>
-              <a:t>03/04/2021</a:t>
+              <a:t>04/04/2021</a:t>
             </a:fld>
             <a:endParaRPr lang="fr-FR"/>
           </a:p>
@@ -1709,7 +1709,7 @@
           <a:p>
             <a:fld id="{F46DF896-33B0-477A-B23E-DA29BDD0D611}" type="datetimeFigureOut">
               <a:rPr lang="fr-FR" smtClean="0"/>
-              <a:t>03/04/2021</a:t>
+              <a:t>04/04/2021</a:t>
             </a:fld>
             <a:endParaRPr lang="fr-FR"/>
           </a:p>
@@ -1941,7 +1941,7 @@
           <a:p>
             <a:fld id="{F46DF896-33B0-477A-B23E-DA29BDD0D611}" type="datetimeFigureOut">
               <a:rPr lang="fr-FR" smtClean="0"/>
-              <a:t>03/04/2021</a:t>
+              <a:t>04/04/2021</a:t>
             </a:fld>
             <a:endParaRPr lang="fr-FR"/>
           </a:p>
@@ -2308,7 +2308,7 @@
           <a:p>
             <a:fld id="{F46DF896-33B0-477A-B23E-DA29BDD0D611}" type="datetimeFigureOut">
               <a:rPr lang="fr-FR" smtClean="0"/>
-              <a:t>03/04/2021</a:t>
+              <a:t>04/04/2021</a:t>
             </a:fld>
             <a:endParaRPr lang="fr-FR"/>
           </a:p>
@@ -2426,7 +2426,7 @@
           <a:p>
             <a:fld id="{F46DF896-33B0-477A-B23E-DA29BDD0D611}" type="datetimeFigureOut">
               <a:rPr lang="fr-FR" smtClean="0"/>
-              <a:t>03/04/2021</a:t>
+              <a:t>04/04/2021</a:t>
             </a:fld>
             <a:endParaRPr lang="fr-FR"/>
           </a:p>
@@ -2521,7 +2521,7 @@
           <a:p>
             <a:fld id="{F46DF896-33B0-477A-B23E-DA29BDD0D611}" type="datetimeFigureOut">
               <a:rPr lang="fr-FR" smtClean="0"/>
-              <a:t>03/04/2021</a:t>
+              <a:t>04/04/2021</a:t>
             </a:fld>
             <a:endParaRPr lang="fr-FR"/>
           </a:p>
@@ -2798,7 +2798,7 @@
           <a:p>
             <a:fld id="{F46DF896-33B0-477A-B23E-DA29BDD0D611}" type="datetimeFigureOut">
               <a:rPr lang="fr-FR" smtClean="0"/>
-              <a:t>03/04/2021</a:t>
+              <a:t>04/04/2021</a:t>
             </a:fld>
             <a:endParaRPr lang="fr-FR"/>
           </a:p>
@@ -3055,7 +3055,7 @@
           <a:p>
             <a:fld id="{F46DF896-33B0-477A-B23E-DA29BDD0D611}" type="datetimeFigureOut">
               <a:rPr lang="fr-FR" smtClean="0"/>
-              <a:t>03/04/2021</a:t>
+              <a:t>04/04/2021</a:t>
             </a:fld>
             <a:endParaRPr lang="fr-FR"/>
           </a:p>
@@ -3298,7 +3298,7 @@
           <a:p>
             <a:fld id="{F46DF896-33B0-477A-B23E-DA29BDD0D611}" type="datetimeFigureOut">
               <a:rPr lang="fr-FR" smtClean="0"/>
-              <a:t>03/04/2021</a:t>
+              <a:t>04/04/2021</a:t>
             </a:fld>
             <a:endParaRPr lang="fr-FR"/>
           </a:p>
@@ -4514,9 +4514,14 @@
           <a:lstStyle/>
           <a:p>
             <a:r>
-              <a:rPr lang="en-US"/>
-              <a:t>Quit fonction</a:t>
-            </a:r>
+              <a:rPr lang="en-US" dirty="0"/>
+              <a:t>Quit </a:t>
+            </a:r>
+            <a:r>
+              <a:rPr lang="en-US" dirty="0" err="1"/>
+              <a:t>fonction</a:t>
+            </a:r>
+            <a:endParaRPr lang="en-US" dirty="0"/>
           </a:p>
         </p:txBody>
       </p:sp>
